--- a/MinecraftComputerCraftLua2017.pptx
+++ b/MinecraftComputerCraftLua2017.pptx
@@ -2285,6 +2285,18 @@
             </a:pPr>
             <a:r>
               <a:rPr lang="en"/>
+              <a:t>Call main() to run functions after you define it.</a:t>
+            </a:r>
+          </a:p>
+          <a:p>
+            <a:pPr lvl="0">
+              <a:spcBef>
+                <a:spcPts val="0"/>
+              </a:spcBef>
+              <a:buNone/>
+            </a:pPr>
+            <a:r>
+              <a:rPr lang="en"/>
               <a:t>Explain Requirements.    </a:t>
             </a:r>
           </a:p>
@@ -3258,7 +3270,7 @@
             </a:pPr>
             <a:r>
               <a:rPr lang="en"/>
-              <a:t>We have a lot to cover in this session so it will be fast paced!   Please, check out provided cheat sheets on the Lua programming language and the Cheat Sheet of Solutions to the 7 Steps to build your own That Cabin.</a:t>
+              <a:t>We have a lot to cover in this session so it will be fast paced!   Please, check out provided cheat sheets on the Lua programming language and the Cheat Sheet of Set up World and the 7 Steps to build your own That Cabin.</a:t>
             </a:r>
           </a:p>
           <a:p>
@@ -3488,7 +3500,23 @@
             </a:pPr>
             <a:r>
               <a:rPr lang="en"/>
-              <a:t>Are you sick and tired of manually mining and building things? </a:t>
+              <a:t>Are you sick and tired of </a:t>
+            </a:r>
+            <a:r>
+              <a:rPr lang="en"/>
+              <a:t>searching</a:t>
+            </a:r>
+            <a:r>
+              <a:rPr lang="en"/>
+              <a:t> for the elusive </a:t>
+            </a:r>
+            <a:r>
+              <a:rPr lang="en"/>
+              <a:t>diamonds and</a:t>
+            </a:r>
+            <a:r>
+              <a:rPr lang="en"/>
+              <a:t> planting crops so you can eat? </a:t>
             </a:r>
           </a:p>
           <a:p>
@@ -3783,6 +3811,18 @@
             <a:r>
               <a:rPr lang="en"/>
               <a:t>Just assign a number, string, or boolean to a variable name of your choosing.</a:t>
+            </a:r>
+          </a:p>
+          <a:p>
+            <a:pPr lvl="0">
+              <a:spcBef>
+                <a:spcPts val="0"/>
+              </a:spcBef>
+              <a:buNone/>
+            </a:pPr>
+            <a:r>
+              <a:rPr lang="en"/>
+              <a:t>How to create a global variable is name it than put an = to assign the variable  and then the item you want it to hold.</a:t>
             </a:r>
           </a:p>
           <a:p>
@@ -13027,7 +13067,7 @@
             </a:r>
             <a:r>
               <a:rPr lang="en"/>
-              <a:t>function build_story(wall_length).</a:t>
+              <a:t>function build_story(wall_length). A wall length of 4</a:t>
             </a:r>
           </a:p>
           <a:p>

--- a/MinecraftComputerCraftLua2017.pptx
+++ b/MinecraftComputerCraftLua2017.pptx
@@ -37,19 +37,18 @@
     <p:sldId id="282" r:id="rId31"/>
     <p:sldId id="283" r:id="rId32"/>
     <p:sldId id="284" r:id="rId33"/>
-    <p:sldId id="285" r:id="rId34"/>
   </p:sldIdLst>
   <p:sldSz cy="5143500" cx="9144000"/>
   <p:notesSz cx="6858000" cy="9144000"/>
   <p:embeddedFontLst>
     <p:embeddedFont>
       <p:font typeface="Average"/>
-      <p:regular r:id="rId35"/>
+      <p:regular r:id="rId34"/>
     </p:embeddedFont>
     <p:embeddedFont>
       <p:font typeface="Oswald"/>
-      <p:regular r:id="rId36"/>
-      <p:bold r:id="rId37"/>
+      <p:regular r:id="rId35"/>
+      <p:bold r:id="rId36"/>
     </p:embeddedFont>
   </p:embeddedFontLst>
   <p:defaultTextStyle>
@@ -508,7 +507,7 @@
             </a:r>
             <a:r>
               <a:rPr lang="en"/>
-              <a:t> a program to  build “That Cabin” at That Conference.</a:t>
+              <a:t> a program to  build That Cabin at That Conference in 7 easy steps.</a:t>
             </a:r>
           </a:p>
           <a:p>
@@ -532,15 +531,19 @@
             </a:pPr>
             <a:r>
               <a:rPr lang="en"/>
-              <a:t>We have a lot of ground to cover in the time </a:t>
-            </a:r>
-            <a:r>
-              <a:rPr lang="en"/>
-              <a:t>allotted</a:t>
-            </a:r>
-            <a:r>
-              <a:rPr lang="en"/>
-              <a:t> for this talk.</a:t>
+              <a:t>We have a lot of ground to cover in the next hour.</a:t>
+            </a:r>
+          </a:p>
+          <a:p>
+            <a:pPr lvl="0">
+              <a:spcBef>
+                <a:spcPts val="0"/>
+              </a:spcBef>
+              <a:buNone/>
+            </a:pPr>
+            <a:r>
+              <a:rPr lang="en"/>
+              <a:t>There are handouts on the Lua language, Turtle API, Setup and Step by Step Instructions.</a:t>
             </a:r>
           </a:p>
         </p:txBody>
@@ -635,7 +638,7 @@
             </a:pPr>
             <a:r>
               <a:rPr lang="en"/>
-              <a:t>All the same IF operators apply to a while loop.</a:t>
+              <a:t>All the same IF operators apply to a For loop.</a:t>
             </a:r>
           </a:p>
           <a:p>
@@ -651,16 +654,40 @@
             </a:r>
           </a:p>
           <a:p>
-            <a:pPr lvl="0" rtl="0">
-              <a:spcBef>
-                <a:spcPts val="0"/>
-              </a:spcBef>
-              <a:buNone/>
-            </a:pPr>
-            <a:r>
-              <a:rPr lang="en"/>
-              <a:t>We will be using For Loops instead.</a:t>
-            </a:r>
+            <a:pPr lvl="0">
+              <a:spcBef>
+                <a:spcPts val="0"/>
+              </a:spcBef>
+              <a:buNone/>
+            </a:pPr>
+            <a:r>
+              <a:rPr lang="en"/>
+              <a:t>Does anyone notice anything weird about the for loop? Parents who programming  do you  know?  </a:t>
+            </a:r>
+          </a:p>
+          <a:p>
+            <a:pPr lvl="0">
+              <a:spcBef>
+                <a:spcPts val="0"/>
+              </a:spcBef>
+              <a:buNone/>
+            </a:pPr>
+            <a:r>
+              <a:rPr lang="en"/>
+              <a:t>Lua is one of only a few programming languages that loops and arrays start with the value 1 instead of Zero.</a:t>
+            </a:r>
+          </a:p>
+          <a:p>
+            <a:pPr lvl="0">
+              <a:spcBef>
+                <a:spcPts val="0"/>
+              </a:spcBef>
+              <a:buNone/>
+            </a:pPr>
+            <a:r>
+              <a:t/>
+            </a:r>
+            <a:endParaRPr/>
           </a:p>
         </p:txBody>
       </p:sp>
@@ -754,56 +781,20 @@
             </a:pPr>
             <a:r>
               <a:rPr lang="en"/>
-              <a:t>All the same IF operators apply to a For loop.</a:t>
-            </a:r>
-          </a:p>
-          <a:p>
-            <a:pPr lvl="0">
-              <a:spcBef>
-                <a:spcPts val="0"/>
-              </a:spcBef>
-              <a:buNone/>
-            </a:pPr>
-            <a:r>
-              <a:rPr lang="en"/>
-              <a:t>The Do and end is required.</a:t>
-            </a:r>
-          </a:p>
-          <a:p>
-            <a:pPr lvl="0">
-              <a:spcBef>
-                <a:spcPts val="0"/>
-              </a:spcBef>
-              <a:buNone/>
-            </a:pPr>
-            <a:r>
-              <a:rPr lang="en"/>
-              <a:t>Does anyone notice anything weird about the for loop? Parents who programming  do you  know?  </a:t>
-            </a:r>
-          </a:p>
-          <a:p>
-            <a:pPr lvl="0">
-              <a:spcBef>
-                <a:spcPts val="0"/>
-              </a:spcBef>
-              <a:buNone/>
-            </a:pPr>
-            <a:r>
-              <a:rPr lang="en"/>
-              <a:t>Lua is one of only a few programming languages that loops start with the value 1 instead of Zero.</a:t>
-            </a:r>
-          </a:p>
-          <a:p>
-            <a:pPr lvl="0">
-              <a:spcBef>
-                <a:spcPts val="0"/>
-              </a:spcBef>
-              <a:buNone/>
-            </a:pPr>
-            <a:r>
-              <a:t/>
-            </a:r>
-            <a:endParaRPr/>
+              <a:t>Lua is one of only a few programming languages that arrays also start with the value 1 instead of Zero. </a:t>
+            </a:r>
+          </a:p>
+          <a:p>
+            <a:pPr lvl="0">
+              <a:spcBef>
+                <a:spcPts val="0"/>
+              </a:spcBef>
+              <a:buNone/>
+            </a:pPr>
+            <a:r>
+              <a:rPr lang="en"/>
+              <a:t>Use the brackets to assign a value to an item in the array.</a:t>
+            </a:r>
           </a:p>
         </p:txBody>
       </p:sp>
@@ -897,19 +888,31 @@
             </a:pPr>
             <a:r>
               <a:rPr lang="en"/>
-              <a:t>Lua is one of only a few programming languages that arrays also start with the value 1 instead of Zero. </a:t>
-            </a:r>
-          </a:p>
-          <a:p>
-            <a:pPr lvl="0">
-              <a:spcBef>
-                <a:spcPts val="0"/>
-              </a:spcBef>
-              <a:buNone/>
-            </a:pPr>
-            <a:r>
-              <a:rPr lang="en"/>
-              <a:t>Use the brackets to assign a value to an item in the array.</a:t>
+              <a:t>Functions can be run multiple times.</a:t>
+            </a:r>
+          </a:p>
+          <a:p>
+            <a:pPr lvl="0">
+              <a:spcBef>
+                <a:spcPts val="0"/>
+              </a:spcBef>
+              <a:buNone/>
+            </a:pPr>
+            <a:r>
+              <a:rPr lang="en"/>
+              <a:t>Functions can return a value that can be stored in a variable.</a:t>
+            </a:r>
+          </a:p>
+          <a:p>
+            <a:pPr lvl="0">
+              <a:spcBef>
+                <a:spcPts val="0"/>
+              </a:spcBef>
+              <a:buNone/>
+            </a:pPr>
+            <a:r>
+              <a:rPr lang="en"/>
+              <a:t>Functions can have more values passed into them.</a:t>
             </a:r>
           </a:p>
         </p:txBody>
@@ -1004,31 +1007,75 @@
             </a:pPr>
             <a:r>
               <a:rPr lang="en"/>
-              <a:t>Functions can be run multiple times.</a:t>
-            </a:r>
-          </a:p>
-          <a:p>
-            <a:pPr lvl="0">
-              <a:spcBef>
-                <a:spcPts val="0"/>
-              </a:spcBef>
-              <a:buNone/>
-            </a:pPr>
-            <a:r>
-              <a:rPr lang="en"/>
-              <a:t>Functions can return a value that can be stored in a variable.</a:t>
-            </a:r>
-          </a:p>
-          <a:p>
-            <a:pPr lvl="0">
-              <a:spcBef>
-                <a:spcPts val="0"/>
-              </a:spcBef>
-              <a:buNone/>
-            </a:pPr>
-            <a:r>
-              <a:rPr lang="en"/>
-              <a:t>Functions can have one or more values passed into them.</a:t>
+              <a:t>Now </a:t>
+            </a:r>
+            <a:r>
+              <a:rPr lang="en"/>
+              <a:t>onto</a:t>
+            </a:r>
+            <a:r>
+              <a:rPr lang="en"/>
+              <a:t> the ComputerCraft turtle specific stuff.  After right clicking on the Turtle</a:t>
+            </a:r>
+          </a:p>
+          <a:p>
+            <a:pPr lvl="0">
+              <a:spcBef>
+                <a:spcPts val="0"/>
+              </a:spcBef>
+              <a:buNone/>
+            </a:pPr>
+            <a:r>
+              <a:rPr lang="en"/>
+              <a:t>Your Minecraft Inventory is on the bottom left. </a:t>
+            </a:r>
+          </a:p>
+          <a:p>
+            <a:pPr lvl="0">
+              <a:spcBef>
+                <a:spcPts val="0"/>
+              </a:spcBef>
+              <a:buNone/>
+            </a:pPr>
+            <a:r>
+              <a:rPr lang="en"/>
+              <a:t>The Turtles Inventory is on the bottom right.</a:t>
+            </a:r>
+          </a:p>
+          <a:p>
+            <a:pPr lvl="0">
+              <a:spcBef>
+                <a:spcPts val="0"/>
+              </a:spcBef>
+              <a:buNone/>
+            </a:pPr>
+            <a:r>
+              <a:rPr lang="en"/>
+              <a:t>The items we have in the turtle is the items that will be needed to build your own That Cabin.</a:t>
+            </a:r>
+          </a:p>
+          <a:p>
+            <a:pPr lvl="0">
+              <a:spcBef>
+                <a:spcPts val="0"/>
+              </a:spcBef>
+              <a:buNone/>
+            </a:pPr>
+            <a:r>
+              <a:rPr lang="en"/>
+              <a:t>Turtles need fuel to move, lava bucket, coal, wood, or etc</a:t>
+            </a:r>
+          </a:p>
+          <a:p>
+            <a:pPr lvl="0">
+              <a:spcBef>
+                <a:spcPts val="0"/>
+              </a:spcBef>
+              <a:buNone/>
+            </a:pPr>
+            <a:r>
+              <a:rPr lang="en"/>
+              <a:t>Programs stored in the turtle’s memory and will stay there until the turtle is broken..</a:t>
             </a:r>
           </a:p>
         </p:txBody>
@@ -1122,65 +1169,9 @@
               <a:buNone/>
             </a:pPr>
             <a:r>
-              <a:rPr lang="en"/>
-              <a:t>Now </a:t>
-            </a:r>
-            <a:r>
-              <a:rPr lang="en"/>
-              <a:t>onto</a:t>
-            </a:r>
-            <a:r>
-              <a:rPr lang="en"/>
-              <a:t> the ComputerCraft Turtle Specific Stuff.  After right clicking on the Turtle</a:t>
-            </a:r>
-          </a:p>
-          <a:p>
-            <a:pPr lvl="0">
-              <a:spcBef>
-                <a:spcPts val="0"/>
-              </a:spcBef>
-              <a:buNone/>
-            </a:pPr>
-            <a:r>
-              <a:rPr lang="en"/>
-              <a:t>Your Minecraft Inventory is on the bottom left. The Turtles Inventory is on the bottom right.</a:t>
-            </a:r>
-          </a:p>
-          <a:p>
-            <a:pPr lvl="0">
-              <a:spcBef>
-                <a:spcPts val="0"/>
-              </a:spcBef>
-              <a:buNone/>
-            </a:pPr>
-            <a:r>
-              <a:rPr lang="en"/>
-              <a:t>The items we have in the turtle is the items that will be needed to build your own That Cabin.</a:t>
-            </a:r>
-          </a:p>
-          <a:p>
-            <a:pPr lvl="0">
-              <a:spcBef>
-                <a:spcPts val="0"/>
-              </a:spcBef>
-              <a:buNone/>
-            </a:pPr>
-            <a:r>
-              <a:rPr lang="en"/>
-              <a:t>Turtles need fuel to move, lava bucket, coal, wood, or etc</a:t>
-            </a:r>
-          </a:p>
-          <a:p>
-            <a:pPr lvl="0">
-              <a:spcBef>
-                <a:spcPts val="0"/>
-              </a:spcBef>
-              <a:buNone/>
-            </a:pPr>
-            <a:r>
-              <a:rPr lang="en"/>
-              <a:t>Programs stored in memory of the turle.</a:t>
-            </a:r>
+              <a:t/>
+            </a:r>
+            <a:endParaRPr/>
           </a:p>
         </p:txBody>
       </p:sp>
@@ -1273,9 +1264,21 @@
               <a:buNone/>
             </a:pPr>
             <a:r>
-              <a:t/>
-            </a:r>
-            <a:endParaRPr/>
+              <a:rPr lang="en"/>
+              <a:t>turtle.select() inventory slot for use in other turtle actions.</a:t>
+            </a:r>
+          </a:p>
+          <a:p>
+            <a:pPr lvl="0">
+              <a:spcBef>
+                <a:spcPts val="0"/>
+              </a:spcBef>
+              <a:buNone/>
+            </a:pPr>
+            <a:r>
+              <a:rPr lang="en"/>
+              <a:t>For example - turtle.refuel, turtle.place, turtle.getItemDetail, and more</a:t>
+            </a:r>
           </a:p>
         </p:txBody>
       </p:sp>
@@ -1368,9 +1371,9 @@
               <a:buNone/>
             </a:pPr>
             <a:r>
-              <a:rPr lang="en"/>
-              <a:t>turtle.select() inventory slot for use in other turtle actions.</a:t>
-            </a:r>
+              <a:t/>
+            </a:r>
+            <a:endParaRPr/>
           </a:p>
         </p:txBody>
       </p:sp>
@@ -1463,9 +1466,9 @@
               <a:buNone/>
             </a:pPr>
             <a:r>
-              <a:t/>
-            </a:r>
-            <a:endParaRPr/>
+              <a:rPr lang="en"/>
+              <a:t>The part in yellow is the part needed to pass in arguments to you program</a:t>
+            </a:r>
           </a:p>
         </p:txBody>
       </p:sp>
@@ -1559,8 +1562,52 @@
             </a:pPr>
             <a:r>
               <a:rPr lang="en"/>
-              <a:t>The part in yellow is the part needed to pass in arguments to you program</a:t>
-            </a:r>
+              <a:t>We will use TechnicPack launcher to </a:t>
+            </a:r>
+            <a:r>
+              <a:rPr lang="en"/>
+              <a:t>automatically</a:t>
+            </a:r>
+            <a:r>
+              <a:rPr lang="en"/>
+              <a:t> Mod your Minecraft.</a:t>
+            </a:r>
+          </a:p>
+          <a:p>
+            <a:pPr lvl="0">
+              <a:spcBef>
+                <a:spcPts val="0"/>
+              </a:spcBef>
+              <a:buNone/>
+            </a:pPr>
+            <a:r>
+              <a:rPr lang="en"/>
+              <a:t>We will use PasteBin to Edit your Turtle Lua programs.</a:t>
+            </a:r>
+          </a:p>
+          <a:p>
+            <a:pPr lvl="0">
+              <a:spcBef>
+                <a:spcPts val="0"/>
+              </a:spcBef>
+              <a:buNone/>
+            </a:pPr>
+            <a:r>
+              <a:rPr lang="en"/>
+              <a:t>We will use Turtle API to import your PasteBin Lua Programs and run them.</a:t>
+            </a:r>
+          </a:p>
+          <a:p>
+            <a:pPr lvl="0">
+              <a:spcBef>
+                <a:spcPts val="0"/>
+              </a:spcBef>
+              <a:buNone/>
+            </a:pPr>
+            <a:r>
+              <a:t/>
+            </a:r>
+            <a:endParaRPr/>
           </a:p>
         </p:txBody>
       </p:sp>
@@ -1654,63 +1701,7 @@
             </a:pPr>
             <a:r>
               <a:rPr lang="en"/>
-              <a:t>We will use TechnicPack launcher to </a:t>
-            </a:r>
-            <a:r>
-              <a:rPr lang="en"/>
-              <a:t>automatically</a:t>
-            </a:r>
-            <a:r>
-              <a:rPr lang="en"/>
-              <a:t> Mod your Minecraft.</a:t>
-            </a:r>
-          </a:p>
-          <a:p>
-            <a:pPr lvl="0">
-              <a:spcBef>
-                <a:spcPts val="0"/>
-              </a:spcBef>
-              <a:buNone/>
-            </a:pPr>
-            <a:r>
-              <a:rPr lang="en"/>
-              <a:t>We will use PasteBin to Edit your Turtle Lua programs.</a:t>
-            </a:r>
-          </a:p>
-          <a:p>
-            <a:pPr lvl="0">
-              <a:spcBef>
-                <a:spcPts val="0"/>
-              </a:spcBef>
-              <a:buNone/>
-            </a:pPr>
-            <a:r>
-              <a:rPr lang="en"/>
-              <a:t>We will use Turtle API to import your PasteBin Lua Programs and run them.</a:t>
-            </a:r>
-          </a:p>
-          <a:p>
-            <a:pPr lvl="0">
-              <a:spcBef>
-                <a:spcPts val="0"/>
-              </a:spcBef>
-              <a:buNone/>
-            </a:pPr>
-            <a:r>
-              <a:rPr lang="en"/>
-              <a:t>Java default is less than 1 GB ram</a:t>
-            </a:r>
-          </a:p>
-          <a:p>
-            <a:pPr lvl="0">
-              <a:spcBef>
-                <a:spcPts val="0"/>
-              </a:spcBef>
-              <a:buNone/>
-            </a:pPr>
-            <a:r>
-              <a:rPr lang="en"/>
-              <a:t>That way you do not need to copy  Javal JAR files and put them in the correct folder locations.</a:t>
+              <a:t>Next, I will show you how to get started and search for the modpack inside the technicpack.Net Launcher application.</a:t>
             </a:r>
           </a:p>
         </p:txBody>
@@ -1804,9 +1795,21 @@
               <a:buNone/>
             </a:pPr>
             <a:r>
-              <a:t/>
-            </a:r>
-            <a:endParaRPr/>
+              <a:rPr lang="en"/>
+              <a:t>Programming Languages I have used so far are Lua, Python, PHP, Javascript, HTML, CSS, and Java.</a:t>
+            </a:r>
+          </a:p>
+          <a:p>
+            <a:pPr lvl="0">
+              <a:spcBef>
+                <a:spcPts val="0"/>
+              </a:spcBef>
+              <a:buNone/>
+            </a:pPr>
+            <a:r>
+              <a:rPr lang="en"/>
+              <a:t>Skip horse stuff.</a:t>
+            </a:r>
           </a:p>
         </p:txBody>
       </p:sp>
@@ -1899,9 +1902,37 @@
               <a:buNone/>
             </a:pPr>
             <a:r>
-              <a:t/>
-            </a:r>
-            <a:endParaRPr/>
+              <a:rPr lang="en"/>
+              <a:t>There is also a server version of the Modpack is also </a:t>
+            </a:r>
+            <a:r>
+              <a:rPr lang="en"/>
+              <a:t>available</a:t>
+            </a:r>
+            <a:r>
+              <a:rPr lang="en"/>
+              <a:t> so that you can host your own ComputerCraft World for other to play together with you.</a:t>
+            </a:r>
+          </a:p>
+          <a:p>
+            <a:pPr lvl="0">
+              <a:spcBef>
+                <a:spcPts val="0"/>
+              </a:spcBef>
+              <a:buNone/>
+            </a:pPr>
+            <a:r>
+              <a:rPr lang="en"/>
+              <a:t>If Minecraft is jerky then you will need to increase the </a:t>
+            </a:r>
+            <a:r>
+              <a:rPr lang="en"/>
+              <a:t>amount</a:t>
+            </a:r>
+            <a:r>
+              <a:rPr lang="en"/>
+              <a:t> of memory that minecraft is allowed to use… See me after the talk to update your Java Settings</a:t>
+            </a:r>
           </a:p>
         </p:txBody>
       </p:sp>
@@ -1995,59 +2026,43 @@
             </a:pPr>
             <a:r>
               <a:rPr lang="en"/>
-              <a:t>The server version of the Modpack is also </a:t>
-            </a:r>
-            <a:r>
-              <a:rPr lang="en"/>
-              <a:t>available</a:t>
-            </a:r>
-            <a:r>
-              <a:rPr lang="en"/>
-              <a:t> so that you can host your own ComputerCraft World for other to play together with you.</a:t>
-            </a:r>
-          </a:p>
-          <a:p>
-            <a:pPr lvl="0">
-              <a:spcBef>
-                <a:spcPts val="0"/>
-              </a:spcBef>
-              <a:buNone/>
-            </a:pPr>
-            <a:r>
-              <a:rPr lang="en"/>
-              <a:t>After talking about it, Demo It.</a:t>
-            </a:r>
-          </a:p>
-          <a:p>
-            <a:pPr lvl="0">
-              <a:spcBef>
-                <a:spcPts val="0"/>
-              </a:spcBef>
-              <a:buNone/>
-            </a:pPr>
-            <a:r>
-              <a:rPr lang="en"/>
-              <a:t>If Minecraft is jerky then you will need to increase the </a:t>
-            </a:r>
-            <a:r>
-              <a:rPr lang="en"/>
-              <a:t>amount</a:t>
-            </a:r>
-            <a:r>
-              <a:rPr lang="en"/>
-              <a:t> of memory.</a:t>
-            </a:r>
-          </a:p>
-          <a:p>
-            <a:pPr lvl="0">
-              <a:spcBef>
-                <a:spcPts val="0"/>
-              </a:spcBef>
-              <a:buNone/>
-            </a:pPr>
-            <a:r>
-              <a:rPr lang="en"/>
-              <a:t>Tab for Java settings</a:t>
+              <a:t>** Explain Each Step ** Place Block Down, Build 1 wall, etc</a:t>
+            </a:r>
+          </a:p>
+          <a:p>
+            <a:pPr lvl="0">
+              <a:spcBef>
+                <a:spcPts val="0"/>
+              </a:spcBef>
+              <a:buNone/>
+            </a:pPr>
+            <a:r>
+              <a:t/>
+            </a:r>
+            <a:endParaRPr/>
+          </a:p>
+          <a:p>
+            <a:pPr lvl="0">
+              <a:spcBef>
+                <a:spcPts val="0"/>
+              </a:spcBef>
+              <a:buNone/>
+            </a:pPr>
+            <a:r>
+              <a:rPr lang="en"/>
+              <a:t>We are going to build a Cabin 3 blocks tall and 5 blocks wide with a roof, a door and a window.</a:t>
+            </a:r>
+          </a:p>
+          <a:p>
+            <a:pPr lvl="0">
+              <a:spcBef>
+                <a:spcPts val="0"/>
+              </a:spcBef>
+              <a:buNone/>
+            </a:pPr>
+            <a:r>
+              <a:rPr lang="en"/>
+              <a:t>If someone asks the 7th step is not show in the screenshot and the end result of Step 7 looks the same as step 6.</a:t>
             </a:r>
           </a:p>
         </p:txBody>
@@ -2142,31 +2157,67 @@
             </a:pPr>
             <a:r>
               <a:rPr lang="en"/>
-              <a:t>We are going to build a Cabin 3 blocks tall and 5 blocks wide with a roof, a door and a window.</a:t>
-            </a:r>
-          </a:p>
-          <a:p>
-            <a:pPr lvl="0">
-              <a:spcBef>
-                <a:spcPts val="0"/>
-              </a:spcBef>
-              <a:buNone/>
-            </a:pPr>
-            <a:r>
-              <a:rPr lang="en"/>
-              <a:t>If someone asks the 7th step is not show in the screenshot. To the left of the screenshot.</a:t>
-            </a:r>
-          </a:p>
-          <a:p>
-            <a:pPr lvl="0">
-              <a:spcBef>
-                <a:spcPts val="0"/>
-              </a:spcBef>
-              <a:buNone/>
-            </a:pPr>
-            <a:r>
-              <a:rPr lang="en"/>
-              <a:t>The end result of Step 7 looks the same as step 6.</a:t>
+              <a:t>Can use your own pastebin as guest or logged in account.</a:t>
+            </a:r>
+          </a:p>
+          <a:p>
+            <a:pPr lvl="0">
+              <a:spcBef>
+                <a:spcPts val="0"/>
+              </a:spcBef>
+              <a:buNone/>
+            </a:pPr>
+            <a:r>
+              <a:rPr lang="en"/>
+              <a:t>Turtle must be 1 block in the air.</a:t>
+            </a:r>
+          </a:p>
+          <a:p>
+            <a:pPr lvl="0">
+              <a:spcBef>
+                <a:spcPts val="0"/>
+              </a:spcBef>
+              <a:buNone/>
+            </a:pPr>
+            <a:r>
+              <a:rPr lang="en"/>
+              <a:t>Call main() to run functions after you define it.</a:t>
+            </a:r>
+          </a:p>
+          <a:p>
+            <a:pPr lvl="0">
+              <a:spcBef>
+                <a:spcPts val="0"/>
+              </a:spcBef>
+              <a:buNone/>
+            </a:pPr>
+            <a:r>
+              <a:rPr lang="en"/>
+              <a:t>Do not worry if you missed the pastebin codes because they are on your cheat sheet.</a:t>
+            </a:r>
+          </a:p>
+          <a:p>
+            <a:pPr lvl="0">
+              <a:spcBef>
+                <a:spcPts val="0"/>
+              </a:spcBef>
+              <a:buNone/>
+            </a:pPr>
+            <a:r>
+              <a:t/>
+            </a:r>
+            <a:endParaRPr/>
+          </a:p>
+          <a:p>
+            <a:pPr lvl="0">
+              <a:spcBef>
+                <a:spcPts val="0"/>
+              </a:spcBef>
+              <a:buNone/>
+            </a:pPr>
+            <a:r>
+              <a:rPr lang="en"/>
+              <a:t>** Remember If condition explain if turtle inventory has an item named planks. **</a:t>
             </a:r>
           </a:p>
         </p:txBody>
@@ -2261,18 +2312,6 @@
             </a:pPr>
             <a:r>
               <a:rPr lang="en"/>
-              <a:t>Can use your own pastebin as guest or logged in account.</a:t>
-            </a:r>
-          </a:p>
-          <a:p>
-            <a:pPr lvl="0">
-              <a:spcBef>
-                <a:spcPts val="0"/>
-              </a:spcBef>
-              <a:buNone/>
-            </a:pPr>
-            <a:r>
-              <a:rPr lang="en"/>
               <a:t>Turtle must be 1 block in the air.</a:t>
             </a:r>
           </a:p>
@@ -2285,55 +2324,31 @@
             </a:pPr>
             <a:r>
               <a:rPr lang="en"/>
-              <a:t>Call main() to run functions after you define it.</a:t>
-            </a:r>
-          </a:p>
-          <a:p>
-            <a:pPr lvl="0">
-              <a:spcBef>
-                <a:spcPts val="0"/>
-              </a:spcBef>
-              <a:buNone/>
-            </a:pPr>
-            <a:r>
-              <a:rPr lang="en"/>
-              <a:t>Explain Requirements.    </a:t>
-            </a:r>
-          </a:p>
-          <a:p>
-            <a:pPr lvl="0">
-              <a:spcBef>
-                <a:spcPts val="0"/>
-              </a:spcBef>
-              <a:buNone/>
-            </a:pPr>
-            <a:r>
-              <a:rPr lang="en"/>
-              <a:t>Show and explain Pastebin.</a:t>
-            </a:r>
-          </a:p>
-          <a:p>
-            <a:pPr lvl="0">
-              <a:spcBef>
-                <a:spcPts val="0"/>
-              </a:spcBef>
-              <a:buNone/>
-            </a:pPr>
-            <a:r>
-              <a:rPr lang="en"/>
-              <a:t>Put Items in turtle and run the program.</a:t>
-            </a:r>
-          </a:p>
-          <a:p>
-            <a:pPr lvl="0">
-              <a:spcBef>
-                <a:spcPts val="0"/>
-              </a:spcBef>
-              <a:buNone/>
-            </a:pPr>
-            <a:r>
-              <a:rPr lang="en"/>
-              <a:t>Switch to back to slide for a few minutes. </a:t>
+              <a:t>The pastebin code for Step 2 includes the Step 1 Code so if you fall behind just use the new pastebin codes going forward. </a:t>
+            </a:r>
+          </a:p>
+          <a:p>
+            <a:pPr lvl="0">
+              <a:spcBef>
+                <a:spcPts val="0"/>
+              </a:spcBef>
+              <a:buNone/>
+            </a:pPr>
+            <a:r>
+              <a:t/>
+            </a:r>
+            <a:endParaRPr/>
+          </a:p>
+          <a:p>
+            <a:pPr lvl="0">
+              <a:spcBef>
+                <a:spcPts val="0"/>
+              </a:spcBef>
+              <a:buNone/>
+            </a:pPr>
+            <a:r>
+              <a:rPr lang="en"/>
+              <a:t>Just explain the new blocks needed.</a:t>
             </a:r>
           </a:p>
         </p:txBody>
@@ -2428,18 +2443,6 @@
             </a:pPr>
             <a:r>
               <a:rPr lang="en"/>
-              <a:t>Turtle must be 1 block in the air.</a:t>
-            </a:r>
-          </a:p>
-          <a:p>
-            <a:pPr lvl="0">
-              <a:spcBef>
-                <a:spcPts val="0"/>
-              </a:spcBef>
-              <a:buNone/>
-            </a:pPr>
-            <a:r>
-              <a:rPr lang="en"/>
               <a:t>Explain Requirements.</a:t>
             </a:r>
           </a:p>
@@ -2571,43 +2574,7 @@
             </a:pPr>
             <a:r>
               <a:rPr lang="en"/>
-              <a:t>Explain Requirements.</a:t>
-            </a:r>
-          </a:p>
-          <a:p>
-            <a:pPr lvl="0">
-              <a:spcBef>
-                <a:spcPts val="0"/>
-              </a:spcBef>
-              <a:buNone/>
-            </a:pPr>
-            <a:r>
-              <a:rPr lang="en"/>
-              <a:t>Show and explain Pastebin.</a:t>
-            </a:r>
-          </a:p>
-          <a:p>
-            <a:pPr lvl="0">
-              <a:spcBef>
-                <a:spcPts val="0"/>
-              </a:spcBef>
-              <a:buNone/>
-            </a:pPr>
-            <a:r>
-              <a:rPr lang="en"/>
-              <a:t>Put Items in turtle and run the program.</a:t>
-            </a:r>
-          </a:p>
-          <a:p>
-            <a:pPr lvl="0">
-              <a:spcBef>
-                <a:spcPts val="0"/>
-              </a:spcBef>
-              <a:buNone/>
-            </a:pPr>
-            <a:r>
-              <a:rPr lang="en"/>
-              <a:t>Switch to back to slide for a few minutes. </a:t>
+              <a:t>The - 1 in the turtle is because the turtle is already in position 1 and only needs to place 4 more blocks for the wall.</a:t>
             </a:r>
           </a:p>
         </p:txBody>
@@ -2702,44 +2669,104 @@
             </a:pPr>
             <a:r>
               <a:rPr lang="en"/>
-              <a:t>Explain Requirements.</a:t>
-            </a:r>
-          </a:p>
-          <a:p>
-            <a:pPr lvl="0">
-              <a:spcBef>
-                <a:spcPts val="0"/>
-              </a:spcBef>
-              <a:buNone/>
-            </a:pPr>
-            <a:r>
-              <a:rPr lang="en"/>
-              <a:t>Show and explain Pastebin.</a:t>
-            </a:r>
-          </a:p>
-          <a:p>
-            <a:pPr lvl="0">
-              <a:spcBef>
-                <a:spcPts val="0"/>
-              </a:spcBef>
-              <a:buNone/>
-            </a:pPr>
-            <a:r>
-              <a:rPr lang="en"/>
-              <a:t>Put Items in turtle and run the program.</a:t>
-            </a:r>
-          </a:p>
-          <a:p>
-            <a:pPr lvl="0">
-              <a:spcBef>
-                <a:spcPts val="0"/>
-              </a:spcBef>
-              <a:buNone/>
-            </a:pPr>
-            <a:r>
-              <a:rPr lang="en"/>
-              <a:t>Switch to back to slide for a few minutes. </a:t>
-            </a:r>
+              <a:t>W</a:t>
+            </a:r>
+            <a:r>
+              <a:rPr lang="en"/>
+              <a:t>hat does if i % 2 == 0 mean?</a:t>
+            </a:r>
+          </a:p>
+          <a:p>
+            <a:pPr lvl="0">
+              <a:spcBef>
+                <a:spcPts val="0"/>
+              </a:spcBef>
+              <a:buNone/>
+            </a:pPr>
+            <a:r>
+              <a:t/>
+            </a:r>
+            <a:endParaRPr/>
+          </a:p>
+          <a:p>
+            <a:pPr lvl="0">
+              <a:spcBef>
+                <a:spcPts val="0"/>
+              </a:spcBef>
+              <a:buNone/>
+            </a:pPr>
+            <a:r>
+              <a:rPr lang="en"/>
+              <a:t>The  % is the Modulus Operator.</a:t>
+            </a:r>
+          </a:p>
+          <a:p>
+            <a:pPr lvl="0">
+              <a:spcBef>
+                <a:spcPts val="0"/>
+              </a:spcBef>
+              <a:buNone/>
+            </a:pPr>
+            <a:r>
+              <a:rPr lang="en" sz="1000">
+                <a:solidFill>
+                  <a:srgbClr val="2A2A2A"/>
+                </a:solidFill>
+                <a:latin typeface="Verdana"/>
+                <a:ea typeface="Verdana"/>
+                <a:cs typeface="Verdana"/>
+                <a:sym typeface="Verdana"/>
+              </a:rPr>
+              <a:t>It Divides the value of one expression by the value of another, and returns the remainder.</a:t>
+            </a:r>
+          </a:p>
+          <a:p>
+            <a:pPr lvl="0">
+              <a:spcBef>
+                <a:spcPts val="0"/>
+              </a:spcBef>
+              <a:buNone/>
+            </a:pPr>
+            <a:r>
+              <a:t/>
+            </a:r>
+            <a:endParaRPr/>
+          </a:p>
+          <a:p>
+            <a:pPr lvl="0">
+              <a:spcBef>
+                <a:spcPts val="0"/>
+              </a:spcBef>
+              <a:buNone/>
+            </a:pPr>
+            <a:r>
+              <a:rPr lang="en"/>
+              <a:t>After dividing 2 / 2 there is no remainder and a zero is returned.</a:t>
+            </a:r>
+          </a:p>
+          <a:p>
+            <a:pPr lvl="0">
+              <a:spcBef>
+                <a:spcPts val="0"/>
+              </a:spcBef>
+              <a:buNone/>
+            </a:pPr>
+            <a:r>
+              <a:rPr lang="en"/>
+              <a:t>After dividing 3 / 2 there is a remainder of 5.</a:t>
+            </a:r>
+          </a:p>
+          <a:p>
+            <a:pPr lvl="0">
+              <a:spcBef>
+                <a:spcPts val="0"/>
+              </a:spcBef>
+              <a:buNone/>
+            </a:pPr>
+            <a:r>
+              <a:t/>
+            </a:r>
+            <a:endParaRPr/>
           </a:p>
         </p:txBody>
       </p:sp>
@@ -2833,43 +2860,7 @@
             </a:pPr>
             <a:r>
               <a:rPr lang="en"/>
-              <a:t>Explain Requirements and What does if i % 2 == 0 mean?</a:t>
-            </a:r>
-          </a:p>
-          <a:p>
-            <a:pPr lvl="0">
-              <a:spcBef>
-                <a:spcPts val="0"/>
-              </a:spcBef>
-              <a:buNone/>
-            </a:pPr>
-            <a:r>
-              <a:rPr lang="en"/>
-              <a:t>Show and explain Pastebin.</a:t>
-            </a:r>
-          </a:p>
-          <a:p>
-            <a:pPr lvl="0">
-              <a:spcBef>
-                <a:spcPts val="0"/>
-              </a:spcBef>
-              <a:buNone/>
-            </a:pPr>
-            <a:r>
-              <a:rPr lang="en"/>
-              <a:t>Put Items in turtle and run the program.</a:t>
-            </a:r>
-          </a:p>
-          <a:p>
-            <a:pPr lvl="0">
-              <a:spcBef>
-                <a:spcPts val="0"/>
-              </a:spcBef>
-              <a:buNone/>
-            </a:pPr>
-            <a:r>
-              <a:rPr lang="en"/>
-              <a:t>Switch to back to slide for a few minutes. </a:t>
+              <a:t>The cabin size is still hard coded.</a:t>
             </a:r>
           </a:p>
         </p:txBody>
@@ -2964,43 +2955,35 @@
             </a:pPr>
             <a:r>
               <a:rPr lang="en"/>
-              <a:t>Explain Requirements.</a:t>
-            </a:r>
-          </a:p>
-          <a:p>
-            <a:pPr lvl="0">
-              <a:spcBef>
-                <a:spcPts val="0"/>
-              </a:spcBef>
-              <a:buNone/>
-            </a:pPr>
-            <a:r>
-              <a:rPr lang="en"/>
-              <a:t>Show and explain Pastebin.</a:t>
-            </a:r>
-          </a:p>
-          <a:p>
-            <a:pPr lvl="0">
-              <a:spcBef>
-                <a:spcPts val="0"/>
-              </a:spcBef>
-              <a:buNone/>
-            </a:pPr>
-            <a:r>
-              <a:rPr lang="en"/>
-              <a:t>Put Items in turtle and run the program.</a:t>
-            </a:r>
-          </a:p>
-          <a:p>
-            <a:pPr lvl="0">
-              <a:spcBef>
-                <a:spcPts val="0"/>
-              </a:spcBef>
-              <a:buNone/>
-            </a:pPr>
-            <a:r>
-              <a:rPr lang="en"/>
-              <a:t>Switch to back to slide for a few minutes. </a:t>
+              <a:t>The cabin size is no longer hardcoded. </a:t>
+            </a:r>
+          </a:p>
+          <a:p>
+            <a:pPr lvl="0">
+              <a:spcBef>
+                <a:spcPts val="0"/>
+              </a:spcBef>
+              <a:buNone/>
+            </a:pPr>
+            <a:r>
+              <a:rPr lang="en"/>
+              <a:t>Show the Error Logic.</a:t>
+            </a:r>
+          </a:p>
+          <a:p>
+            <a:pPr lvl="0">
+              <a:spcBef>
+                <a:spcPts val="0"/>
+              </a:spcBef>
+              <a:buNone/>
+            </a:pPr>
+            <a:r>
+              <a:rPr lang="en"/>
+              <a:t>Hand out / cheatsheet  reminder</a:t>
+            </a:r>
+            <a:r>
+              <a:rPr lang="en"/>
+              <a:t> </a:t>
             </a:r>
           </a:p>
         </p:txBody>
@@ -3095,43 +3078,19 @@
             </a:pPr>
             <a:r>
               <a:rPr lang="en"/>
-              <a:t>Explain Requirements.</a:t>
-            </a:r>
-          </a:p>
-          <a:p>
-            <a:pPr lvl="0">
-              <a:spcBef>
-                <a:spcPts val="0"/>
-              </a:spcBef>
-              <a:buNone/>
-            </a:pPr>
-            <a:r>
-              <a:rPr lang="en"/>
-              <a:t>Show and explain Pastebin.</a:t>
-            </a:r>
-          </a:p>
-          <a:p>
-            <a:pPr lvl="0">
-              <a:spcBef>
-                <a:spcPts val="0"/>
-              </a:spcBef>
-              <a:buNone/>
-            </a:pPr>
-            <a:r>
-              <a:rPr lang="en"/>
-              <a:t>Put Items in turtle and run the program.</a:t>
-            </a:r>
-          </a:p>
-          <a:p>
-            <a:pPr lvl="0">
-              <a:spcBef>
-                <a:spcPts val="0"/>
-              </a:spcBef>
-              <a:buNone/>
-            </a:pPr>
-            <a:r>
-              <a:rPr lang="en"/>
-              <a:t>Switch to back to slide for a few minutes. </a:t>
+              <a:t>Thank them for attending.</a:t>
+            </a:r>
+          </a:p>
+          <a:p>
+            <a:pPr lvl="0">
+              <a:spcBef>
+                <a:spcPts val="0"/>
+              </a:spcBef>
+              <a:buNone/>
+            </a:pPr>
+            <a:r>
+              <a:rPr lang="en"/>
+              <a:t>Are you doing an open spaces after to help / continue?</a:t>
             </a:r>
           </a:p>
         </p:txBody>
@@ -3258,19 +3217,31 @@
             </a:pPr>
             <a:r>
               <a:rPr lang="en"/>
-              <a:t>Feel free to work ahead or follow along. </a:t>
-            </a:r>
-          </a:p>
-          <a:p>
-            <a:pPr lvl="0">
-              <a:spcBef>
-                <a:spcPts val="0"/>
-              </a:spcBef>
-              <a:buNone/>
-            </a:pPr>
-            <a:r>
-              <a:rPr lang="en"/>
-              <a:t>We have a lot to cover in this session so it will be fast paced!   Please, check out provided cheat sheets on the Lua programming language and the Cheat Sheet of Set up World and the 7 Steps to build your own That Cabin.</a:t>
+              <a:t>Feel free to work ahead editing your own pastebin code or use my pastebin code links to follow along.</a:t>
+            </a:r>
+          </a:p>
+          <a:p>
+            <a:pPr lvl="0">
+              <a:spcBef>
+                <a:spcPts val="0"/>
+              </a:spcBef>
+              <a:buNone/>
+            </a:pPr>
+            <a:r>
+              <a:rPr lang="en"/>
+              <a:t>All the information you will need to get started is on the provided cheatsheets.</a:t>
+            </a:r>
+          </a:p>
+          <a:p>
+            <a:pPr lvl="0">
+              <a:spcBef>
+                <a:spcPts val="0"/>
+              </a:spcBef>
+              <a:buNone/>
+            </a:pPr>
+            <a:r>
+              <a:rPr lang="en"/>
+              <a:t>Let’s get Started.</a:t>
             </a:r>
           </a:p>
           <a:p>
@@ -3284,113 +3255,6 @@
               <a:t/>
             </a:r>
             <a:endParaRPr/>
-          </a:p>
-        </p:txBody>
-      </p:sp>
-    </p:spTree>
-  </p:cSld>
-  <p:clrMapOvr>
-    <a:masterClrMapping/>
-  </p:clrMapOvr>
-</p:notes>
-</file>
-
-<file path=ppt/notesSlides/notesSlide30.xml><?xml version="1.0" encoding="utf-8"?>
-<p:notes xmlns:a="http://schemas.openxmlformats.org/drawingml/2006/main" xmlns:r="http://schemas.openxmlformats.org/officeDocument/2006/relationships" xmlns:mc="http://schemas.openxmlformats.org/markup-compatibility/2006" xmlns:mv="urn:schemas-microsoft-com:mac:vml" xmlns:p="http://schemas.openxmlformats.org/presentationml/2006/main" xmlns:c="http://schemas.openxmlformats.org/drawingml/2006/chart" xmlns:dgm="http://schemas.openxmlformats.org/drawingml/2006/diagram" xmlns:o="urn:schemas-microsoft-com:office:office" xmlns:v="urn:schemas-microsoft-com:vml" xmlns:pvml="urn:schemas-microsoft-com:office:powerpoint" xmlns:com="http://schemas.openxmlformats.org/drawingml/2006/compatibility" xmlns:p14="http://schemas.microsoft.com/office/powerpoint/2010/main" xmlns:p15="http://schemas.microsoft.com/office/powerpoint/2012/main" showMasterPhAnim="0" showMasterSp="0">
-  <p:cSld>
-    <p:spTree>
-      <p:nvGrpSpPr>
-        <p:cNvPr id="235" name="Shape 235"/>
-        <p:cNvGrpSpPr/>
-        <p:nvPr/>
-      </p:nvGrpSpPr>
-      <p:grpSpPr>
-        <a:xfrm>
-          <a:off x="0" y="0"/>
-          <a:ext cx="0" cy="0"/>
-          <a:chOff x="0" y="0"/>
-          <a:chExt cx="0" cy="0"/>
-        </a:xfrm>
-      </p:grpSpPr>
-      <p:sp>
-        <p:nvSpPr>
-          <p:cNvPr id="236" name="Shape 236"/>
-          <p:cNvSpPr/>
-          <p:nvPr>
-            <p:ph idx="2" type="sldImg"/>
-          </p:nvPr>
-        </p:nvSpPr>
-        <p:spPr>
-          <a:xfrm>
-            <a:off x="381300" y="685800"/>
-            <a:ext cx="6096000" cy="3429000"/>
-          </a:xfrm>
-          <a:custGeom>
-            <a:pathLst>
-              <a:path extrusionOk="0" h="120000" w="120000">
-                <a:moveTo>
-                  <a:pt x="0" y="0"/>
-                </a:moveTo>
-                <a:lnTo>
-                  <a:pt x="120000" y="0"/>
-                </a:lnTo>
-                <a:lnTo>
-                  <a:pt x="120000" y="120000"/>
-                </a:lnTo>
-                <a:lnTo>
-                  <a:pt x="0" y="120000"/>
-                </a:lnTo>
-                <a:close/>
-              </a:path>
-            </a:pathLst>
-          </a:custGeom>
-        </p:spPr>
-      </p:sp>
-      <p:sp>
-        <p:nvSpPr>
-          <p:cNvPr id="237" name="Shape 237"/>
-          <p:cNvSpPr txBox="1"/>
-          <p:nvPr>
-            <p:ph idx="1" type="body"/>
-          </p:nvPr>
-        </p:nvSpPr>
-        <p:spPr>
-          <a:xfrm>
-            <a:off x="685800" y="4343400"/>
-            <a:ext cx="5486400" cy="4114800"/>
-          </a:xfrm>
-          <a:prstGeom prst="rect">
-            <a:avLst/>
-          </a:prstGeom>
-        </p:spPr>
-        <p:txBody>
-          <a:bodyPr anchorCtr="0" anchor="t" bIns="91425" lIns="91425" rIns="91425" tIns="91425">
-            <a:noAutofit/>
-          </a:bodyPr>
-          <a:lstStyle/>
-          <a:p>
-            <a:pPr lvl="0">
-              <a:spcBef>
-                <a:spcPts val="0"/>
-              </a:spcBef>
-              <a:buNone/>
-            </a:pPr>
-            <a:r>
-              <a:rPr lang="en"/>
-              <a:t>Thank them for attending.</a:t>
-            </a:r>
-          </a:p>
-          <a:p>
-            <a:pPr lvl="0">
-              <a:spcBef>
-                <a:spcPts val="0"/>
-              </a:spcBef>
-              <a:buNone/>
-            </a:pPr>
-            <a:r>
-              <a:rPr lang="en"/>
-              <a:t>Are you doing an open spaces after to help / continue.</a:t>
-            </a:r>
           </a:p>
         </p:txBody>
       </p:sp>
@@ -3484,7 +3348,19 @@
             </a:pPr>
             <a:r>
               <a:rPr lang="en"/>
-              <a:t>Why do you need Computer Craft? A</a:t>
+              <a:t>Why do you need Computer Craft? </a:t>
+            </a:r>
+          </a:p>
+          <a:p>
+            <a:pPr lvl="0">
+              <a:spcBef>
+                <a:spcPts val="0"/>
+              </a:spcBef>
+              <a:buNone/>
+            </a:pPr>
+            <a:r>
+              <a:rPr lang="en"/>
+              <a:t>A</a:t>
             </a:r>
             <a:r>
               <a:rPr lang="en"/>
@@ -3500,34 +3376,6 @@
             </a:pPr>
             <a:r>
               <a:rPr lang="en"/>
-              <a:t>Are you sick and tired of </a:t>
-            </a:r>
-            <a:r>
-              <a:rPr lang="en"/>
-              <a:t>searching</a:t>
-            </a:r>
-            <a:r>
-              <a:rPr lang="en"/>
-              <a:t> for the elusive </a:t>
-            </a:r>
-            <a:r>
-              <a:rPr lang="en"/>
-              <a:t>diamonds and</a:t>
-            </a:r>
-            <a:r>
-              <a:rPr lang="en"/>
-              <a:t> planting crops so you can eat? </a:t>
-            </a:r>
-          </a:p>
-          <a:p>
-            <a:pPr lvl="0">
-              <a:spcBef>
-                <a:spcPts val="0"/>
-              </a:spcBef>
-              <a:buNone/>
-            </a:pPr>
-            <a:r>
-              <a:rPr lang="en"/>
               <a:t>Would it be </a:t>
             </a:r>
             <a:r>
@@ -3555,12 +3403,88 @@
               <a:buNone/>
             </a:pPr>
             <a:r>
-              <a:rPr lang="en"/>
-              <a:t>Does anyone have an example of a </a:t>
-            </a:r>
-            <a:r>
-              <a:rPr lang="en"/>
-              <a:t>boring repetitive task?   Well ComputerCraft is the solution for YOU! </a:t>
+              <a:t/>
+            </a:r>
+            <a:endParaRPr/>
+          </a:p>
+          <a:p>
+            <a:pPr lvl="0">
+              <a:spcBef>
+                <a:spcPts val="0"/>
+              </a:spcBef>
+              <a:buNone/>
+            </a:pPr>
+            <a:r>
+              <a:rPr lang="en"/>
+              <a:t>Does anyone have an example of a boring repetitive task?   </a:t>
+            </a:r>
+          </a:p>
+          <a:p>
+            <a:pPr lvl="0">
+              <a:spcBef>
+                <a:spcPts val="0"/>
+              </a:spcBef>
+              <a:buNone/>
+            </a:pPr>
+            <a:r>
+              <a:rPr lang="en"/>
+              <a:t>ComputerCraft is the solution for YOU! </a:t>
+            </a:r>
+          </a:p>
+          <a:p>
+            <a:pPr lvl="0">
+              <a:spcBef>
+                <a:spcPts val="0"/>
+              </a:spcBef>
+              <a:buNone/>
+            </a:pPr>
+            <a:r>
+              <a:t/>
+            </a:r>
+            <a:endParaRPr/>
+          </a:p>
+          <a:p>
+            <a:pPr lvl="0">
+              <a:spcBef>
+                <a:spcPts val="0"/>
+              </a:spcBef>
+              <a:buNone/>
+            </a:pPr>
+            <a:r>
+              <a:rPr lang="en"/>
+              <a:t>You can automate almost anything in minecraft. </a:t>
+            </a:r>
+          </a:p>
+          <a:p>
+            <a:pPr lvl="0">
+              <a:spcBef>
+                <a:spcPts val="0"/>
+              </a:spcBef>
+              <a:buNone/>
+            </a:pPr>
+            <a:r>
+              <a:rPr lang="en"/>
+              <a:t>For example you could have your turtle mine minerals for you, you can have your turtle do your farming, and build things for you.  </a:t>
+            </a:r>
+          </a:p>
+          <a:p>
+            <a:pPr lvl="0">
+              <a:spcBef>
+                <a:spcPts val="0"/>
+              </a:spcBef>
+              <a:buNone/>
+            </a:pPr>
+            <a:r>
+              <a:rPr lang="en"/>
+              <a:t>The </a:t>
+            </a:r>
+            <a:r>
+              <a:rPr lang="en"/>
+              <a:t>possibilities</a:t>
+            </a:r>
+            <a:r>
+              <a:rPr lang="en"/>
+              <a:t> are limitless.</a:t>
             </a:r>
           </a:p>
           <a:p>
@@ -3679,8 +3603,32 @@
             </a:pPr>
             <a:r>
               <a:rPr lang="en"/>
-              <a:t>Next we will cover some of the most common Lua language features that we will use in our turtle program today and is not a complete list of lua commands.</a:t>
-            </a:r>
+              <a:t>Next we will cover some of the most common Lua language features that we will use in our turtle program today.</a:t>
+            </a:r>
+          </a:p>
+          <a:p>
+            <a:pPr lvl="0">
+              <a:spcBef>
+                <a:spcPts val="0"/>
+              </a:spcBef>
+              <a:buNone/>
+            </a:pPr>
+            <a:r>
+              <a:rPr lang="en"/>
+              <a:t>This is not a complete list of lua commands, just what we will need today.</a:t>
+            </a:r>
+          </a:p>
+          <a:p>
+            <a:pPr lvl="0">
+              <a:spcBef>
+                <a:spcPts val="0"/>
+              </a:spcBef>
+              <a:buNone/>
+            </a:pPr>
+            <a:r>
+              <a:t/>
+            </a:r>
+            <a:endParaRPr/>
           </a:p>
         </p:txBody>
       </p:sp>
@@ -3774,7 +3722,7 @@
             </a:pPr>
             <a:r>
               <a:rPr lang="en"/>
-              <a:t>Explain why the best practice is not to use global variables and </a:t>
+              <a:t>Explain the best practice is not to use global variables and </a:t>
             </a:r>
             <a:r>
               <a:rPr lang="en"/>
@@ -3798,7 +3746,7 @@
             </a:pPr>
             <a:r>
               <a:rPr lang="en"/>
-              <a:t>Why is that bad? Unexpected values and bugs in your code.</a:t>
+              <a:t>Why is that bad? Unexpected values in your variables will cause bugs in your code.</a:t>
             </a:r>
           </a:p>
           <a:p>
@@ -3822,7 +3770,31 @@
             </a:pPr>
             <a:r>
               <a:rPr lang="en"/>
-              <a:t>How to create a global variable is name it than put an = to assign the variable  and then the item you want it to hold.</a:t>
+              <a:t>Create a global variable and name it, use an equal sign to assign a value to the variable.</a:t>
+            </a:r>
+          </a:p>
+          <a:p>
+            <a:pPr lvl="0">
+              <a:spcBef>
+                <a:spcPts val="0"/>
+              </a:spcBef>
+              <a:buNone/>
+            </a:pPr>
+            <a:r>
+              <a:rPr lang="en"/>
+              <a:t>Variable that are no longer referenced are garbage collected.  That mean they are removed from the computer's memory.</a:t>
+            </a:r>
+          </a:p>
+          <a:p>
+            <a:pPr lvl="0">
+              <a:spcBef>
+                <a:spcPts val="0"/>
+              </a:spcBef>
+              <a:buNone/>
+            </a:pPr>
+            <a:r>
+              <a:rPr lang="en"/>
+              <a:t>I am sorry to say that programming languages do not yet have the ability to take your garbage out for you. </a:t>
             </a:r>
           </a:p>
           <a:p>
@@ -3945,7 +3917,31 @@
             </a:r>
             <a:r>
               <a:rPr lang="en"/>
-              <a:t>ocal variables are automatically garbage collected.</a:t>
+              <a:t>ocal variables are automatically garbage collected when the function, loop, or if condition is no longer the active code running. </a:t>
+            </a:r>
+          </a:p>
+          <a:p>
+            <a:pPr lvl="0">
+              <a:spcBef>
+                <a:spcPts val="0"/>
+              </a:spcBef>
+              <a:buNone/>
+            </a:pPr>
+            <a:r>
+              <a:rPr lang="en"/>
+              <a:t>Unless your logic needs it the nil value is not needed.</a:t>
+            </a:r>
+          </a:p>
+          <a:p>
+            <a:pPr lvl="0">
+              <a:spcBef>
+                <a:spcPts val="0"/>
+              </a:spcBef>
+              <a:buNone/>
+            </a:pPr>
+            <a:r>
+              <a:rPr lang="en"/>
+              <a:t>Otherwise local variables operate the same as global variables.</a:t>
             </a:r>
           </a:p>
           <a:p>
@@ -3956,9 +3952,9 @@
               <a:buNone/>
             </a:pPr>
             <a:r>
-              <a:rPr lang="en"/>
-              <a:t>Otherwise they operate the same as global variables.</a:t>
-            </a:r>
+              <a:t/>
+            </a:r>
+            <a:endParaRPr/>
           </a:p>
         </p:txBody>
       </p:sp>
@@ -4084,7 +4080,19 @@
             </a:pPr>
             <a:r>
               <a:rPr lang="en"/>
-              <a:t>Why use one over the other?</a:t>
+              <a:t>The Single line comment can be used anywhere on a line even after command and the command will still run.</a:t>
+            </a:r>
+          </a:p>
+          <a:p>
+            <a:pPr lvl="0">
+              <a:spcBef>
+                <a:spcPts val="0"/>
+              </a:spcBef>
+              <a:buNone/>
+            </a:pPr>
+            <a:r>
+              <a:rPr lang="en"/>
+              <a:t>Why use one over the other… comment 1 line or multiple.</a:t>
             </a:r>
           </a:p>
         </p:txBody>
@@ -4199,6 +4207,18 @@
             </a:r>
           </a:p>
           <a:p>
+            <a:pPr lvl="0">
+              <a:spcBef>
+                <a:spcPts val="0"/>
+              </a:spcBef>
+              <a:buNone/>
+            </a:pPr>
+            <a:r>
+              <a:rPr lang="en"/>
+              <a:t>The then and End required. </a:t>
+            </a:r>
+          </a:p>
+          <a:p>
             <a:pPr lvl="0" rtl="0">
               <a:spcBef>
                 <a:spcPts val="0"/>
@@ -4207,7 +4227,7 @@
             </a:pPr>
             <a:r>
               <a:rPr lang="en"/>
-              <a:t>The then and End required. </a:t>
+              <a:t>Each command should be on its own line and best practice is to indent your code for readability. </a:t>
             </a:r>
           </a:p>
           <a:p>
@@ -7998,8 +8018,8 @@
         </p:blipFill>
         <p:spPr>
           <a:xfrm>
-            <a:off x="1231924" y="331387"/>
-            <a:ext cx="6475376" cy="4480724"/>
+            <a:off x="1209562" y="245074"/>
+            <a:ext cx="6724874" cy="4653350"/>
           </a:xfrm>
           <a:prstGeom prst="rect">
             <a:avLst/>
@@ -8058,15 +8078,15 @@
           </a:bodyPr>
           <a:lstStyle/>
           <a:p>
-            <a:pPr lvl="0" rtl="0">
-              <a:spcBef>
-                <a:spcPts val="0"/>
-              </a:spcBef>
-              <a:buNone/>
-            </a:pPr>
-            <a:r>
-              <a:rPr lang="en"/>
-              <a:t> While Loop</a:t>
+            <a:pPr lvl="0">
+              <a:spcBef>
+                <a:spcPts val="0"/>
+              </a:spcBef>
+              <a:buNone/>
+            </a:pPr>
+            <a:r>
+              <a:rPr lang="en"/>
+              <a:t>For loops</a:t>
             </a:r>
           </a:p>
         </p:txBody>
@@ -8094,7 +8114,7 @@
           </a:bodyPr>
           <a:lstStyle/>
           <a:p>
-            <a:pPr lvl="0" rtl="0">
+            <a:pPr lvl="0">
               <a:spcBef>
                 <a:spcPts val="0"/>
               </a:spcBef>
@@ -8102,7 +8122,7 @@
             </a:pPr>
             <a:r>
               <a:rPr lang="en" sz="1600"/>
-              <a:t>While a condition is true continue do something</a:t>
+              <a:t>Used to repeat a section of code an exact number of times.</a:t>
             </a:r>
           </a:p>
           <a:p>
@@ -8154,7 +8174,7 @@
                 <a:cs typeface="Courier New"/>
                 <a:sym typeface="Courier New"/>
               </a:rPr>
-              <a:t>while</a:t>
+              <a:t>for</a:t>
             </a:r>
             <a:r>
               <a:rPr lang="en" sz="1600">
@@ -8166,7 +8186,7 @@
                 <a:cs typeface="Courier New"/>
                 <a:sym typeface="Courier New"/>
               </a:rPr>
-              <a:t> num &lt; </a:t>
+              <a:t> i = </a:t>
             </a:r>
             <a:r>
               <a:rPr lang="en" sz="1600">
@@ -8178,7 +8198,31 @@
                 <a:cs typeface="Courier New"/>
                 <a:sym typeface="Courier New"/>
               </a:rPr>
-              <a:t>50</a:t>
+              <a:t>1</a:t>
+            </a:r>
+            <a:r>
+              <a:rPr lang="en" sz="1600">
+                <a:solidFill>
+                  <a:srgbClr val="D4D4D4"/>
+                </a:solidFill>
+                <a:latin typeface="Courier New"/>
+                <a:ea typeface="Courier New"/>
+                <a:cs typeface="Courier New"/>
+                <a:sym typeface="Courier New"/>
+              </a:rPr>
+              <a:t>, </a:t>
+            </a:r>
+            <a:r>
+              <a:rPr lang="en" sz="1600">
+                <a:solidFill>
+                  <a:srgbClr val="B5CEA8"/>
+                </a:solidFill>
+                <a:latin typeface="Courier New"/>
+                <a:ea typeface="Courier New"/>
+                <a:cs typeface="Courier New"/>
+                <a:sym typeface="Courier New"/>
+              </a:rPr>
+              <a:t>4</a:t>
             </a:r>
             <a:r>
               <a:rPr lang="en" sz="1600">
@@ -8228,19 +8272,31 @@
                 <a:cs typeface="Courier New"/>
                 <a:sym typeface="Courier New"/>
               </a:rPr>
-              <a:t>   num = num + </a:t>
-            </a:r>
-            <a:r>
-              <a:rPr lang="en" sz="1600">
-                <a:solidFill>
-                  <a:srgbClr val="B5CEA8"/>
-                </a:solidFill>
-                <a:latin typeface="Courier New"/>
-                <a:ea typeface="Courier New"/>
-                <a:cs typeface="Courier New"/>
-                <a:sym typeface="Courier New"/>
-              </a:rPr>
-              <a:t>1</a:t>
+              <a:t>       </a:t>
+            </a:r>
+            <a:r>
+              <a:rPr lang="en" sz="1600">
+                <a:solidFill>
+                  <a:srgbClr val="DCDCAA"/>
+                </a:solidFill>
+                <a:latin typeface="Courier New"/>
+                <a:ea typeface="Courier New"/>
+                <a:cs typeface="Courier New"/>
+                <a:sym typeface="Courier New"/>
+              </a:rPr>
+              <a:t>build_block_wall</a:t>
+            </a:r>
+            <a:r>
+              <a:rPr lang="en" sz="1600">
+                <a:solidFill>
+                  <a:srgbClr val="D4D4D4"/>
+                </a:solidFill>
+                <a:latin typeface="Courier New"/>
+                <a:ea typeface="Courier New"/>
+                <a:cs typeface="Courier New"/>
+                <a:sym typeface="Courier New"/>
+              </a:rPr>
+              <a:t>(wall_length)</a:t>
             </a:r>
           </a:p>
           <a:p>
@@ -8259,14 +8315,38 @@
             <a:r>
               <a:rPr lang="en" sz="1600">
                 <a:solidFill>
-                  <a:srgbClr val="C586C0"/>
-                </a:solidFill>
-                <a:latin typeface="Courier New"/>
-                <a:ea typeface="Courier New"/>
-                <a:cs typeface="Courier New"/>
-                <a:sym typeface="Courier New"/>
-              </a:rPr>
-              <a:t>end</a:t>
+                  <a:srgbClr val="D4D4D4"/>
+                </a:solidFill>
+                <a:latin typeface="Courier New"/>
+                <a:ea typeface="Courier New"/>
+                <a:cs typeface="Courier New"/>
+                <a:sym typeface="Courier New"/>
+              </a:rPr>
+              <a:t>       turtle.</a:t>
+            </a:r>
+            <a:r>
+              <a:rPr lang="en" sz="1600">
+                <a:solidFill>
+                  <a:srgbClr val="DCDCAA"/>
+                </a:solidFill>
+                <a:latin typeface="Courier New"/>
+                <a:ea typeface="Courier New"/>
+                <a:cs typeface="Courier New"/>
+                <a:sym typeface="Courier New"/>
+              </a:rPr>
+              <a:t>turnLeft</a:t>
+            </a:r>
+            <a:r>
+              <a:rPr lang="en" sz="1600">
+                <a:solidFill>
+                  <a:srgbClr val="D4D4D4"/>
+                </a:solidFill>
+                <a:latin typeface="Courier New"/>
+                <a:ea typeface="Courier New"/>
+                <a:cs typeface="Courier New"/>
+                <a:sym typeface="Courier New"/>
+              </a:rPr>
+              <a:t>()</a:t>
             </a:r>
           </a:p>
           <a:p>
@@ -8285,80 +8365,30 @@
             <a:r>
               <a:rPr lang="en" sz="1600">
                 <a:solidFill>
-                  <a:srgbClr val="DCDCAA"/>
-                </a:solidFill>
-                <a:latin typeface="Courier New"/>
-                <a:ea typeface="Courier New"/>
-                <a:cs typeface="Courier New"/>
-                <a:sym typeface="Courier New"/>
-              </a:rPr>
-              <a:t>print</a:t>
-            </a:r>
-            <a:r>
-              <a:rPr lang="en" sz="1600">
-                <a:solidFill>
-                  <a:srgbClr val="D4D4D4"/>
-                </a:solidFill>
-                <a:latin typeface="Courier New"/>
-                <a:ea typeface="Courier New"/>
-                <a:cs typeface="Courier New"/>
-                <a:sym typeface="Courier New"/>
-              </a:rPr>
-              <a:t>(num)</a:t>
-            </a:r>
-          </a:p>
-          <a:p>
-            <a:pPr lvl="0" rtl="0">
-              <a:lnSpc>
-                <a:spcPct val="135714"/>
-              </a:lnSpc>
-              <a:spcBef>
-                <a:spcPts val="0"/>
-              </a:spcBef>
-              <a:spcAft>
-                <a:spcPts val="0"/>
-              </a:spcAft>
+                  <a:srgbClr val="C586C0"/>
+                </a:solidFill>
+                <a:latin typeface="Courier New"/>
+                <a:ea typeface="Courier New"/>
+                <a:cs typeface="Courier New"/>
+                <a:sym typeface="Courier New"/>
+              </a:rPr>
+              <a:t>end</a:t>
+            </a:r>
+          </a:p>
+          <a:p>
+            <a:pPr lvl="0">
+              <a:spcBef>
+                <a:spcPts val="0"/>
+              </a:spcBef>
               <a:buNone/>
             </a:pPr>
             <a:r>
               <a:t/>
             </a:r>
-            <a:endParaRPr sz="1600">
-              <a:solidFill>
-                <a:srgbClr val="D4D4D4"/>
-              </a:solidFill>
-              <a:latin typeface="Courier New"/>
-              <a:ea typeface="Courier New"/>
-              <a:cs typeface="Courier New"/>
-              <a:sym typeface="Courier New"/>
-            </a:endParaRPr>
-          </a:p>
-          <a:p>
-            <a:pPr lvl="0" rtl="0">
-              <a:spcBef>
-                <a:spcPts val="0"/>
-              </a:spcBef>
-              <a:buNone/>
-            </a:pPr>
-            <a:r>
-              <a:t/>
-            </a:r>
             <a:endParaRPr/>
           </a:p>
           <a:p>
-            <a:pPr lvl="0" rtl="0">
-              <a:spcBef>
-                <a:spcPts val="0"/>
-              </a:spcBef>
-              <a:buNone/>
-            </a:pPr>
-            <a:r>
-              <a:t/>
-            </a:r>
-            <a:endParaRPr/>
-          </a:p>
-          <a:p>
-            <a:pPr lvl="0" rtl="0">
+            <a:pPr lvl="0">
               <a:spcBef>
                 <a:spcPts val="0"/>
               </a:spcBef>
@@ -8427,7 +8457,7 @@
             </a:pPr>
             <a:r>
               <a:rPr lang="en"/>
-              <a:t>For loops</a:t>
+              <a:t>Arrays</a:t>
             </a:r>
           </a:p>
         </p:txBody>
@@ -8455,7 +8485,7 @@
           </a:bodyPr>
           <a:lstStyle/>
           <a:p>
-            <a:pPr lvl="0">
+            <a:pPr lvl="0" rtl="0">
               <a:spcBef>
                 <a:spcPts val="0"/>
               </a:spcBef>
@@ -8463,7 +8493,7 @@
             </a:pPr>
             <a:r>
               <a:rPr lang="en" sz="1600"/>
-              <a:t>Used to repeat a section of code an exact number of times.</a:t>
+              <a:t>A data structure that contains a group of items. In lua all arrays starting index is the value 1 instead of a starting index of 0 like a lot of other programing languages.</a:t>
             </a:r>
           </a:p>
           <a:p>
@@ -8484,7 +8514,7 @@
             </a:r>
             <a:endParaRPr sz="1600">
               <a:solidFill>
-                <a:srgbClr val="C586C0"/>
+                <a:srgbClr val="D4D4D4"/>
               </a:solidFill>
               <a:latin typeface="Courier New"/>
               <a:ea typeface="Courier New"/>
@@ -8508,18 +8538,6 @@
             <a:r>
               <a:rPr lang="en" sz="1600">
                 <a:solidFill>
-                  <a:srgbClr val="C586C0"/>
-                </a:solidFill>
-                <a:latin typeface="Courier New"/>
-                <a:ea typeface="Courier New"/>
-                <a:cs typeface="Courier New"/>
-                <a:sym typeface="Courier New"/>
-              </a:rPr>
-              <a:t>for</a:t>
-            </a:r>
-            <a:r>
-              <a:rPr lang="en" sz="1600">
-                <a:solidFill>
                   <a:srgbClr val="D4D4D4"/>
                 </a:solidFill>
                 <a:latin typeface="Courier New"/>
@@ -8527,67 +8545,19 @@
                 <a:cs typeface="Courier New"/>
                 <a:sym typeface="Courier New"/>
               </a:rPr>
-              <a:t> i = </a:t>
-            </a:r>
-            <a:r>
-              <a:rPr lang="en" sz="1600">
-                <a:solidFill>
-                  <a:srgbClr val="B5CEA8"/>
-                </a:solidFill>
-                <a:latin typeface="Courier New"/>
-                <a:ea typeface="Courier New"/>
-                <a:cs typeface="Courier New"/>
-                <a:sym typeface="Courier New"/>
-              </a:rPr>
-              <a:t>1</a:t>
-            </a:r>
-            <a:r>
-              <a:rPr lang="en" sz="1600">
-                <a:solidFill>
-                  <a:srgbClr val="D4D4D4"/>
-                </a:solidFill>
-                <a:latin typeface="Courier New"/>
-                <a:ea typeface="Courier New"/>
-                <a:cs typeface="Courier New"/>
-                <a:sym typeface="Courier New"/>
-              </a:rPr>
-              <a:t>, </a:t>
-            </a:r>
-            <a:r>
-              <a:rPr lang="en" sz="1600">
-                <a:solidFill>
-                  <a:srgbClr val="B5CEA8"/>
-                </a:solidFill>
-                <a:latin typeface="Courier New"/>
-                <a:ea typeface="Courier New"/>
-                <a:cs typeface="Courier New"/>
-                <a:sym typeface="Courier New"/>
-              </a:rPr>
-              <a:t>4</a:t>
-            </a:r>
-            <a:r>
-              <a:rPr lang="en" sz="1600">
-                <a:solidFill>
-                  <a:srgbClr val="D4D4D4"/>
-                </a:solidFill>
-                <a:latin typeface="Courier New"/>
-                <a:ea typeface="Courier New"/>
-                <a:cs typeface="Courier New"/>
-                <a:sym typeface="Courier New"/>
-              </a:rPr>
-              <a:t> </a:t>
-            </a:r>
-            <a:r>
-              <a:rPr lang="en" sz="1600">
-                <a:solidFill>
-                  <a:srgbClr val="C586C0"/>
-                </a:solidFill>
-                <a:latin typeface="Courier New"/>
-                <a:ea typeface="Courier New"/>
-                <a:cs typeface="Courier New"/>
-                <a:sym typeface="Courier New"/>
-              </a:rPr>
-              <a:t>do</a:t>
+              <a:t>a={} </a:t>
+            </a:r>
+            <a:r>
+              <a:rPr lang="en" sz="1600">
+                <a:solidFill>
+                  <a:srgbClr val="608B4E"/>
+                </a:solidFill>
+                <a:latin typeface="Courier New"/>
+                <a:ea typeface="Courier New"/>
+                <a:cs typeface="Courier New"/>
+                <a:sym typeface="Courier New"/>
+              </a:rPr>
+              <a:t>--new array</a:t>
             </a:r>
           </a:p>
           <a:p>
@@ -8606,6 +8576,18 @@
             <a:r>
               <a:rPr lang="en" sz="1600">
                 <a:solidFill>
+                  <a:srgbClr val="C586C0"/>
+                </a:solidFill>
+                <a:latin typeface="Courier New"/>
+                <a:ea typeface="Courier New"/>
+                <a:cs typeface="Courier New"/>
+                <a:sym typeface="Courier New"/>
+              </a:rPr>
+              <a:t>for</a:t>
+            </a:r>
+            <a:r>
+              <a:rPr lang="en" sz="1600">
+                <a:solidFill>
                   <a:srgbClr val="D4D4D4"/>
                 </a:solidFill>
                 <a:latin typeface="Courier New"/>
@@ -8613,19 +8595,19 @@
                 <a:cs typeface="Courier New"/>
                 <a:sym typeface="Courier New"/>
               </a:rPr>
-              <a:t>       </a:t>
-            </a:r>
-            <a:r>
-              <a:rPr lang="en" sz="1600">
-                <a:solidFill>
-                  <a:srgbClr val="DCDCAA"/>
-                </a:solidFill>
-                <a:latin typeface="Courier New"/>
-                <a:ea typeface="Courier New"/>
-                <a:cs typeface="Courier New"/>
-                <a:sym typeface="Courier New"/>
-              </a:rPr>
-              <a:t>build_block_wall</a:t>
+              <a:t> i=</a:t>
+            </a:r>
+            <a:r>
+              <a:rPr lang="en" sz="1600">
+                <a:solidFill>
+                  <a:srgbClr val="B5CEA8"/>
+                </a:solidFill>
+                <a:latin typeface="Courier New"/>
+                <a:ea typeface="Courier New"/>
+                <a:cs typeface="Courier New"/>
+                <a:sym typeface="Courier New"/>
+              </a:rPr>
+              <a:t>1</a:t>
             </a:r>
             <a:r>
               <a:rPr lang="en" sz="1600">
@@ -8637,7 +8619,43 @@
                 <a:cs typeface="Courier New"/>
                 <a:sym typeface="Courier New"/>
               </a:rPr>
-              <a:t>(wall_length)</a:t>
+              <a:t>, </a:t>
+            </a:r>
+            <a:r>
+              <a:rPr lang="en" sz="1600">
+                <a:solidFill>
+                  <a:srgbClr val="B5CEA8"/>
+                </a:solidFill>
+                <a:latin typeface="Courier New"/>
+                <a:ea typeface="Courier New"/>
+                <a:cs typeface="Courier New"/>
+                <a:sym typeface="Courier New"/>
+              </a:rPr>
+              <a:t>1000</a:t>
+            </a:r>
+            <a:r>
+              <a:rPr lang="en" sz="1600">
+                <a:solidFill>
+                  <a:srgbClr val="D4D4D4"/>
+                </a:solidFill>
+                <a:latin typeface="Courier New"/>
+                <a:ea typeface="Courier New"/>
+                <a:cs typeface="Courier New"/>
+                <a:sym typeface="Courier New"/>
+              </a:rPr>
+              <a:t> </a:t>
+            </a:r>
+            <a:r>
+              <a:rPr lang="en" sz="1600">
+                <a:solidFill>
+                  <a:srgbClr val="C586C0"/>
+                </a:solidFill>
+                <a:latin typeface="Courier New"/>
+                <a:ea typeface="Courier New"/>
+                <a:cs typeface="Courier New"/>
+                <a:sym typeface="Courier New"/>
+              </a:rPr>
+              <a:t>do</a:t>
             </a:r>
           </a:p>
           <a:p>
@@ -8663,19 +8681,19 @@
                 <a:cs typeface="Courier New"/>
                 <a:sym typeface="Courier New"/>
               </a:rPr>
-              <a:t>       turtle.</a:t>
-            </a:r>
-            <a:r>
-              <a:rPr lang="en" sz="1600">
-                <a:solidFill>
-                  <a:srgbClr val="DCDCAA"/>
-                </a:solidFill>
-                <a:latin typeface="Courier New"/>
-                <a:ea typeface="Courier New"/>
-                <a:cs typeface="Courier New"/>
-                <a:sym typeface="Courier New"/>
-              </a:rPr>
-              <a:t>turnLeft</a:t>
+              <a:t>   a[i] = </a:t>
+            </a:r>
+            <a:r>
+              <a:rPr lang="en" sz="1600">
+                <a:solidFill>
+                  <a:srgbClr val="B5CEA8"/>
+                </a:solidFill>
+                <a:latin typeface="Courier New"/>
+                <a:ea typeface="Courier New"/>
+                <a:cs typeface="Courier New"/>
+                <a:sym typeface="Courier New"/>
+              </a:rPr>
+              <a:t>0</a:t>
             </a:r>
             <a:r>
               <a:rPr lang="en" sz="1600">
@@ -8687,7 +8705,19 @@
                 <a:cs typeface="Courier New"/>
                 <a:sym typeface="Courier New"/>
               </a:rPr>
-              <a:t>()</a:t>
+              <a:t> </a:t>
+            </a:r>
+            <a:r>
+              <a:rPr lang="en" sz="1600">
+                <a:solidFill>
+                  <a:srgbClr val="608B4E"/>
+                </a:solidFill>
+                <a:latin typeface="Courier New"/>
+                <a:ea typeface="Courier New"/>
+                <a:cs typeface="Courier New"/>
+                <a:sym typeface="Courier New"/>
+              </a:rPr>
+              <a:t>-- sets all values in the array to 0</a:t>
             </a:r>
           </a:p>
           <a:p>
@@ -8717,16 +8747,100 @@
             </a:r>
           </a:p>
           <a:p>
-            <a:pPr lvl="0">
-              <a:spcBef>
-                <a:spcPts val="0"/>
-              </a:spcBef>
-              <a:buNone/>
-            </a:pPr>
-            <a:r>
-              <a:t/>
-            </a:r>
-            <a:endParaRPr/>
+            <a:pPr lvl="0" rtl="0">
+              <a:lnSpc>
+                <a:spcPct val="135714"/>
+              </a:lnSpc>
+              <a:spcBef>
+                <a:spcPts val="0"/>
+              </a:spcBef>
+              <a:spcAft>
+                <a:spcPts val="0"/>
+              </a:spcAft>
+              <a:buNone/>
+            </a:pPr>
+            <a:r>
+              <a:rPr lang="en" sz="1600">
+                <a:solidFill>
+                  <a:srgbClr val="DCDCAA"/>
+                </a:solidFill>
+                <a:latin typeface="Courier New"/>
+                <a:ea typeface="Courier New"/>
+                <a:cs typeface="Courier New"/>
+                <a:sym typeface="Courier New"/>
+              </a:rPr>
+              <a:t>print</a:t>
+            </a:r>
+            <a:r>
+              <a:rPr lang="en" sz="1600">
+                <a:solidFill>
+                  <a:srgbClr val="D4D4D4"/>
+                </a:solidFill>
+                <a:latin typeface="Courier New"/>
+                <a:ea typeface="Courier New"/>
+                <a:cs typeface="Courier New"/>
+                <a:sym typeface="Courier New"/>
+              </a:rPr>
+              <a:t>(a[</a:t>
+            </a:r>
+            <a:r>
+              <a:rPr lang="en" sz="1600">
+                <a:solidFill>
+                  <a:srgbClr val="B5CEA8"/>
+                </a:solidFill>
+                <a:latin typeface="Courier New"/>
+                <a:ea typeface="Courier New"/>
+                <a:cs typeface="Courier New"/>
+                <a:sym typeface="Courier New"/>
+              </a:rPr>
+              <a:t>1</a:t>
+            </a:r>
+            <a:r>
+              <a:rPr lang="en" sz="1600">
+                <a:solidFill>
+                  <a:srgbClr val="D4D4D4"/>
+                </a:solidFill>
+                <a:latin typeface="Courier New"/>
+                <a:ea typeface="Courier New"/>
+                <a:cs typeface="Courier New"/>
+                <a:sym typeface="Courier New"/>
+              </a:rPr>
+              <a:t>]) </a:t>
+            </a:r>
+            <a:r>
+              <a:rPr lang="en" sz="1600">
+                <a:solidFill>
+                  <a:srgbClr val="608B4E"/>
+                </a:solidFill>
+                <a:latin typeface="Courier New"/>
+                <a:ea typeface="Courier New"/>
+                <a:cs typeface="Courier New"/>
+                <a:sym typeface="Courier New"/>
+              </a:rPr>
+              <a:t>-- gets the array item’s value</a:t>
+            </a:r>
+            <a:br>
+              <a:rPr lang="en"/>
+            </a:br>
+            <a:r>
+              <a:rPr lang="en"/>
+              <a:t>	          (Arrays also start with the value </a:t>
+            </a:r>
+            <a:r>
+              <a:rPr lang="en">
+                <a:solidFill>
+                  <a:srgbClr val="000000"/>
+                </a:solidFill>
+                <a:highlight>
+                  <a:srgbClr val="FFFF00"/>
+                </a:highlight>
+              </a:rPr>
+              <a:t>1</a:t>
+            </a:r>
+            <a:r>
+              <a:rPr lang="en"/>
+              <a:t> instead of 0)</a:t>
+            </a:r>
           </a:p>
           <a:p>
             <a:pPr lvl="0">
@@ -8798,7 +8912,7 @@
             </a:pPr>
             <a:r>
               <a:rPr lang="en"/>
-              <a:t>Arrays</a:t>
+              <a:t>Functions</a:t>
             </a:r>
           </a:p>
         </p:txBody>
@@ -8813,12 +8927,15 @@
         </p:nvSpPr>
         <p:spPr>
           <a:xfrm>
-            <a:off x="311700" y="1152475"/>
-            <a:ext cx="8520600" cy="3416400"/>
+            <a:off x="311700" y="1076275"/>
+            <a:ext cx="8520600" cy="3813300"/>
           </a:xfrm>
           <a:prstGeom prst="rect">
             <a:avLst/>
           </a:prstGeom>
+          <a:ln>
+            <a:noFill/>
+          </a:ln>
         </p:spPr>
         <p:txBody>
           <a:bodyPr anchorCtr="0" anchor="t" bIns="91425" lIns="91425" rIns="91425" tIns="91425">
@@ -8826,7 +8943,7 @@
           </a:bodyPr>
           <a:lstStyle/>
           <a:p>
-            <a:pPr lvl="0" rtl="0">
+            <a:pPr lvl="0">
               <a:spcBef>
                 <a:spcPts val="0"/>
               </a:spcBef>
@@ -8834,7 +8951,51 @@
             </a:pPr>
             <a:r>
               <a:rPr lang="en" sz="1600"/>
-              <a:t>A data structure that contains a group of items. In lua all arrays starting index is the value 1 instead of a starting index of 0 like a lot of other programing languages.</a:t>
+              <a:t>Functions are self contained lines of code that can be called many times.</a:t>
+            </a:r>
+          </a:p>
+          <a:p>
+            <a:pPr lvl="0">
+              <a:spcBef>
+                <a:spcPts val="0"/>
+              </a:spcBef>
+              <a:buNone/>
+            </a:pPr>
+            <a:r>
+              <a:rPr lang="en" sz="1600">
+                <a:solidFill>
+                  <a:srgbClr val="C586C0"/>
+                </a:solidFill>
+                <a:latin typeface="Courier New"/>
+                <a:ea typeface="Courier New"/>
+                <a:cs typeface="Courier New"/>
+                <a:sym typeface="Courier New"/>
+              </a:rPr>
+              <a:t>function</a:t>
+            </a:r>
+            <a:r>
+              <a:rPr lang="en" sz="1600">
+                <a:solidFill>
+                  <a:srgbClr val="DCDCAA"/>
+                </a:solidFill>
+                <a:latin typeface="Courier New"/>
+                <a:ea typeface="Courier New"/>
+                <a:cs typeface="Courier New"/>
+                <a:sym typeface="Courier New"/>
+              </a:rPr>
+              <a:t> place_block_down</a:t>
+            </a:r>
+            <a:r>
+              <a:rPr lang="en" sz="1600">
+                <a:solidFill>
+                  <a:srgbClr val="D4D4D4"/>
+                </a:solidFill>
+                <a:latin typeface="Courier New"/>
+                <a:ea typeface="Courier New"/>
+                <a:cs typeface="Courier New"/>
+                <a:sym typeface="Courier New"/>
+              </a:rPr>
+              <a:t>(inventory_name)</a:t>
             </a:r>
           </a:p>
           <a:p>
@@ -8851,11 +9012,273 @@
               <a:buNone/>
             </a:pPr>
             <a:r>
+              <a:rPr lang="en" sz="1600">
+                <a:solidFill>
+                  <a:srgbClr val="D4D4D4"/>
+                </a:solidFill>
+                <a:latin typeface="Courier New"/>
+                <a:ea typeface="Courier New"/>
+                <a:cs typeface="Courier New"/>
+                <a:sym typeface="Courier New"/>
+              </a:rPr>
+              <a:t>   </a:t>
+            </a:r>
+            <a:r>
+              <a:rPr lang="en" sz="1600">
+                <a:solidFill>
+                  <a:srgbClr val="C586C0"/>
+                </a:solidFill>
+                <a:latin typeface="Courier New"/>
+                <a:ea typeface="Courier New"/>
+                <a:cs typeface="Courier New"/>
+                <a:sym typeface="Courier New"/>
+              </a:rPr>
+              <a:t>local</a:t>
+            </a:r>
+            <a:r>
+              <a:rPr lang="en" sz="1600">
+                <a:solidFill>
+                  <a:srgbClr val="D4D4D4"/>
+                </a:solidFill>
+                <a:latin typeface="Courier New"/>
+                <a:ea typeface="Courier New"/>
+                <a:cs typeface="Courier New"/>
+                <a:sym typeface="Courier New"/>
+              </a:rPr>
+              <a:t> inventory_slot = </a:t>
+            </a:r>
+            <a:r>
+              <a:rPr lang="en" sz="1600">
+                <a:solidFill>
+                  <a:srgbClr val="DCDCAA"/>
+                </a:solidFill>
+                <a:latin typeface="Courier New"/>
+                <a:ea typeface="Courier New"/>
+                <a:cs typeface="Courier New"/>
+                <a:sym typeface="Courier New"/>
+              </a:rPr>
+              <a:t>find_block_slot</a:t>
+            </a:r>
+            <a:r>
+              <a:rPr lang="en" sz="1600">
+                <a:solidFill>
+                  <a:srgbClr val="D4D4D4"/>
+                </a:solidFill>
+                <a:latin typeface="Courier New"/>
+                <a:ea typeface="Courier New"/>
+                <a:cs typeface="Courier New"/>
+                <a:sym typeface="Courier New"/>
+              </a:rPr>
+              <a:t>(inventory_name)</a:t>
+            </a:r>
+          </a:p>
+          <a:p>
+            <a:pPr lvl="0" rtl="0">
+              <a:lnSpc>
+                <a:spcPct val="135714"/>
+              </a:lnSpc>
+              <a:spcBef>
+                <a:spcPts val="0"/>
+              </a:spcBef>
+              <a:spcAft>
+                <a:spcPts val="0"/>
+              </a:spcAft>
+              <a:buNone/>
+            </a:pPr>
+            <a:r>
+              <a:rPr lang="en" sz="1600">
+                <a:solidFill>
+                  <a:srgbClr val="D4D4D4"/>
+                </a:solidFill>
+                <a:latin typeface="Courier New"/>
+                <a:ea typeface="Courier New"/>
+                <a:cs typeface="Courier New"/>
+                <a:sym typeface="Courier New"/>
+              </a:rPr>
+              <a:t>   turtle.</a:t>
+            </a:r>
+            <a:r>
+              <a:rPr lang="en" sz="1600">
+                <a:solidFill>
+                  <a:srgbClr val="DCDCAA"/>
+                </a:solidFill>
+                <a:latin typeface="Courier New"/>
+                <a:ea typeface="Courier New"/>
+                <a:cs typeface="Courier New"/>
+                <a:sym typeface="Courier New"/>
+              </a:rPr>
+              <a:t>select</a:t>
+            </a:r>
+            <a:r>
+              <a:rPr lang="en" sz="1600">
+                <a:solidFill>
+                  <a:srgbClr val="D4D4D4"/>
+                </a:solidFill>
+                <a:latin typeface="Courier New"/>
+                <a:ea typeface="Courier New"/>
+                <a:cs typeface="Courier New"/>
+                <a:sym typeface="Courier New"/>
+              </a:rPr>
+              <a:t>(inventory_slot)</a:t>
+            </a:r>
+          </a:p>
+          <a:p>
+            <a:pPr lvl="0" rtl="0">
+              <a:lnSpc>
+                <a:spcPct val="135714"/>
+              </a:lnSpc>
+              <a:spcBef>
+                <a:spcPts val="0"/>
+              </a:spcBef>
+              <a:spcAft>
+                <a:spcPts val="0"/>
+              </a:spcAft>
+              <a:buNone/>
+            </a:pPr>
+            <a:r>
+              <a:rPr lang="en" sz="1600">
+                <a:solidFill>
+                  <a:srgbClr val="D4D4D4"/>
+                </a:solidFill>
+                <a:latin typeface="Courier New"/>
+                <a:ea typeface="Courier New"/>
+                <a:cs typeface="Courier New"/>
+                <a:sym typeface="Courier New"/>
+              </a:rPr>
+              <a:t>   turtle.</a:t>
+            </a:r>
+            <a:r>
+              <a:rPr lang="en" sz="1600">
+                <a:solidFill>
+                  <a:srgbClr val="DCDCAA"/>
+                </a:solidFill>
+                <a:latin typeface="Courier New"/>
+                <a:ea typeface="Courier New"/>
+                <a:cs typeface="Courier New"/>
+                <a:sym typeface="Courier New"/>
+              </a:rPr>
+              <a:t>placeDown</a:t>
+            </a:r>
+            <a:r>
+              <a:rPr lang="en" sz="1600">
+                <a:solidFill>
+                  <a:srgbClr val="D4D4D4"/>
+                </a:solidFill>
+                <a:latin typeface="Courier New"/>
+                <a:ea typeface="Courier New"/>
+                <a:cs typeface="Courier New"/>
+                <a:sym typeface="Courier New"/>
+              </a:rPr>
+              <a:t>()</a:t>
+            </a:r>
+          </a:p>
+          <a:p>
+            <a:pPr lvl="0" rtl="0">
+              <a:lnSpc>
+                <a:spcPct val="135714"/>
+              </a:lnSpc>
+              <a:spcBef>
+                <a:spcPts val="0"/>
+              </a:spcBef>
+              <a:spcAft>
+                <a:spcPts val="0"/>
+              </a:spcAft>
+              <a:buNone/>
+            </a:pPr>
+            <a:r>
+              <a:rPr lang="en" sz="1600">
+                <a:solidFill>
+                  <a:srgbClr val="D4D4D4"/>
+                </a:solidFill>
+                <a:latin typeface="Courier New"/>
+                <a:ea typeface="Courier New"/>
+                <a:cs typeface="Courier New"/>
+                <a:sym typeface="Courier New"/>
+              </a:rPr>
+              <a:t>   </a:t>
+            </a:r>
+            <a:r>
+              <a:rPr lang="en" sz="1600">
+                <a:solidFill>
+                  <a:srgbClr val="C586C0"/>
+                </a:solidFill>
+                <a:latin typeface="Courier New"/>
+                <a:ea typeface="Courier New"/>
+                <a:cs typeface="Courier New"/>
+                <a:sym typeface="Courier New"/>
+              </a:rPr>
+              <a:t>return</a:t>
+            </a:r>
+            <a:r>
+              <a:rPr lang="en" sz="1600">
+                <a:solidFill>
+                  <a:srgbClr val="D4D4D4"/>
+                </a:solidFill>
+                <a:latin typeface="Courier New"/>
+                <a:ea typeface="Courier New"/>
+                <a:cs typeface="Courier New"/>
+                <a:sym typeface="Courier New"/>
+              </a:rPr>
+              <a:t> </a:t>
+            </a:r>
+            <a:r>
+              <a:rPr lang="en" sz="1600">
+                <a:solidFill>
+                  <a:srgbClr val="569CD6"/>
+                </a:solidFill>
+                <a:latin typeface="Courier New"/>
+                <a:ea typeface="Courier New"/>
+                <a:cs typeface="Courier New"/>
+                <a:sym typeface="Courier New"/>
+              </a:rPr>
+              <a:t>true</a:t>
+            </a:r>
+          </a:p>
+          <a:p>
+            <a:pPr lvl="0" rtl="0">
+              <a:lnSpc>
+                <a:spcPct val="135714"/>
+              </a:lnSpc>
+              <a:spcBef>
+                <a:spcPts val="0"/>
+              </a:spcBef>
+              <a:spcAft>
+                <a:spcPts val="0"/>
+              </a:spcAft>
+              <a:buNone/>
+            </a:pPr>
+            <a:r>
+              <a:rPr lang="en" sz="1600">
+                <a:solidFill>
+                  <a:srgbClr val="C586C0"/>
+                </a:solidFill>
+                <a:latin typeface="Courier New"/>
+                <a:ea typeface="Courier New"/>
+                <a:cs typeface="Courier New"/>
+                <a:sym typeface="Courier New"/>
+              </a:rPr>
+              <a:t>End</a:t>
+            </a:r>
+          </a:p>
+          <a:p>
+            <a:pPr lvl="0" rtl="0">
+              <a:lnSpc>
+                <a:spcPct val="135714"/>
+              </a:lnSpc>
+              <a:spcBef>
+                <a:spcPts val="0"/>
+              </a:spcBef>
+              <a:spcAft>
+                <a:spcPts val="0"/>
+              </a:spcAft>
+              <a:buNone/>
+            </a:pPr>
+            <a:r>
               <a:t/>
             </a:r>
             <a:endParaRPr sz="1600">
               <a:solidFill>
-                <a:srgbClr val="D4D4D4"/>
+                <a:srgbClr val="C586C0"/>
               </a:solidFill>
               <a:latin typeface="Courier New"/>
               <a:ea typeface="Courier New"/>
@@ -8879,6 +9302,18 @@
             <a:r>
               <a:rPr lang="en" sz="1600">
                 <a:solidFill>
+                  <a:srgbClr val="DCDCAA"/>
+                </a:solidFill>
+                <a:latin typeface="Courier New"/>
+                <a:ea typeface="Courier New"/>
+                <a:cs typeface="Courier New"/>
+                <a:sym typeface="Courier New"/>
+              </a:rPr>
+              <a:t>result = place_block_down</a:t>
+            </a:r>
+            <a:r>
+              <a:rPr lang="en" sz="1600">
+                <a:solidFill>
                   <a:srgbClr val="D4D4D4"/>
                 </a:solidFill>
                 <a:latin typeface="Courier New"/>
@@ -8886,19 +9321,31 @@
                 <a:cs typeface="Courier New"/>
                 <a:sym typeface="Courier New"/>
               </a:rPr>
-              <a:t>a={} </a:t>
-            </a:r>
-            <a:r>
-              <a:rPr lang="en" sz="1600">
-                <a:solidFill>
-                  <a:srgbClr val="608B4E"/>
-                </a:solidFill>
-                <a:latin typeface="Courier New"/>
-                <a:ea typeface="Courier New"/>
-                <a:cs typeface="Courier New"/>
-                <a:sym typeface="Courier New"/>
-              </a:rPr>
-              <a:t>--new array</a:t>
+              <a:t>(</a:t>
+            </a:r>
+            <a:r>
+              <a:rPr lang="en" sz="1600">
+                <a:solidFill>
+                  <a:srgbClr val="CE9178"/>
+                </a:solidFill>
+                <a:latin typeface="Courier New"/>
+                <a:ea typeface="Courier New"/>
+                <a:cs typeface="Courier New"/>
+                <a:sym typeface="Courier New"/>
+              </a:rPr>
+              <a:t>"minecraft:planks"</a:t>
+            </a:r>
+            <a:r>
+              <a:rPr lang="en" sz="1600">
+                <a:solidFill>
+                  <a:srgbClr val="D4D4D4"/>
+                </a:solidFill>
+                <a:latin typeface="Courier New"/>
+                <a:ea typeface="Courier New"/>
+                <a:cs typeface="Courier New"/>
+                <a:sym typeface="Courier New"/>
+              </a:rPr>
+              <a:t>)</a:t>
             </a:r>
           </a:p>
           <a:p>
@@ -8917,14 +9364,14 @@
             <a:r>
               <a:rPr lang="en" sz="1600">
                 <a:solidFill>
-                  <a:srgbClr val="C586C0"/>
-                </a:solidFill>
-                <a:latin typeface="Courier New"/>
-                <a:ea typeface="Courier New"/>
-                <a:cs typeface="Courier New"/>
-                <a:sym typeface="Courier New"/>
-              </a:rPr>
-              <a:t>for</a:t>
+                  <a:srgbClr val="DCDCAA"/>
+                </a:solidFill>
+                <a:latin typeface="Courier New"/>
+                <a:ea typeface="Courier New"/>
+                <a:cs typeface="Courier New"/>
+                <a:sym typeface="Courier New"/>
+              </a:rPr>
+              <a:t>place_block_down</a:t>
             </a:r>
             <a:r>
               <a:rPr lang="en" sz="1600">
@@ -8936,19 +9383,19 @@
                 <a:cs typeface="Courier New"/>
                 <a:sym typeface="Courier New"/>
               </a:rPr>
-              <a:t> i=</a:t>
-            </a:r>
-            <a:r>
-              <a:rPr lang="en" sz="1600">
-                <a:solidFill>
-                  <a:srgbClr val="B5CEA8"/>
-                </a:solidFill>
-                <a:latin typeface="Courier New"/>
-                <a:ea typeface="Courier New"/>
-                <a:cs typeface="Courier New"/>
-                <a:sym typeface="Courier New"/>
-              </a:rPr>
-              <a:t>1</a:t>
+              <a:t>(</a:t>
+            </a:r>
+            <a:r>
+              <a:rPr lang="en" sz="1600">
+                <a:solidFill>
+                  <a:srgbClr val="CE9178"/>
+                </a:solidFill>
+                <a:latin typeface="Courier New"/>
+                <a:ea typeface="Courier New"/>
+                <a:cs typeface="Courier New"/>
+                <a:sym typeface="Courier New"/>
+              </a:rPr>
+              <a:t>"minecraft:glass"</a:t>
             </a:r>
             <a:r>
               <a:rPr lang="en" sz="1600">
@@ -8960,43 +9407,7 @@
                 <a:cs typeface="Courier New"/>
                 <a:sym typeface="Courier New"/>
               </a:rPr>
-              <a:t>, </a:t>
-            </a:r>
-            <a:r>
-              <a:rPr lang="en" sz="1600">
-                <a:solidFill>
-                  <a:srgbClr val="B5CEA8"/>
-                </a:solidFill>
-                <a:latin typeface="Courier New"/>
-                <a:ea typeface="Courier New"/>
-                <a:cs typeface="Courier New"/>
-                <a:sym typeface="Courier New"/>
-              </a:rPr>
-              <a:t>1000</a:t>
-            </a:r>
-            <a:r>
-              <a:rPr lang="en" sz="1600">
-                <a:solidFill>
-                  <a:srgbClr val="D4D4D4"/>
-                </a:solidFill>
-                <a:latin typeface="Courier New"/>
-                <a:ea typeface="Courier New"/>
-                <a:cs typeface="Courier New"/>
-                <a:sym typeface="Courier New"/>
-              </a:rPr>
-              <a:t> </a:t>
-            </a:r>
-            <a:r>
-              <a:rPr lang="en" sz="1600">
-                <a:solidFill>
-                  <a:srgbClr val="C586C0"/>
-                </a:solidFill>
-                <a:latin typeface="Courier New"/>
-                <a:ea typeface="Courier New"/>
-                <a:cs typeface="Courier New"/>
-                <a:sym typeface="Courier New"/>
-              </a:rPr>
-              <a:t>do</a:t>
+              <a:t>)</a:t>
             </a:r>
           </a:p>
           <a:p>
@@ -9013,187 +9424,41 @@
               <a:buNone/>
             </a:pPr>
             <a:r>
-              <a:rPr lang="en" sz="1600">
-                <a:solidFill>
-                  <a:srgbClr val="D4D4D4"/>
-                </a:solidFill>
-                <a:latin typeface="Courier New"/>
-                <a:ea typeface="Courier New"/>
-                <a:cs typeface="Courier New"/>
-                <a:sym typeface="Courier New"/>
-              </a:rPr>
-              <a:t>   a[i] = </a:t>
-            </a:r>
-            <a:r>
-              <a:rPr lang="en" sz="1600">
-                <a:solidFill>
-                  <a:srgbClr val="B5CEA8"/>
-                </a:solidFill>
-                <a:latin typeface="Courier New"/>
-                <a:ea typeface="Courier New"/>
-                <a:cs typeface="Courier New"/>
-                <a:sym typeface="Courier New"/>
-              </a:rPr>
-              <a:t>0</a:t>
-            </a:r>
-            <a:r>
-              <a:rPr lang="en" sz="1600">
-                <a:solidFill>
-                  <a:srgbClr val="D4D4D4"/>
-                </a:solidFill>
-                <a:latin typeface="Courier New"/>
-                <a:ea typeface="Courier New"/>
-                <a:cs typeface="Courier New"/>
-                <a:sym typeface="Courier New"/>
-              </a:rPr>
-              <a:t> </a:t>
-            </a:r>
-            <a:r>
-              <a:rPr lang="en" sz="1600">
-                <a:solidFill>
-                  <a:srgbClr val="608B4E"/>
-                </a:solidFill>
-                <a:latin typeface="Courier New"/>
-                <a:ea typeface="Courier New"/>
-                <a:cs typeface="Courier New"/>
-                <a:sym typeface="Courier New"/>
-              </a:rPr>
-              <a:t>-- sets all values in the array to 0</a:t>
-            </a:r>
-          </a:p>
-          <a:p>
-            <a:pPr lvl="0" rtl="0">
-              <a:lnSpc>
-                <a:spcPct val="135714"/>
-              </a:lnSpc>
-              <a:spcBef>
-                <a:spcPts val="0"/>
-              </a:spcBef>
-              <a:spcAft>
-                <a:spcPts val="0"/>
-              </a:spcAft>
-              <a:buNone/>
-            </a:pPr>
-            <a:r>
-              <a:rPr lang="en" sz="1600">
-                <a:solidFill>
-                  <a:srgbClr val="C586C0"/>
-                </a:solidFill>
-                <a:latin typeface="Courier New"/>
-                <a:ea typeface="Courier New"/>
-                <a:cs typeface="Courier New"/>
-                <a:sym typeface="Courier New"/>
-              </a:rPr>
-              <a:t>end</a:t>
-            </a:r>
-          </a:p>
-          <a:p>
-            <a:pPr lvl="0" rtl="0">
-              <a:lnSpc>
-                <a:spcPct val="135714"/>
-              </a:lnSpc>
-              <a:spcBef>
-                <a:spcPts val="0"/>
-              </a:spcBef>
-              <a:spcAft>
-                <a:spcPts val="0"/>
-              </a:spcAft>
-              <a:buNone/>
-            </a:pPr>
-            <a:r>
-              <a:rPr lang="en" sz="1600">
-                <a:solidFill>
-                  <a:srgbClr val="DCDCAA"/>
-                </a:solidFill>
-                <a:latin typeface="Courier New"/>
-                <a:ea typeface="Courier New"/>
-                <a:cs typeface="Courier New"/>
-                <a:sym typeface="Courier New"/>
-              </a:rPr>
-              <a:t>print</a:t>
-            </a:r>
-            <a:r>
-              <a:rPr lang="en" sz="1600">
-                <a:solidFill>
-                  <a:srgbClr val="D4D4D4"/>
-                </a:solidFill>
-                <a:latin typeface="Courier New"/>
-                <a:ea typeface="Courier New"/>
-                <a:cs typeface="Courier New"/>
-                <a:sym typeface="Courier New"/>
-              </a:rPr>
-              <a:t>(a[</a:t>
-            </a:r>
-            <a:r>
-              <a:rPr lang="en" sz="1600">
-                <a:solidFill>
-                  <a:srgbClr val="B5CEA8"/>
-                </a:solidFill>
-                <a:latin typeface="Courier New"/>
-                <a:ea typeface="Courier New"/>
-                <a:cs typeface="Courier New"/>
-                <a:sym typeface="Courier New"/>
-              </a:rPr>
-              <a:t>1</a:t>
-            </a:r>
-            <a:r>
-              <a:rPr lang="en" sz="1600">
-                <a:solidFill>
-                  <a:srgbClr val="D4D4D4"/>
-                </a:solidFill>
-                <a:latin typeface="Courier New"/>
-                <a:ea typeface="Courier New"/>
-                <a:cs typeface="Courier New"/>
-                <a:sym typeface="Courier New"/>
-              </a:rPr>
-              <a:t>]) </a:t>
-            </a:r>
-            <a:r>
-              <a:rPr lang="en" sz="1600">
-                <a:solidFill>
-                  <a:srgbClr val="608B4E"/>
-                </a:solidFill>
-                <a:latin typeface="Courier New"/>
-                <a:ea typeface="Courier New"/>
-                <a:cs typeface="Courier New"/>
-                <a:sym typeface="Courier New"/>
-              </a:rPr>
-              <a:t>-- gets the array item’s value</a:t>
-            </a:r>
-            <a:br>
-              <a:rPr lang="en"/>
-            </a:br>
-            <a:r>
-              <a:rPr lang="en"/>
-              <a:t>	          (Arrays also start with the value </a:t>
-            </a:r>
-            <a:r>
-              <a:rPr lang="en">
-                <a:solidFill>
-                  <a:srgbClr val="000000"/>
-                </a:solidFill>
-                <a:highlight>
-                  <a:srgbClr val="FFFF00"/>
-                </a:highlight>
-              </a:rPr>
-              <a:t>1</a:t>
-            </a:r>
-            <a:r>
-              <a:rPr lang="en"/>
-              <a:t> instead of 0)</a:t>
-            </a:r>
-          </a:p>
-          <a:p>
-            <a:pPr lvl="0">
-              <a:spcBef>
-                <a:spcPts val="0"/>
-              </a:spcBef>
-              <a:buNone/>
-            </a:pPr>
-            <a:r>
               <a:t/>
             </a:r>
-            <a:endParaRPr/>
+            <a:endParaRPr sz="1600">
+              <a:solidFill>
+                <a:srgbClr val="C586C0"/>
+              </a:solidFill>
+              <a:latin typeface="Courier New"/>
+              <a:ea typeface="Courier New"/>
+              <a:cs typeface="Courier New"/>
+              <a:sym typeface="Courier New"/>
+            </a:endParaRPr>
+          </a:p>
+          <a:p>
+            <a:pPr lvl="0">
+              <a:spcBef>
+                <a:spcPts val="0"/>
+              </a:spcBef>
+              <a:buNone/>
+            </a:pPr>
+            <a:r>
+              <a:t/>
+            </a:r>
+            <a:endParaRPr b="1"/>
+          </a:p>
+          <a:p>
+            <a:pPr lvl="0">
+              <a:spcBef>
+                <a:spcPts val="0"/>
+              </a:spcBef>
+              <a:buNone/>
+            </a:pPr>
+            <a:r>
+              <a:t/>
+            </a:r>
+            <a:endParaRPr b="1"/>
           </a:p>
         </p:txBody>
       </p:sp>
@@ -9253,556 +9518,39 @@
             </a:pPr>
             <a:r>
               <a:rPr lang="en"/>
-              <a:t>Functions</a:t>
+              <a:t> </a:t>
             </a:r>
           </a:p>
         </p:txBody>
       </p:sp>
-      <p:sp>
-        <p:nvSpPr>
+      <p:pic>
+        <p:nvPicPr>
           <p:cNvPr id="138" name="Shape 138"/>
-          <p:cNvSpPr txBox="1"/>
-          <p:nvPr>
-            <p:ph idx="1" type="body"/>
-          </p:nvPr>
-        </p:nvSpPr>
+          <p:cNvPicPr preferRelativeResize="0"/>
+          <p:nvPr/>
+        </p:nvPicPr>
+        <p:blipFill>
+          <a:blip r:embed="rId3">
+            <a:alphaModFix/>
+          </a:blip>
+          <a:stretch>
+            <a:fillRect/>
+          </a:stretch>
+        </p:blipFill>
         <p:spPr>
           <a:xfrm>
-            <a:off x="311700" y="1076275"/>
-            <a:ext cx="8520600" cy="3813300"/>
+            <a:off x="1291850" y="445025"/>
+            <a:ext cx="5901874" cy="4319550"/>
           </a:xfrm>
           <a:prstGeom prst="rect">
             <a:avLst/>
           </a:prstGeom>
+          <a:noFill/>
           <a:ln>
             <a:noFill/>
           </a:ln>
         </p:spPr>
-        <p:txBody>
-          <a:bodyPr anchorCtr="0" anchor="t" bIns="91425" lIns="91425" rIns="91425" tIns="91425">
-            <a:noAutofit/>
-          </a:bodyPr>
-          <a:lstStyle/>
-          <a:p>
-            <a:pPr lvl="0">
-              <a:spcBef>
-                <a:spcPts val="0"/>
-              </a:spcBef>
-              <a:buNone/>
-            </a:pPr>
-            <a:r>
-              <a:rPr lang="en" sz="1600"/>
-              <a:t>Functions are self contained lines of code that can be called many times.</a:t>
-            </a:r>
-          </a:p>
-          <a:p>
-            <a:pPr lvl="0">
-              <a:spcBef>
-                <a:spcPts val="0"/>
-              </a:spcBef>
-              <a:buNone/>
-            </a:pPr>
-            <a:r>
-              <a:rPr lang="en" sz="1600">
-                <a:solidFill>
-                  <a:srgbClr val="C586C0"/>
-                </a:solidFill>
-                <a:latin typeface="Courier New"/>
-                <a:ea typeface="Courier New"/>
-                <a:cs typeface="Courier New"/>
-                <a:sym typeface="Courier New"/>
-              </a:rPr>
-              <a:t>function</a:t>
-            </a:r>
-            <a:r>
-              <a:rPr lang="en" sz="1600">
-                <a:solidFill>
-                  <a:srgbClr val="DCDCAA"/>
-                </a:solidFill>
-                <a:latin typeface="Courier New"/>
-                <a:ea typeface="Courier New"/>
-                <a:cs typeface="Courier New"/>
-                <a:sym typeface="Courier New"/>
-              </a:rPr>
-              <a:t> place_block_down</a:t>
-            </a:r>
-            <a:r>
-              <a:rPr lang="en" sz="1600">
-                <a:solidFill>
-                  <a:srgbClr val="D4D4D4"/>
-                </a:solidFill>
-                <a:latin typeface="Courier New"/>
-                <a:ea typeface="Courier New"/>
-                <a:cs typeface="Courier New"/>
-                <a:sym typeface="Courier New"/>
-              </a:rPr>
-              <a:t>(inventory_name)</a:t>
-            </a:r>
-          </a:p>
-          <a:p>
-            <a:pPr lvl="0" rtl="0">
-              <a:lnSpc>
-                <a:spcPct val="135714"/>
-              </a:lnSpc>
-              <a:spcBef>
-                <a:spcPts val="0"/>
-              </a:spcBef>
-              <a:spcAft>
-                <a:spcPts val="0"/>
-              </a:spcAft>
-              <a:buNone/>
-            </a:pPr>
-            <a:r>
-              <a:rPr lang="en" sz="1600">
-                <a:solidFill>
-                  <a:srgbClr val="D4D4D4"/>
-                </a:solidFill>
-                <a:latin typeface="Courier New"/>
-                <a:ea typeface="Courier New"/>
-                <a:cs typeface="Courier New"/>
-                <a:sym typeface="Courier New"/>
-              </a:rPr>
-              <a:t>   </a:t>
-            </a:r>
-            <a:r>
-              <a:rPr lang="en" sz="1600">
-                <a:solidFill>
-                  <a:srgbClr val="C586C0"/>
-                </a:solidFill>
-                <a:latin typeface="Courier New"/>
-                <a:ea typeface="Courier New"/>
-                <a:cs typeface="Courier New"/>
-                <a:sym typeface="Courier New"/>
-              </a:rPr>
-              <a:t>local</a:t>
-            </a:r>
-            <a:r>
-              <a:rPr lang="en" sz="1600">
-                <a:solidFill>
-                  <a:srgbClr val="D4D4D4"/>
-                </a:solidFill>
-                <a:latin typeface="Courier New"/>
-                <a:ea typeface="Courier New"/>
-                <a:cs typeface="Courier New"/>
-                <a:sym typeface="Courier New"/>
-              </a:rPr>
-              <a:t> inventory_slot = </a:t>
-            </a:r>
-            <a:r>
-              <a:rPr lang="en" sz="1600">
-                <a:solidFill>
-                  <a:srgbClr val="DCDCAA"/>
-                </a:solidFill>
-                <a:latin typeface="Courier New"/>
-                <a:ea typeface="Courier New"/>
-                <a:cs typeface="Courier New"/>
-                <a:sym typeface="Courier New"/>
-              </a:rPr>
-              <a:t>find_block_slot</a:t>
-            </a:r>
-            <a:r>
-              <a:rPr lang="en" sz="1600">
-                <a:solidFill>
-                  <a:srgbClr val="D4D4D4"/>
-                </a:solidFill>
-                <a:latin typeface="Courier New"/>
-                <a:ea typeface="Courier New"/>
-                <a:cs typeface="Courier New"/>
-                <a:sym typeface="Courier New"/>
-              </a:rPr>
-              <a:t>(inventory_name)</a:t>
-            </a:r>
-          </a:p>
-          <a:p>
-            <a:pPr lvl="0" rtl="0">
-              <a:lnSpc>
-                <a:spcPct val="135714"/>
-              </a:lnSpc>
-              <a:spcBef>
-                <a:spcPts val="0"/>
-              </a:spcBef>
-              <a:spcAft>
-                <a:spcPts val="0"/>
-              </a:spcAft>
-              <a:buNone/>
-            </a:pPr>
-            <a:r>
-              <a:rPr lang="en" sz="1600">
-                <a:solidFill>
-                  <a:srgbClr val="D4D4D4"/>
-                </a:solidFill>
-                <a:latin typeface="Courier New"/>
-                <a:ea typeface="Courier New"/>
-                <a:cs typeface="Courier New"/>
-                <a:sym typeface="Courier New"/>
-              </a:rPr>
-              <a:t>   turtle.</a:t>
-            </a:r>
-            <a:r>
-              <a:rPr lang="en" sz="1600">
-                <a:solidFill>
-                  <a:srgbClr val="DCDCAA"/>
-                </a:solidFill>
-                <a:latin typeface="Courier New"/>
-                <a:ea typeface="Courier New"/>
-                <a:cs typeface="Courier New"/>
-                <a:sym typeface="Courier New"/>
-              </a:rPr>
-              <a:t>select</a:t>
-            </a:r>
-            <a:r>
-              <a:rPr lang="en" sz="1600">
-                <a:solidFill>
-                  <a:srgbClr val="D4D4D4"/>
-                </a:solidFill>
-                <a:latin typeface="Courier New"/>
-                <a:ea typeface="Courier New"/>
-                <a:cs typeface="Courier New"/>
-                <a:sym typeface="Courier New"/>
-              </a:rPr>
-              <a:t>(inventory_slot)</a:t>
-            </a:r>
-          </a:p>
-          <a:p>
-            <a:pPr lvl="0" rtl="0">
-              <a:lnSpc>
-                <a:spcPct val="135714"/>
-              </a:lnSpc>
-              <a:spcBef>
-                <a:spcPts val="0"/>
-              </a:spcBef>
-              <a:spcAft>
-                <a:spcPts val="0"/>
-              </a:spcAft>
-              <a:buNone/>
-            </a:pPr>
-            <a:r>
-              <a:rPr lang="en" sz="1600">
-                <a:solidFill>
-                  <a:srgbClr val="D4D4D4"/>
-                </a:solidFill>
-                <a:latin typeface="Courier New"/>
-                <a:ea typeface="Courier New"/>
-                <a:cs typeface="Courier New"/>
-                <a:sym typeface="Courier New"/>
-              </a:rPr>
-              <a:t>   turtle.</a:t>
-            </a:r>
-            <a:r>
-              <a:rPr lang="en" sz="1600">
-                <a:solidFill>
-                  <a:srgbClr val="DCDCAA"/>
-                </a:solidFill>
-                <a:latin typeface="Courier New"/>
-                <a:ea typeface="Courier New"/>
-                <a:cs typeface="Courier New"/>
-                <a:sym typeface="Courier New"/>
-              </a:rPr>
-              <a:t>placeDown</a:t>
-            </a:r>
-            <a:r>
-              <a:rPr lang="en" sz="1600">
-                <a:solidFill>
-                  <a:srgbClr val="D4D4D4"/>
-                </a:solidFill>
-                <a:latin typeface="Courier New"/>
-                <a:ea typeface="Courier New"/>
-                <a:cs typeface="Courier New"/>
-                <a:sym typeface="Courier New"/>
-              </a:rPr>
-              <a:t>()</a:t>
-            </a:r>
-          </a:p>
-          <a:p>
-            <a:pPr lvl="0" rtl="0">
-              <a:lnSpc>
-                <a:spcPct val="135714"/>
-              </a:lnSpc>
-              <a:spcBef>
-                <a:spcPts val="0"/>
-              </a:spcBef>
-              <a:spcAft>
-                <a:spcPts val="0"/>
-              </a:spcAft>
-              <a:buNone/>
-            </a:pPr>
-            <a:r>
-              <a:rPr lang="en" sz="1600">
-                <a:solidFill>
-                  <a:srgbClr val="D4D4D4"/>
-                </a:solidFill>
-                <a:latin typeface="Courier New"/>
-                <a:ea typeface="Courier New"/>
-                <a:cs typeface="Courier New"/>
-                <a:sym typeface="Courier New"/>
-              </a:rPr>
-              <a:t>   </a:t>
-            </a:r>
-            <a:r>
-              <a:rPr lang="en" sz="1600">
-                <a:solidFill>
-                  <a:srgbClr val="C586C0"/>
-                </a:solidFill>
-                <a:latin typeface="Courier New"/>
-                <a:ea typeface="Courier New"/>
-                <a:cs typeface="Courier New"/>
-                <a:sym typeface="Courier New"/>
-              </a:rPr>
-              <a:t>return</a:t>
-            </a:r>
-            <a:r>
-              <a:rPr lang="en" sz="1600">
-                <a:solidFill>
-                  <a:srgbClr val="D4D4D4"/>
-                </a:solidFill>
-                <a:latin typeface="Courier New"/>
-                <a:ea typeface="Courier New"/>
-                <a:cs typeface="Courier New"/>
-                <a:sym typeface="Courier New"/>
-              </a:rPr>
-              <a:t> </a:t>
-            </a:r>
-            <a:r>
-              <a:rPr lang="en" sz="1600">
-                <a:solidFill>
-                  <a:srgbClr val="569CD6"/>
-                </a:solidFill>
-                <a:latin typeface="Courier New"/>
-                <a:ea typeface="Courier New"/>
-                <a:cs typeface="Courier New"/>
-                <a:sym typeface="Courier New"/>
-              </a:rPr>
-              <a:t>true</a:t>
-            </a:r>
-          </a:p>
-          <a:p>
-            <a:pPr lvl="0" rtl="0">
-              <a:lnSpc>
-                <a:spcPct val="135714"/>
-              </a:lnSpc>
-              <a:spcBef>
-                <a:spcPts val="0"/>
-              </a:spcBef>
-              <a:spcAft>
-                <a:spcPts val="0"/>
-              </a:spcAft>
-              <a:buNone/>
-            </a:pPr>
-            <a:r>
-              <a:rPr lang="en" sz="1600">
-                <a:solidFill>
-                  <a:srgbClr val="C586C0"/>
-                </a:solidFill>
-                <a:latin typeface="Courier New"/>
-                <a:ea typeface="Courier New"/>
-                <a:cs typeface="Courier New"/>
-                <a:sym typeface="Courier New"/>
-              </a:rPr>
-              <a:t>End</a:t>
-            </a:r>
-          </a:p>
-          <a:p>
-            <a:pPr lvl="0" rtl="0">
-              <a:lnSpc>
-                <a:spcPct val="135714"/>
-              </a:lnSpc>
-              <a:spcBef>
-                <a:spcPts val="0"/>
-              </a:spcBef>
-              <a:spcAft>
-                <a:spcPts val="0"/>
-              </a:spcAft>
-              <a:buNone/>
-            </a:pPr>
-            <a:r>
-              <a:t/>
-            </a:r>
-            <a:endParaRPr sz="1600">
-              <a:solidFill>
-                <a:srgbClr val="C586C0"/>
-              </a:solidFill>
-              <a:latin typeface="Courier New"/>
-              <a:ea typeface="Courier New"/>
-              <a:cs typeface="Courier New"/>
-              <a:sym typeface="Courier New"/>
-            </a:endParaRPr>
-          </a:p>
-          <a:p>
-            <a:pPr lvl="0" rtl="0">
-              <a:lnSpc>
-                <a:spcPct val="135714"/>
-              </a:lnSpc>
-              <a:spcBef>
-                <a:spcPts val="0"/>
-              </a:spcBef>
-              <a:spcAft>
-                <a:spcPts val="0"/>
-              </a:spcAft>
-              <a:buNone/>
-            </a:pPr>
-            <a:r>
-              <a:rPr lang="en" sz="1600">
-                <a:solidFill>
-                  <a:srgbClr val="DCDCAA"/>
-                </a:solidFill>
-                <a:latin typeface="Courier New"/>
-                <a:ea typeface="Courier New"/>
-                <a:cs typeface="Courier New"/>
-                <a:sym typeface="Courier New"/>
-              </a:rPr>
-              <a:t>result = place_block_down</a:t>
-            </a:r>
-            <a:r>
-              <a:rPr lang="en" sz="1600">
-                <a:solidFill>
-                  <a:srgbClr val="D4D4D4"/>
-                </a:solidFill>
-                <a:latin typeface="Courier New"/>
-                <a:ea typeface="Courier New"/>
-                <a:cs typeface="Courier New"/>
-                <a:sym typeface="Courier New"/>
-              </a:rPr>
-              <a:t>(</a:t>
-            </a:r>
-            <a:r>
-              <a:rPr lang="en" sz="1600">
-                <a:solidFill>
-                  <a:srgbClr val="CE9178"/>
-                </a:solidFill>
-                <a:latin typeface="Courier New"/>
-                <a:ea typeface="Courier New"/>
-                <a:cs typeface="Courier New"/>
-                <a:sym typeface="Courier New"/>
-              </a:rPr>
-              <a:t>"minecraft:planks"</a:t>
-            </a:r>
-            <a:r>
-              <a:rPr lang="en" sz="1600">
-                <a:solidFill>
-                  <a:srgbClr val="D4D4D4"/>
-                </a:solidFill>
-                <a:latin typeface="Courier New"/>
-                <a:ea typeface="Courier New"/>
-                <a:cs typeface="Courier New"/>
-                <a:sym typeface="Courier New"/>
-              </a:rPr>
-              <a:t>)</a:t>
-            </a:r>
-          </a:p>
-          <a:p>
-            <a:pPr lvl="0" rtl="0">
-              <a:lnSpc>
-                <a:spcPct val="135714"/>
-              </a:lnSpc>
-              <a:spcBef>
-                <a:spcPts val="0"/>
-              </a:spcBef>
-              <a:spcAft>
-                <a:spcPts val="0"/>
-              </a:spcAft>
-              <a:buNone/>
-            </a:pPr>
-            <a:r>
-              <a:rPr lang="en" sz="1600">
-                <a:solidFill>
-                  <a:srgbClr val="DCDCAA"/>
-                </a:solidFill>
-                <a:latin typeface="Courier New"/>
-                <a:ea typeface="Courier New"/>
-                <a:cs typeface="Courier New"/>
-                <a:sym typeface="Courier New"/>
-              </a:rPr>
-              <a:t>place_block_down</a:t>
-            </a:r>
-            <a:r>
-              <a:rPr lang="en" sz="1600">
-                <a:solidFill>
-                  <a:srgbClr val="D4D4D4"/>
-                </a:solidFill>
-                <a:latin typeface="Courier New"/>
-                <a:ea typeface="Courier New"/>
-                <a:cs typeface="Courier New"/>
-                <a:sym typeface="Courier New"/>
-              </a:rPr>
-              <a:t>(</a:t>
-            </a:r>
-            <a:r>
-              <a:rPr lang="en" sz="1600">
-                <a:solidFill>
-                  <a:srgbClr val="CE9178"/>
-                </a:solidFill>
-                <a:latin typeface="Courier New"/>
-                <a:ea typeface="Courier New"/>
-                <a:cs typeface="Courier New"/>
-                <a:sym typeface="Courier New"/>
-              </a:rPr>
-              <a:t>"minecraft:glass"</a:t>
-            </a:r>
-            <a:r>
-              <a:rPr lang="en" sz="1600">
-                <a:solidFill>
-                  <a:srgbClr val="D4D4D4"/>
-                </a:solidFill>
-                <a:latin typeface="Courier New"/>
-                <a:ea typeface="Courier New"/>
-                <a:cs typeface="Courier New"/>
-                <a:sym typeface="Courier New"/>
-              </a:rPr>
-              <a:t>)</a:t>
-            </a:r>
-          </a:p>
-          <a:p>
-            <a:pPr lvl="0" rtl="0">
-              <a:lnSpc>
-                <a:spcPct val="135714"/>
-              </a:lnSpc>
-              <a:spcBef>
-                <a:spcPts val="0"/>
-              </a:spcBef>
-              <a:spcAft>
-                <a:spcPts val="0"/>
-              </a:spcAft>
-              <a:buNone/>
-            </a:pPr>
-            <a:r>
-              <a:t/>
-            </a:r>
-            <a:endParaRPr sz="1600">
-              <a:solidFill>
-                <a:srgbClr val="C586C0"/>
-              </a:solidFill>
-              <a:latin typeface="Courier New"/>
-              <a:ea typeface="Courier New"/>
-              <a:cs typeface="Courier New"/>
-              <a:sym typeface="Courier New"/>
-            </a:endParaRPr>
-          </a:p>
-          <a:p>
-            <a:pPr lvl="0">
-              <a:spcBef>
-                <a:spcPts val="0"/>
-              </a:spcBef>
-              <a:buNone/>
-            </a:pPr>
-            <a:r>
-              <a:t/>
-            </a:r>
-            <a:endParaRPr b="1"/>
-          </a:p>
-          <a:p>
-            <a:pPr lvl="0">
-              <a:spcBef>
-                <a:spcPts val="0"/>
-              </a:spcBef>
-              <a:buNone/>
-            </a:pPr>
-            <a:r>
-              <a:t/>
-            </a:r>
-            <a:endParaRPr b="1"/>
-          </a:p>
-        </p:txBody>
-      </p:sp>
+      </p:pic>
     </p:spTree>
   </p:cSld>
   <p:clrMapOvr>
@@ -9859,39 +9607,435 @@
             </a:pPr>
             <a:r>
               <a:rPr lang="en"/>
-              <a:t> </a:t>
+              <a:t>Turtle API Movement Commands </a:t>
             </a:r>
           </a:p>
         </p:txBody>
       </p:sp>
-      <p:pic>
-        <p:nvPicPr>
+      <p:sp>
+        <p:nvSpPr>
           <p:cNvPr id="144" name="Shape 144"/>
-          <p:cNvPicPr preferRelativeResize="0"/>
-          <p:nvPr/>
-        </p:nvPicPr>
-        <p:blipFill>
-          <a:blip r:embed="rId3">
-            <a:alphaModFix/>
-          </a:blip>
-          <a:stretch>
-            <a:fillRect/>
-          </a:stretch>
-        </p:blipFill>
+          <p:cNvSpPr txBox="1"/>
+          <p:nvPr>
+            <p:ph idx="1" type="body"/>
+          </p:nvPr>
+        </p:nvSpPr>
         <p:spPr>
           <a:xfrm>
-            <a:off x="1291850" y="445025"/>
-            <a:ext cx="5901874" cy="4319550"/>
+            <a:off x="311700" y="1164800"/>
+            <a:ext cx="8520600" cy="3416400"/>
           </a:xfrm>
           <a:prstGeom prst="rect">
             <a:avLst/>
           </a:prstGeom>
-          <a:noFill/>
-          <a:ln>
-            <a:noFill/>
-          </a:ln>
         </p:spPr>
-      </p:pic>
+        <p:txBody>
+          <a:bodyPr anchorCtr="0" anchor="t" bIns="91425" lIns="91425" rIns="91425" tIns="91425">
+            <a:noAutofit/>
+          </a:bodyPr>
+          <a:lstStyle/>
+          <a:p>
+            <a:pPr lvl="0">
+              <a:spcBef>
+                <a:spcPts val="0"/>
+              </a:spcBef>
+              <a:buNone/>
+            </a:pPr>
+            <a:r>
+              <a:rPr lang="en" sz="1600"/>
+              <a:t>Commands the turtle will execute.</a:t>
+            </a:r>
+          </a:p>
+          <a:p>
+            <a:pPr lvl="0" rtl="0">
+              <a:lnSpc>
+                <a:spcPct val="135714"/>
+              </a:lnSpc>
+              <a:spcBef>
+                <a:spcPts val="0"/>
+              </a:spcBef>
+              <a:spcAft>
+                <a:spcPts val="0"/>
+              </a:spcAft>
+              <a:buNone/>
+            </a:pPr>
+            <a:r>
+              <a:t/>
+            </a:r>
+            <a:endParaRPr sz="1600">
+              <a:solidFill>
+                <a:srgbClr val="D4D4D4"/>
+              </a:solidFill>
+              <a:latin typeface="Courier New"/>
+              <a:ea typeface="Courier New"/>
+              <a:cs typeface="Courier New"/>
+              <a:sym typeface="Courier New"/>
+            </a:endParaRPr>
+          </a:p>
+          <a:p>
+            <a:pPr lvl="0" rtl="0">
+              <a:lnSpc>
+                <a:spcPct val="135714"/>
+              </a:lnSpc>
+              <a:spcBef>
+                <a:spcPts val="0"/>
+              </a:spcBef>
+              <a:spcAft>
+                <a:spcPts val="0"/>
+              </a:spcAft>
+              <a:buNone/>
+            </a:pPr>
+            <a:r>
+              <a:rPr lang="en" sz="1600">
+                <a:solidFill>
+                  <a:srgbClr val="D4D4D4"/>
+                </a:solidFill>
+                <a:latin typeface="Courier New"/>
+                <a:ea typeface="Courier New"/>
+                <a:cs typeface="Courier New"/>
+                <a:sym typeface="Courier New"/>
+              </a:rPr>
+              <a:t>turtle.</a:t>
+            </a:r>
+            <a:r>
+              <a:rPr lang="en" sz="1600">
+                <a:solidFill>
+                  <a:srgbClr val="DCDCAA"/>
+                </a:solidFill>
+                <a:latin typeface="Courier New"/>
+                <a:ea typeface="Courier New"/>
+                <a:cs typeface="Courier New"/>
+                <a:sym typeface="Courier New"/>
+              </a:rPr>
+              <a:t>forward</a:t>
+            </a:r>
+            <a:r>
+              <a:rPr lang="en" sz="1600">
+                <a:solidFill>
+                  <a:srgbClr val="D4D4D4"/>
+                </a:solidFill>
+                <a:latin typeface="Courier New"/>
+                <a:ea typeface="Courier New"/>
+                <a:cs typeface="Courier New"/>
+                <a:sym typeface="Courier New"/>
+              </a:rPr>
+              <a:t>() </a:t>
+            </a:r>
+            <a:r>
+              <a:rPr lang="en" sz="1600">
+                <a:solidFill>
+                  <a:srgbClr val="608B4E"/>
+                </a:solidFill>
+                <a:latin typeface="Courier New"/>
+                <a:ea typeface="Courier New"/>
+                <a:cs typeface="Courier New"/>
+                <a:sym typeface="Courier New"/>
+              </a:rPr>
+              <a:t>-- tells the turtle to move  forward.</a:t>
+            </a:r>
+          </a:p>
+          <a:p>
+            <a:pPr lvl="0" rtl="0">
+              <a:lnSpc>
+                <a:spcPct val="135714"/>
+              </a:lnSpc>
+              <a:spcBef>
+                <a:spcPts val="0"/>
+              </a:spcBef>
+              <a:spcAft>
+                <a:spcPts val="0"/>
+              </a:spcAft>
+              <a:buNone/>
+            </a:pPr>
+            <a:r>
+              <a:rPr lang="en" sz="1600">
+                <a:solidFill>
+                  <a:srgbClr val="D4D4D4"/>
+                </a:solidFill>
+                <a:latin typeface="Courier New"/>
+                <a:ea typeface="Courier New"/>
+                <a:cs typeface="Courier New"/>
+                <a:sym typeface="Courier New"/>
+              </a:rPr>
+              <a:t>turtle.</a:t>
+            </a:r>
+            <a:r>
+              <a:rPr lang="en" sz="1600">
+                <a:solidFill>
+                  <a:srgbClr val="DCDCAA"/>
+                </a:solidFill>
+                <a:latin typeface="Courier New"/>
+                <a:ea typeface="Courier New"/>
+                <a:cs typeface="Courier New"/>
+                <a:sym typeface="Courier New"/>
+              </a:rPr>
+              <a:t>up</a:t>
+            </a:r>
+            <a:r>
+              <a:rPr lang="en" sz="1600">
+                <a:solidFill>
+                  <a:srgbClr val="D4D4D4"/>
+                </a:solidFill>
+                <a:latin typeface="Courier New"/>
+                <a:ea typeface="Courier New"/>
+                <a:cs typeface="Courier New"/>
+                <a:sym typeface="Courier New"/>
+              </a:rPr>
+              <a:t>() </a:t>
+            </a:r>
+            <a:r>
+              <a:rPr lang="en" sz="1600">
+                <a:solidFill>
+                  <a:srgbClr val="608B4E"/>
+                </a:solidFill>
+                <a:latin typeface="Courier New"/>
+                <a:ea typeface="Courier New"/>
+                <a:cs typeface="Courier New"/>
+                <a:sym typeface="Courier New"/>
+              </a:rPr>
+              <a:t>-- tells the turtle to move up</a:t>
+            </a:r>
+          </a:p>
+          <a:p>
+            <a:pPr lvl="0" rtl="0">
+              <a:lnSpc>
+                <a:spcPct val="135714"/>
+              </a:lnSpc>
+              <a:spcBef>
+                <a:spcPts val="0"/>
+              </a:spcBef>
+              <a:spcAft>
+                <a:spcPts val="0"/>
+              </a:spcAft>
+              <a:buNone/>
+            </a:pPr>
+            <a:r>
+              <a:rPr lang="en" sz="1600">
+                <a:solidFill>
+                  <a:srgbClr val="D4D4D4"/>
+                </a:solidFill>
+                <a:latin typeface="Courier New"/>
+                <a:ea typeface="Courier New"/>
+                <a:cs typeface="Courier New"/>
+                <a:sym typeface="Courier New"/>
+              </a:rPr>
+              <a:t>turtle.</a:t>
+            </a:r>
+            <a:r>
+              <a:rPr lang="en" sz="1600">
+                <a:solidFill>
+                  <a:srgbClr val="DCDCAA"/>
+                </a:solidFill>
+                <a:latin typeface="Courier New"/>
+                <a:ea typeface="Courier New"/>
+                <a:cs typeface="Courier New"/>
+                <a:sym typeface="Courier New"/>
+              </a:rPr>
+              <a:t>down</a:t>
+            </a:r>
+            <a:r>
+              <a:rPr lang="en" sz="1600">
+                <a:solidFill>
+                  <a:srgbClr val="D4D4D4"/>
+                </a:solidFill>
+                <a:latin typeface="Courier New"/>
+                <a:ea typeface="Courier New"/>
+                <a:cs typeface="Courier New"/>
+                <a:sym typeface="Courier New"/>
+              </a:rPr>
+              <a:t>() </a:t>
+            </a:r>
+            <a:r>
+              <a:rPr lang="en" sz="1600">
+                <a:solidFill>
+                  <a:srgbClr val="608B4E"/>
+                </a:solidFill>
+                <a:latin typeface="Courier New"/>
+                <a:ea typeface="Courier New"/>
+                <a:cs typeface="Courier New"/>
+                <a:sym typeface="Courier New"/>
+              </a:rPr>
+              <a:t>-- tells the turtle to move down</a:t>
+            </a:r>
+          </a:p>
+          <a:p>
+            <a:pPr lvl="0" rtl="0">
+              <a:lnSpc>
+                <a:spcPct val="135714"/>
+              </a:lnSpc>
+              <a:spcBef>
+                <a:spcPts val="0"/>
+              </a:spcBef>
+              <a:spcAft>
+                <a:spcPts val="0"/>
+              </a:spcAft>
+              <a:buNone/>
+            </a:pPr>
+            <a:r>
+              <a:rPr lang="en" sz="1600">
+                <a:solidFill>
+                  <a:srgbClr val="D4D4D4"/>
+                </a:solidFill>
+                <a:latin typeface="Courier New"/>
+                <a:ea typeface="Courier New"/>
+                <a:cs typeface="Courier New"/>
+                <a:sym typeface="Courier New"/>
+              </a:rPr>
+              <a:t>turtle.</a:t>
+            </a:r>
+            <a:r>
+              <a:rPr lang="en" sz="1600">
+                <a:solidFill>
+                  <a:srgbClr val="DCDCAA"/>
+                </a:solidFill>
+                <a:latin typeface="Courier New"/>
+                <a:ea typeface="Courier New"/>
+                <a:cs typeface="Courier New"/>
+                <a:sym typeface="Courier New"/>
+              </a:rPr>
+              <a:t>turnLeft</a:t>
+            </a:r>
+            <a:r>
+              <a:rPr lang="en" sz="1600">
+                <a:solidFill>
+                  <a:srgbClr val="D4D4D4"/>
+                </a:solidFill>
+                <a:latin typeface="Courier New"/>
+                <a:ea typeface="Courier New"/>
+                <a:cs typeface="Courier New"/>
+                <a:sym typeface="Courier New"/>
+              </a:rPr>
+              <a:t>() </a:t>
+            </a:r>
+            <a:r>
+              <a:rPr lang="en" sz="1600">
+                <a:solidFill>
+                  <a:srgbClr val="608B4E"/>
+                </a:solidFill>
+                <a:latin typeface="Courier New"/>
+                <a:ea typeface="Courier New"/>
+                <a:cs typeface="Courier New"/>
+                <a:sym typeface="Courier New"/>
+              </a:rPr>
+              <a:t>-- tells the turtle to turn left</a:t>
+            </a:r>
+          </a:p>
+          <a:p>
+            <a:pPr lvl="0" rtl="0">
+              <a:lnSpc>
+                <a:spcPct val="135714"/>
+              </a:lnSpc>
+              <a:spcBef>
+                <a:spcPts val="0"/>
+              </a:spcBef>
+              <a:spcAft>
+                <a:spcPts val="0"/>
+              </a:spcAft>
+              <a:buNone/>
+            </a:pPr>
+            <a:r>
+              <a:rPr lang="en" sz="1600">
+                <a:solidFill>
+                  <a:srgbClr val="D4D4D4"/>
+                </a:solidFill>
+                <a:latin typeface="Courier New"/>
+                <a:ea typeface="Courier New"/>
+                <a:cs typeface="Courier New"/>
+                <a:sym typeface="Courier New"/>
+              </a:rPr>
+              <a:t>turtle.</a:t>
+            </a:r>
+            <a:r>
+              <a:rPr lang="en" sz="1600">
+                <a:solidFill>
+                  <a:srgbClr val="DCDCAA"/>
+                </a:solidFill>
+                <a:latin typeface="Courier New"/>
+                <a:ea typeface="Courier New"/>
+                <a:cs typeface="Courier New"/>
+                <a:sym typeface="Courier New"/>
+              </a:rPr>
+              <a:t>turnRight</a:t>
+            </a:r>
+            <a:r>
+              <a:rPr lang="en" sz="1600">
+                <a:solidFill>
+                  <a:srgbClr val="D4D4D4"/>
+                </a:solidFill>
+                <a:latin typeface="Courier New"/>
+                <a:ea typeface="Courier New"/>
+                <a:cs typeface="Courier New"/>
+                <a:sym typeface="Courier New"/>
+              </a:rPr>
+              <a:t>() </a:t>
+            </a:r>
+            <a:r>
+              <a:rPr lang="en" sz="1600">
+                <a:solidFill>
+                  <a:srgbClr val="608B4E"/>
+                </a:solidFill>
+                <a:latin typeface="Courier New"/>
+                <a:ea typeface="Courier New"/>
+                <a:cs typeface="Courier New"/>
+                <a:sym typeface="Courier New"/>
+              </a:rPr>
+              <a:t>-- tells the turtle to turn right</a:t>
+            </a:r>
+          </a:p>
+          <a:p>
+            <a:pPr lvl="0" rtl="0">
+              <a:lnSpc>
+                <a:spcPct val="135714"/>
+              </a:lnSpc>
+              <a:spcBef>
+                <a:spcPts val="0"/>
+              </a:spcBef>
+              <a:spcAft>
+                <a:spcPts val="0"/>
+              </a:spcAft>
+              <a:buNone/>
+            </a:pPr>
+            <a:r>
+              <a:t/>
+            </a:r>
+            <a:endParaRPr sz="1600">
+              <a:solidFill>
+                <a:srgbClr val="608B4E"/>
+              </a:solidFill>
+              <a:latin typeface="Courier New"/>
+              <a:ea typeface="Courier New"/>
+              <a:cs typeface="Courier New"/>
+              <a:sym typeface="Courier New"/>
+            </a:endParaRPr>
+          </a:p>
+          <a:p>
+            <a:pPr lvl="0" rtl="0">
+              <a:lnSpc>
+                <a:spcPct val="100000"/>
+              </a:lnSpc>
+              <a:spcBef>
+                <a:spcPts val="0"/>
+              </a:spcBef>
+              <a:spcAft>
+                <a:spcPts val="0"/>
+              </a:spcAft>
+              <a:buNone/>
+            </a:pPr>
+            <a:r>
+              <a:rPr lang="en" sz="3000">
+                <a:solidFill>
+                  <a:schemeClr val="dk1"/>
+                </a:solidFill>
+                <a:latin typeface="Oswald"/>
+                <a:ea typeface="Oswald"/>
+                <a:cs typeface="Oswald"/>
+                <a:sym typeface="Oswald"/>
+              </a:rPr>
+              <a:t>              (Just what we need, there are more)</a:t>
+            </a:r>
+          </a:p>
+        </p:txBody>
+      </p:sp>
     </p:spTree>
   </p:cSld>
   <p:clrMapOvr>
@@ -9948,7 +10092,7 @@
             </a:pPr>
             <a:r>
               <a:rPr lang="en"/>
-              <a:t>Turtle API Movement Commands </a:t>
+              <a:t>Turtle API Inventory Commands</a:t>
             </a:r>
           </a:p>
         </p:txBody>
@@ -9963,7 +10107,7 @@
         </p:nvSpPr>
         <p:spPr>
           <a:xfrm>
-            <a:off x="311700" y="1164800"/>
+            <a:off x="311700" y="1152475"/>
             <a:ext cx="8520600" cy="3416400"/>
           </a:xfrm>
           <a:prstGeom prst="rect">
@@ -9976,7 +10120,7 @@
           </a:bodyPr>
           <a:lstStyle/>
           <a:p>
-            <a:pPr lvl="0">
+            <a:pPr lvl="0" rtl="0">
               <a:spcBef>
                 <a:spcPts val="0"/>
               </a:spcBef>
@@ -10001,17 +10145,53 @@
               <a:buNone/>
             </a:pPr>
             <a:r>
-              <a:t/>
-            </a:r>
-            <a:endParaRPr sz="1600">
-              <a:solidFill>
-                <a:srgbClr val="D4D4D4"/>
-              </a:solidFill>
-              <a:latin typeface="Courier New"/>
-              <a:ea typeface="Courier New"/>
-              <a:cs typeface="Courier New"/>
-              <a:sym typeface="Courier New"/>
-            </a:endParaRPr>
+              <a:rPr lang="en" sz="1600">
+                <a:solidFill>
+                  <a:srgbClr val="D4D4D4"/>
+                </a:solidFill>
+                <a:latin typeface="Courier New"/>
+                <a:ea typeface="Courier New"/>
+                <a:cs typeface="Courier New"/>
+                <a:sym typeface="Courier New"/>
+              </a:rPr>
+              <a:t>turtle.</a:t>
+            </a:r>
+            <a:r>
+              <a:rPr lang="en" sz="1600">
+                <a:solidFill>
+                  <a:srgbClr val="DCDCAA"/>
+                </a:solidFill>
+                <a:latin typeface="Courier New"/>
+                <a:ea typeface="Courier New"/>
+                <a:cs typeface="Courier New"/>
+                <a:sym typeface="Courier New"/>
+              </a:rPr>
+              <a:t>getItemDetail</a:t>
+            </a:r>
+            <a:r>
+              <a:rPr lang="en" sz="1600">
+                <a:solidFill>
+                  <a:srgbClr val="D4D4D4"/>
+                </a:solidFill>
+                <a:latin typeface="Courier New"/>
+                <a:ea typeface="Courier New"/>
+                <a:cs typeface="Courier New"/>
+                <a:sym typeface="Courier New"/>
+              </a:rPr>
+              <a:t>() </a:t>
+            </a:r>
+            <a:r>
+              <a:rPr lang="en" sz="1600">
+                <a:solidFill>
+                  <a:srgbClr val="608B4E"/>
+                </a:solidFill>
+                <a:latin typeface="Courier New"/>
+                <a:ea typeface="Courier New"/>
+                <a:cs typeface="Courier New"/>
+                <a:sym typeface="Courier New"/>
+              </a:rPr>
+              <a:t>-- gets an item's number detail</a:t>
+            </a:r>
           </a:p>
           <a:p>
             <a:pPr lvl="0" rtl="0">
@@ -10048,7 +10228,7 @@
                 <a:cs typeface="Courier New"/>
                 <a:sym typeface="Courier New"/>
               </a:rPr>
-              <a:t>forward</a:t>
+              <a:t>select</a:t>
             </a:r>
             <a:r>
               <a:rPr lang="en" sz="1600">
@@ -10072,7 +10252,7 @@
                 <a:cs typeface="Courier New"/>
                 <a:sym typeface="Courier New"/>
               </a:rPr>
-              <a:t>-- tells the turtle to move  forward.</a:t>
+              <a:t>-- selects slot number 1 - 16</a:t>
             </a:r>
           </a:p>
           <a:p>
@@ -10110,7 +10290,7 @@
                 <a:cs typeface="Courier New"/>
                 <a:sym typeface="Courier New"/>
               </a:rPr>
-              <a:t>up</a:t>
+              <a:t>refuel</a:t>
             </a:r>
             <a:r>
               <a:rPr lang="en" sz="1600">
@@ -10134,193 +10314,7 @@
                 <a:cs typeface="Courier New"/>
                 <a:sym typeface="Courier New"/>
               </a:rPr>
-              <a:t>-- tells the turtle to move up</a:t>
-            </a:r>
-          </a:p>
-          <a:p>
-            <a:pPr lvl="0" rtl="0">
-              <a:lnSpc>
-                <a:spcPct val="135714"/>
-              </a:lnSpc>
-              <a:spcBef>
-                <a:spcPts val="0"/>
-              </a:spcBef>
-              <a:spcAft>
-                <a:spcPts val="0"/>
-              </a:spcAft>
-              <a:buNone/>
-            </a:pPr>
-            <a:r>
-              <a:rPr lang="en" sz="1600">
-                <a:solidFill>
-                  <a:srgbClr val="D4D4D4"/>
-                </a:solidFill>
-                <a:latin typeface="Courier New"/>
-                <a:ea typeface="Courier New"/>
-                <a:cs typeface="Courier New"/>
-                <a:sym typeface="Courier New"/>
-              </a:rPr>
-              <a:t>turtle.</a:t>
-            </a:r>
-            <a:r>
-              <a:rPr lang="en" sz="1600">
-                <a:solidFill>
-                  <a:srgbClr val="DCDCAA"/>
-                </a:solidFill>
-                <a:latin typeface="Courier New"/>
-                <a:ea typeface="Courier New"/>
-                <a:cs typeface="Courier New"/>
-                <a:sym typeface="Courier New"/>
-              </a:rPr>
-              <a:t>down</a:t>
-            </a:r>
-            <a:r>
-              <a:rPr lang="en" sz="1600">
-                <a:solidFill>
-                  <a:srgbClr val="D4D4D4"/>
-                </a:solidFill>
-                <a:latin typeface="Courier New"/>
-                <a:ea typeface="Courier New"/>
-                <a:cs typeface="Courier New"/>
-                <a:sym typeface="Courier New"/>
-              </a:rPr>
-              <a:t>() </a:t>
-            </a:r>
-            <a:r>
-              <a:rPr lang="en" sz="1600">
-                <a:solidFill>
-                  <a:srgbClr val="608B4E"/>
-                </a:solidFill>
-                <a:latin typeface="Courier New"/>
-                <a:ea typeface="Courier New"/>
-                <a:cs typeface="Courier New"/>
-                <a:sym typeface="Courier New"/>
-              </a:rPr>
-              <a:t>-- tells the turtle to move down</a:t>
-            </a:r>
-          </a:p>
-          <a:p>
-            <a:pPr lvl="0" rtl="0">
-              <a:lnSpc>
-                <a:spcPct val="135714"/>
-              </a:lnSpc>
-              <a:spcBef>
-                <a:spcPts val="0"/>
-              </a:spcBef>
-              <a:spcAft>
-                <a:spcPts val="0"/>
-              </a:spcAft>
-              <a:buNone/>
-            </a:pPr>
-            <a:r>
-              <a:rPr lang="en" sz="1600">
-                <a:solidFill>
-                  <a:srgbClr val="D4D4D4"/>
-                </a:solidFill>
-                <a:latin typeface="Courier New"/>
-                <a:ea typeface="Courier New"/>
-                <a:cs typeface="Courier New"/>
-                <a:sym typeface="Courier New"/>
-              </a:rPr>
-              <a:t>turtle.</a:t>
-            </a:r>
-            <a:r>
-              <a:rPr lang="en" sz="1600">
-                <a:solidFill>
-                  <a:srgbClr val="DCDCAA"/>
-                </a:solidFill>
-                <a:latin typeface="Courier New"/>
-                <a:ea typeface="Courier New"/>
-                <a:cs typeface="Courier New"/>
-                <a:sym typeface="Courier New"/>
-              </a:rPr>
-              <a:t>turnLeft</a:t>
-            </a:r>
-            <a:r>
-              <a:rPr lang="en" sz="1600">
-                <a:solidFill>
-                  <a:srgbClr val="D4D4D4"/>
-                </a:solidFill>
-                <a:latin typeface="Courier New"/>
-                <a:ea typeface="Courier New"/>
-                <a:cs typeface="Courier New"/>
-                <a:sym typeface="Courier New"/>
-              </a:rPr>
-              <a:t>() </a:t>
-            </a:r>
-            <a:r>
-              <a:rPr lang="en" sz="1600">
-                <a:solidFill>
-                  <a:srgbClr val="608B4E"/>
-                </a:solidFill>
-                <a:latin typeface="Courier New"/>
-                <a:ea typeface="Courier New"/>
-                <a:cs typeface="Courier New"/>
-                <a:sym typeface="Courier New"/>
-              </a:rPr>
-              <a:t>-- tells the turtle to turn left</a:t>
-            </a:r>
-          </a:p>
-          <a:p>
-            <a:pPr lvl="0" rtl="0">
-              <a:lnSpc>
-                <a:spcPct val="135714"/>
-              </a:lnSpc>
-              <a:spcBef>
-                <a:spcPts val="0"/>
-              </a:spcBef>
-              <a:spcAft>
-                <a:spcPts val="0"/>
-              </a:spcAft>
-              <a:buNone/>
-            </a:pPr>
-            <a:r>
-              <a:rPr lang="en" sz="1600">
-                <a:solidFill>
-                  <a:srgbClr val="D4D4D4"/>
-                </a:solidFill>
-                <a:latin typeface="Courier New"/>
-                <a:ea typeface="Courier New"/>
-                <a:cs typeface="Courier New"/>
-                <a:sym typeface="Courier New"/>
-              </a:rPr>
-              <a:t>turtle.</a:t>
-            </a:r>
-            <a:r>
-              <a:rPr lang="en" sz="1600">
-                <a:solidFill>
-                  <a:srgbClr val="DCDCAA"/>
-                </a:solidFill>
-                <a:latin typeface="Courier New"/>
-                <a:ea typeface="Courier New"/>
-                <a:cs typeface="Courier New"/>
-                <a:sym typeface="Courier New"/>
-              </a:rPr>
-              <a:t>turnRight</a:t>
-            </a:r>
-            <a:r>
-              <a:rPr lang="en" sz="1600">
-                <a:solidFill>
-                  <a:srgbClr val="D4D4D4"/>
-                </a:solidFill>
-                <a:latin typeface="Courier New"/>
-                <a:ea typeface="Courier New"/>
-                <a:cs typeface="Courier New"/>
-                <a:sym typeface="Courier New"/>
-              </a:rPr>
-              <a:t>() </a:t>
-            </a:r>
-            <a:r>
-              <a:rPr lang="en" sz="1600">
-                <a:solidFill>
-                  <a:srgbClr val="608B4E"/>
-                </a:solidFill>
-                <a:latin typeface="Courier New"/>
-                <a:ea typeface="Courier New"/>
-                <a:cs typeface="Courier New"/>
-                <a:sym typeface="Courier New"/>
-              </a:rPr>
-              <a:t>-- tells the turtle to turn right</a:t>
+              <a:t>-- refuels the turtle (uses lava buckets and coal)</a:t>
             </a:r>
           </a:p>
           <a:p>
@@ -10372,7 +10366,7 @@
                 <a:cs typeface="Oswald"/>
                 <a:sym typeface="Oswald"/>
               </a:rPr>
-              <a:t>              (Just what we need, there are more)</a:t>
+              <a:t>                (Just what we need, there are more)</a:t>
             </a:r>
           </a:p>
         </p:txBody>
@@ -10433,7 +10427,7 @@
             </a:pPr>
             <a:r>
               <a:rPr lang="en"/>
-              <a:t>Turtle API Inventory Commands</a:t>
+              <a:t>Turtle API Action Commands</a:t>
             </a:r>
           </a:p>
         </p:txBody>
@@ -10507,7 +10501,7 @@
                 <a:cs typeface="Courier New"/>
                 <a:sym typeface="Courier New"/>
               </a:rPr>
-              <a:t>getItemDetail</a:t>
+              <a:t>placeDown</a:t>
             </a:r>
             <a:r>
               <a:rPr lang="en" sz="1600">
@@ -10531,7 +10525,7 @@
                 <a:cs typeface="Courier New"/>
                 <a:sym typeface="Courier New"/>
               </a:rPr>
-              <a:t>-- gets an item's number detail</a:t>
+              <a:t>-- places block below turtle</a:t>
             </a:r>
           </a:p>
           <a:p>
@@ -10569,7 +10563,7 @@
                 <a:cs typeface="Courier New"/>
                 <a:sym typeface="Courier New"/>
               </a:rPr>
-              <a:t>select</a:t>
+              <a:t>place</a:t>
             </a:r>
             <a:r>
               <a:rPr lang="en" sz="1600">
@@ -10593,7 +10587,7 @@
                 <a:cs typeface="Courier New"/>
                 <a:sym typeface="Courier New"/>
               </a:rPr>
-              <a:t>-- selects slot number 1 - 16</a:t>
+              <a:t>-- places block in front of turtle</a:t>
             </a:r>
           </a:p>
           <a:p>
@@ -10631,7 +10625,7 @@
                 <a:cs typeface="Courier New"/>
                 <a:sym typeface="Courier New"/>
               </a:rPr>
-              <a:t>refuel</a:t>
+              <a:t>dig</a:t>
             </a:r>
             <a:r>
               <a:rPr lang="en" sz="1600">
@@ -10655,7 +10649,7 @@
                 <a:cs typeface="Courier New"/>
                 <a:sym typeface="Courier New"/>
               </a:rPr>
-              <a:t>-- refuels the turtle (uses lava buckets and coal)</a:t>
+              <a:t>-- digs the block and puts it in the inventory</a:t>
             </a:r>
           </a:p>
           <a:p>
@@ -10687,6 +10681,35 @@
           <a:p>
             <a:pPr lvl="0" rtl="0">
               <a:lnSpc>
+                <a:spcPct val="135714"/>
+              </a:lnSpc>
+              <a:spcBef>
+                <a:spcPts val="0"/>
+              </a:spcBef>
+              <a:spcAft>
+                <a:spcPts val="0"/>
+              </a:spcAft>
+              <a:buNone/>
+            </a:pPr>
+            <a:r>
+              <a:t/>
+            </a:r>
+            <a:endParaRPr sz="1050">
+              <a:solidFill>
+                <a:srgbClr val="608B4E"/>
+              </a:solidFill>
+              <a:highlight>
+                <a:srgbClr val="1E1E1E"/>
+              </a:highlight>
+              <a:latin typeface="Courier New"/>
+              <a:ea typeface="Courier New"/>
+              <a:cs typeface="Courier New"/>
+              <a:sym typeface="Courier New"/>
+            </a:endParaRPr>
+          </a:p>
+          <a:p>
+            <a:pPr lvl="0" rtl="0">
+              <a:lnSpc>
                 <a:spcPct val="100000"/>
               </a:lnSpc>
               <a:spcBef>
@@ -10697,6 +10720,10 @@
               </a:spcAft>
               <a:buNone/>
             </a:pPr>
+            <a:r>
+              <a:rPr lang="en"/>
+              <a:t>                         </a:t>
+            </a:r>
             <a:r>
               <a:rPr lang="en" sz="3000">
                 <a:solidFill>
@@ -10707,7 +10734,7 @@
                 <a:cs typeface="Oswald"/>
                 <a:sym typeface="Oswald"/>
               </a:rPr>
-              <a:t>                (Just what we need, there are more)</a:t>
+              <a:t>(Just what we need, there are more)</a:t>
             </a:r>
           </a:p>
         </p:txBody>
@@ -10768,7 +10795,7 @@
             </a:pPr>
             <a:r>
               <a:rPr lang="en"/>
-              <a:t>Turtle API Action Commands</a:t>
+              <a:t>Turtle API Passing In Arguments to Your Program</a:t>
             </a:r>
           </a:p>
         </p:txBody>
@@ -10797,14 +10824,100 @@
           <a:lstStyle/>
           <a:p>
             <a:pPr lvl="0" rtl="0">
-              <a:spcBef>
-                <a:spcPts val="0"/>
-              </a:spcBef>
-              <a:buNone/>
-            </a:pPr>
-            <a:r>
-              <a:rPr lang="en" sz="1600"/>
-              <a:t>Commands the turtle will execute.</a:t>
+              <a:lnSpc>
+                <a:spcPct val="135714"/>
+              </a:lnSpc>
+              <a:spcBef>
+                <a:spcPts val="0"/>
+              </a:spcBef>
+              <a:spcAft>
+                <a:spcPts val="0"/>
+              </a:spcAft>
+              <a:buNone/>
+            </a:pPr>
+            <a:r>
+              <a:rPr lang="en" sz="1600">
+                <a:solidFill>
+                  <a:srgbClr val="C586C0"/>
+                </a:solidFill>
+                <a:latin typeface="Courier New"/>
+                <a:ea typeface="Courier New"/>
+                <a:cs typeface="Courier New"/>
+                <a:sym typeface="Courier New"/>
+              </a:rPr>
+              <a:t>function</a:t>
+            </a:r>
+            <a:r>
+              <a:rPr lang="en" sz="1600">
+                <a:solidFill>
+                  <a:srgbClr val="DCDCAA"/>
+                </a:solidFill>
+                <a:latin typeface="Courier New"/>
+                <a:ea typeface="Courier New"/>
+                <a:cs typeface="Courier New"/>
+                <a:sym typeface="Courier New"/>
+              </a:rPr>
+              <a:t> main</a:t>
+            </a:r>
+            <a:r>
+              <a:rPr lang="en" sz="1600">
+                <a:solidFill>
+                  <a:srgbClr val="D4D4D4"/>
+                </a:solidFill>
+                <a:latin typeface="Courier New"/>
+                <a:ea typeface="Courier New"/>
+                <a:cs typeface="Courier New"/>
+                <a:sym typeface="Courier New"/>
+              </a:rPr>
+              <a:t>(</a:t>
+            </a:r>
+            <a:r>
+              <a:rPr lang="en" sz="1600">
+                <a:solidFill>
+                  <a:srgbClr val="9CDCFE"/>
+                </a:solidFill>
+                <a:latin typeface="Courier New"/>
+                <a:ea typeface="Courier New"/>
+                <a:cs typeface="Courier New"/>
+                <a:sym typeface="Courier New"/>
+              </a:rPr>
+              <a:t>number_of_stories</a:t>
+            </a:r>
+            <a:r>
+              <a:rPr lang="en" sz="1600">
+                <a:solidFill>
+                  <a:srgbClr val="D4D4D4"/>
+                </a:solidFill>
+                <a:latin typeface="Courier New"/>
+                <a:ea typeface="Courier New"/>
+                <a:cs typeface="Courier New"/>
+                <a:sym typeface="Courier New"/>
+              </a:rPr>
+              <a:t>,</a:t>
+            </a:r>
+            <a:r>
+              <a:rPr lang="en" sz="1600">
+                <a:solidFill>
+                  <a:srgbClr val="9CDCFE"/>
+                </a:solidFill>
+                <a:latin typeface="Courier New"/>
+                <a:ea typeface="Courier New"/>
+                <a:cs typeface="Courier New"/>
+                <a:sym typeface="Courier New"/>
+              </a:rPr>
+              <a:t>wall_length</a:t>
+            </a:r>
+            <a:r>
+              <a:rPr lang="en" sz="1600">
+                <a:solidFill>
+                  <a:srgbClr val="D4D4D4"/>
+                </a:solidFill>
+                <a:latin typeface="Courier New"/>
+                <a:ea typeface="Courier New"/>
+                <a:cs typeface="Courier New"/>
+                <a:sym typeface="Courier New"/>
+              </a:rPr>
+              <a:t>)</a:t>
             </a:r>
           </a:p>
           <a:p>
@@ -10830,7 +10943,7 @@
                 <a:cs typeface="Courier New"/>
                 <a:sym typeface="Courier New"/>
               </a:rPr>
-              <a:t>turtle.</a:t>
+              <a:t>    </a:t>
             </a:r>
             <a:r>
               <a:rPr lang="en" sz="1600">
@@ -10842,7 +10955,7 @@
                 <a:cs typeface="Courier New"/>
                 <a:sym typeface="Courier New"/>
               </a:rPr>
-              <a:t>placeDown</a:t>
+              <a:t>validate_arguments</a:t>
             </a:r>
             <a:r>
               <a:rPr lang="en" sz="1600">
@@ -10854,19 +10967,7 @@
                 <a:cs typeface="Courier New"/>
                 <a:sym typeface="Courier New"/>
               </a:rPr>
-              <a:t>() </a:t>
-            </a:r>
-            <a:r>
-              <a:rPr lang="en" sz="1600">
-                <a:solidFill>
-                  <a:srgbClr val="608B4E"/>
-                </a:solidFill>
-                <a:latin typeface="Courier New"/>
-                <a:ea typeface="Courier New"/>
-                <a:cs typeface="Courier New"/>
-                <a:sym typeface="Courier New"/>
-              </a:rPr>
-              <a:t>-- places block below turtle</a:t>
+              <a:t>(number_of_stories,wall_length)</a:t>
             </a:r>
           </a:p>
           <a:p>
@@ -10892,7 +10993,7 @@
                 <a:cs typeface="Courier New"/>
                 <a:sym typeface="Courier New"/>
               </a:rPr>
-              <a:t>turtle.</a:t>
+              <a:t>    </a:t>
             </a:r>
             <a:r>
               <a:rPr lang="en" sz="1600">
@@ -10904,7 +11005,7 @@
                 <a:cs typeface="Courier New"/>
                 <a:sym typeface="Courier New"/>
               </a:rPr>
-              <a:t>place</a:t>
+              <a:t>build_stories</a:t>
             </a:r>
             <a:r>
               <a:rPr lang="en" sz="1600">
@@ -10916,19 +11017,7 @@
                 <a:cs typeface="Courier New"/>
                 <a:sym typeface="Courier New"/>
               </a:rPr>
-              <a:t>() </a:t>
-            </a:r>
-            <a:r>
-              <a:rPr lang="en" sz="1600">
-                <a:solidFill>
-                  <a:srgbClr val="608B4E"/>
-                </a:solidFill>
-                <a:latin typeface="Courier New"/>
-                <a:ea typeface="Courier New"/>
-                <a:cs typeface="Courier New"/>
-                <a:sym typeface="Courier New"/>
-              </a:rPr>
-              <a:t>-- places block in front of turtle</a:t>
+              <a:t>(number_of_stories, wall_length)</a:t>
             </a:r>
           </a:p>
           <a:p>
@@ -10954,7 +11043,7 @@
                 <a:cs typeface="Courier New"/>
                 <a:sym typeface="Courier New"/>
               </a:rPr>
-              <a:t>turtle.</a:t>
+              <a:t>    </a:t>
             </a:r>
             <a:r>
               <a:rPr lang="en" sz="1600">
@@ -10966,7 +11055,7 @@
                 <a:cs typeface="Courier New"/>
                 <a:sym typeface="Courier New"/>
               </a:rPr>
-              <a:t>dig</a:t>
+              <a:t>build_roof</a:t>
             </a:r>
             <a:r>
               <a:rPr lang="en" sz="1600">
@@ -10978,19 +11067,7 @@
                 <a:cs typeface="Courier New"/>
                 <a:sym typeface="Courier New"/>
               </a:rPr>
-              <a:t>() </a:t>
-            </a:r>
-            <a:r>
-              <a:rPr lang="en" sz="1600">
-                <a:solidFill>
-                  <a:srgbClr val="608B4E"/>
-                </a:solidFill>
-                <a:latin typeface="Courier New"/>
-                <a:ea typeface="Courier New"/>
-                <a:cs typeface="Courier New"/>
-                <a:sym typeface="Courier New"/>
-              </a:rPr>
-              <a:t>-- digs the block and puts it in the inventory</a:t>
+              <a:t>(wall_length)</a:t>
             </a:r>
           </a:p>
           <a:p>
@@ -11007,11 +11084,137 @@
               <a:buNone/>
             </a:pPr>
             <a:r>
+              <a:rPr lang="en" sz="1600">
+                <a:solidFill>
+                  <a:srgbClr val="D4D4D4"/>
+                </a:solidFill>
+                <a:latin typeface="Courier New"/>
+                <a:ea typeface="Courier New"/>
+                <a:cs typeface="Courier New"/>
+                <a:sym typeface="Courier New"/>
+              </a:rPr>
+              <a:t>    </a:t>
+            </a:r>
+            <a:r>
+              <a:rPr lang="en" sz="1600">
+                <a:solidFill>
+                  <a:srgbClr val="DCDCAA"/>
+                </a:solidFill>
+                <a:latin typeface="Courier New"/>
+                <a:ea typeface="Courier New"/>
+                <a:cs typeface="Courier New"/>
+                <a:sym typeface="Courier New"/>
+              </a:rPr>
+              <a:t>install_door</a:t>
+            </a:r>
+            <a:r>
+              <a:rPr lang="en" sz="1600">
+                <a:solidFill>
+                  <a:srgbClr val="D4D4D4"/>
+                </a:solidFill>
+                <a:latin typeface="Courier New"/>
+                <a:ea typeface="Courier New"/>
+                <a:cs typeface="Courier New"/>
+                <a:sym typeface="Courier New"/>
+              </a:rPr>
+              <a:t>(number_of_stories)</a:t>
+            </a:r>
+          </a:p>
+          <a:p>
+            <a:pPr lvl="0" rtl="0">
+              <a:lnSpc>
+                <a:spcPct val="135714"/>
+              </a:lnSpc>
+              <a:spcBef>
+                <a:spcPts val="0"/>
+              </a:spcBef>
+              <a:spcAft>
+                <a:spcPts val="0"/>
+              </a:spcAft>
+              <a:buNone/>
+            </a:pPr>
+            <a:r>
+              <a:rPr lang="en" sz="1600">
+                <a:solidFill>
+                  <a:srgbClr val="D4D4D4"/>
+                </a:solidFill>
+                <a:latin typeface="Courier New"/>
+                <a:ea typeface="Courier New"/>
+                <a:cs typeface="Courier New"/>
+                <a:sym typeface="Courier New"/>
+              </a:rPr>
+              <a:t>    </a:t>
+            </a:r>
+            <a:r>
+              <a:rPr lang="en" sz="1600">
+                <a:solidFill>
+                  <a:srgbClr val="DCDCAA"/>
+                </a:solidFill>
+                <a:latin typeface="Courier New"/>
+                <a:ea typeface="Courier New"/>
+                <a:cs typeface="Courier New"/>
+                <a:sym typeface="Courier New"/>
+              </a:rPr>
+              <a:t>install_window</a:t>
+            </a:r>
+            <a:r>
+              <a:rPr lang="en" sz="1600">
+                <a:solidFill>
+                  <a:srgbClr val="D4D4D4"/>
+                </a:solidFill>
+                <a:latin typeface="Courier New"/>
+                <a:ea typeface="Courier New"/>
+                <a:cs typeface="Courier New"/>
+                <a:sym typeface="Courier New"/>
+              </a:rPr>
+              <a:t>()</a:t>
+            </a:r>
+          </a:p>
+          <a:p>
+            <a:pPr lvl="0" rtl="0">
+              <a:lnSpc>
+                <a:spcPct val="135714"/>
+              </a:lnSpc>
+              <a:spcBef>
+                <a:spcPts val="0"/>
+              </a:spcBef>
+              <a:spcAft>
+                <a:spcPts val="0"/>
+              </a:spcAft>
+              <a:buNone/>
+            </a:pPr>
+            <a:r>
+              <a:rPr lang="en" sz="1600">
+                <a:solidFill>
+                  <a:srgbClr val="C586C0"/>
+                </a:solidFill>
+                <a:latin typeface="Courier New"/>
+                <a:ea typeface="Courier New"/>
+                <a:cs typeface="Courier New"/>
+                <a:sym typeface="Courier New"/>
+              </a:rPr>
+              <a:t>end</a:t>
+            </a:r>
+          </a:p>
+          <a:p>
+            <a:pPr lvl="0" rtl="0">
+              <a:lnSpc>
+                <a:spcPct val="135714"/>
+              </a:lnSpc>
+              <a:spcBef>
+                <a:spcPts val="0"/>
+              </a:spcBef>
+              <a:spcAft>
+                <a:spcPts val="0"/>
+              </a:spcAft>
+              <a:buNone/>
+            </a:pPr>
+            <a:r>
               <a:t/>
             </a:r>
             <a:endParaRPr sz="1600">
               <a:solidFill>
-                <a:srgbClr val="608B4E"/>
+                <a:srgbClr val="C586C0"/>
               </a:solidFill>
               <a:latin typeface="Courier New"/>
               <a:ea typeface="Courier New"/>
@@ -11033,25 +11236,25 @@
               <a:buNone/>
             </a:pPr>
             <a:r>
-              <a:t/>
-            </a:r>
-            <a:endParaRPr sz="1050">
-              <a:solidFill>
-                <a:srgbClr val="608B4E"/>
-              </a:solidFill>
-              <a:highlight>
-                <a:srgbClr val="1E1E1E"/>
-              </a:highlight>
-              <a:latin typeface="Courier New"/>
-              <a:ea typeface="Courier New"/>
-              <a:cs typeface="Courier New"/>
-              <a:sym typeface="Courier New"/>
-            </a:endParaRPr>
+              <a:rPr lang="en" sz="1600">
+                <a:solidFill>
+                  <a:srgbClr val="000000"/>
+                </a:solidFill>
+                <a:highlight>
+                  <a:srgbClr val="FFFF00"/>
+                </a:highlight>
+                <a:latin typeface="Courier New"/>
+                <a:ea typeface="Courier New"/>
+                <a:cs typeface="Courier New"/>
+                <a:sym typeface="Courier New"/>
+              </a:rPr>
+              <a:t>local args = { ... }</a:t>
+            </a:r>
           </a:p>
           <a:p>
             <a:pPr lvl="0" rtl="0">
               <a:lnSpc>
-                <a:spcPct val="100000"/>
+                <a:spcPct val="135714"/>
               </a:lnSpc>
               <a:spcBef>
                 <a:spcPts val="0"/>
@@ -11062,21 +11265,44 @@
               <a:buNone/>
             </a:pPr>
             <a:r>
-              <a:rPr lang="en"/>
-              <a:t>                         </a:t>
-            </a:r>
-            <a:r>
-              <a:rPr lang="en" sz="3000">
-                <a:solidFill>
-                  <a:schemeClr val="dk1"/>
-                </a:solidFill>
-                <a:latin typeface="Oswald"/>
-                <a:ea typeface="Oswald"/>
-                <a:cs typeface="Oswald"/>
-                <a:sym typeface="Oswald"/>
-              </a:rPr>
-              <a:t>(Just what we need, there are more)</a:t>
-            </a:r>
+              <a:rPr lang="en" sz="1600">
+                <a:solidFill>
+                  <a:srgbClr val="000000"/>
+                </a:solidFill>
+                <a:highlight>
+                  <a:srgbClr val="FFFF00"/>
+                </a:highlight>
+                <a:latin typeface="Courier New"/>
+                <a:ea typeface="Courier New"/>
+                <a:cs typeface="Courier New"/>
+                <a:sym typeface="Courier New"/>
+              </a:rPr>
+              <a:t>main(args[1],args[2])</a:t>
+            </a:r>
+          </a:p>
+          <a:p>
+            <a:pPr lvl="0">
+              <a:spcBef>
+                <a:spcPts val="0"/>
+              </a:spcBef>
+              <a:buNone/>
+            </a:pPr>
+            <a:r>
+              <a:t/>
+            </a:r>
+            <a:endParaRPr/>
+          </a:p>
+          <a:p>
+            <a:pPr lvl="0">
+              <a:spcBef>
+                <a:spcPts val="0"/>
+              </a:spcBef>
+              <a:buNone/>
+            </a:pPr>
+            <a:r>
+              <a:t/>
+            </a:r>
+            <a:endParaRPr/>
           </a:p>
         </p:txBody>
       </p:sp>
@@ -11136,7 +11362,7 @@
             </a:pPr>
             <a:r>
               <a:rPr lang="en"/>
-              <a:t>Turtle API Passing In Arguments to Your Program</a:t>
+              <a:t>Minecraft, Minecraft Mods, Tools</a:t>
             </a:r>
           </a:p>
         </p:txBody>
@@ -11165,419 +11391,107 @@
           <a:lstStyle/>
           <a:p>
             <a:pPr lvl="0" rtl="0">
-              <a:lnSpc>
-                <a:spcPct val="135714"/>
-              </a:lnSpc>
-              <a:spcBef>
-                <a:spcPts val="0"/>
-              </a:spcBef>
-              <a:spcAft>
-                <a:spcPts val="0"/>
-              </a:spcAft>
-              <a:buNone/>
-            </a:pPr>
-            <a:r>
-              <a:rPr lang="en" sz="1600">
-                <a:solidFill>
-                  <a:srgbClr val="C586C0"/>
-                </a:solidFill>
-                <a:latin typeface="Courier New"/>
-                <a:ea typeface="Courier New"/>
-                <a:cs typeface="Courier New"/>
-                <a:sym typeface="Courier New"/>
-              </a:rPr>
-              <a:t>function</a:t>
-            </a:r>
-            <a:r>
-              <a:rPr lang="en" sz="1600">
-                <a:solidFill>
-                  <a:srgbClr val="DCDCAA"/>
-                </a:solidFill>
-                <a:latin typeface="Courier New"/>
-                <a:ea typeface="Courier New"/>
-                <a:cs typeface="Courier New"/>
-                <a:sym typeface="Courier New"/>
-              </a:rPr>
-              <a:t> main</a:t>
-            </a:r>
-            <a:r>
-              <a:rPr lang="en" sz="1600">
-                <a:solidFill>
-                  <a:srgbClr val="D4D4D4"/>
-                </a:solidFill>
-                <a:latin typeface="Courier New"/>
-                <a:ea typeface="Courier New"/>
-                <a:cs typeface="Courier New"/>
-                <a:sym typeface="Courier New"/>
-              </a:rPr>
-              <a:t>(</a:t>
-            </a:r>
-            <a:r>
-              <a:rPr lang="en" sz="1600">
-                <a:solidFill>
-                  <a:srgbClr val="9CDCFE"/>
-                </a:solidFill>
-                <a:latin typeface="Courier New"/>
-                <a:ea typeface="Courier New"/>
-                <a:cs typeface="Courier New"/>
-                <a:sym typeface="Courier New"/>
-              </a:rPr>
-              <a:t>number_of_stories</a:t>
-            </a:r>
-            <a:r>
-              <a:rPr lang="en" sz="1600">
-                <a:solidFill>
-                  <a:srgbClr val="D4D4D4"/>
-                </a:solidFill>
-                <a:latin typeface="Courier New"/>
-                <a:ea typeface="Courier New"/>
-                <a:cs typeface="Courier New"/>
-                <a:sym typeface="Courier New"/>
-              </a:rPr>
-              <a:t>,</a:t>
-            </a:r>
-            <a:r>
-              <a:rPr lang="en" sz="1600">
-                <a:solidFill>
-                  <a:srgbClr val="9CDCFE"/>
-                </a:solidFill>
-                <a:latin typeface="Courier New"/>
-                <a:ea typeface="Courier New"/>
-                <a:cs typeface="Courier New"/>
-                <a:sym typeface="Courier New"/>
-              </a:rPr>
-              <a:t>wall_length</a:t>
-            </a:r>
-            <a:r>
-              <a:rPr lang="en" sz="1600">
-                <a:solidFill>
-                  <a:srgbClr val="D4D4D4"/>
-                </a:solidFill>
-                <a:latin typeface="Courier New"/>
-                <a:ea typeface="Courier New"/>
-                <a:cs typeface="Courier New"/>
-                <a:sym typeface="Courier New"/>
-              </a:rPr>
-              <a:t>)</a:t>
-            </a:r>
-          </a:p>
-          <a:p>
-            <a:pPr lvl="0" rtl="0">
-              <a:lnSpc>
-                <a:spcPct val="135714"/>
-              </a:lnSpc>
-              <a:spcBef>
-                <a:spcPts val="0"/>
-              </a:spcBef>
-              <a:spcAft>
-                <a:spcPts val="0"/>
-              </a:spcAft>
-              <a:buNone/>
-            </a:pPr>
-            <a:r>
-              <a:rPr lang="en" sz="1600">
-                <a:solidFill>
-                  <a:srgbClr val="D4D4D4"/>
-                </a:solidFill>
-                <a:latin typeface="Courier New"/>
-                <a:ea typeface="Courier New"/>
-                <a:cs typeface="Courier New"/>
-                <a:sym typeface="Courier New"/>
-              </a:rPr>
-              <a:t>    </a:t>
-            </a:r>
-            <a:r>
-              <a:rPr lang="en" sz="1600">
-                <a:solidFill>
-                  <a:srgbClr val="DCDCAA"/>
-                </a:solidFill>
-                <a:latin typeface="Courier New"/>
-                <a:ea typeface="Courier New"/>
-                <a:cs typeface="Courier New"/>
-                <a:sym typeface="Courier New"/>
-              </a:rPr>
-              <a:t>validate_arguments</a:t>
-            </a:r>
-            <a:r>
-              <a:rPr lang="en" sz="1600">
-                <a:solidFill>
-                  <a:srgbClr val="D4D4D4"/>
-                </a:solidFill>
-                <a:latin typeface="Courier New"/>
-                <a:ea typeface="Courier New"/>
-                <a:cs typeface="Courier New"/>
-                <a:sym typeface="Courier New"/>
-              </a:rPr>
-              <a:t>(number_of_stories,wall_length)</a:t>
-            </a:r>
-          </a:p>
-          <a:p>
-            <a:pPr lvl="0" rtl="0">
-              <a:lnSpc>
-                <a:spcPct val="135714"/>
-              </a:lnSpc>
-              <a:spcBef>
-                <a:spcPts val="0"/>
-              </a:spcBef>
-              <a:spcAft>
-                <a:spcPts val="0"/>
-              </a:spcAft>
-              <a:buNone/>
-            </a:pPr>
-            <a:r>
-              <a:rPr lang="en" sz="1600">
-                <a:solidFill>
-                  <a:srgbClr val="D4D4D4"/>
-                </a:solidFill>
-                <a:latin typeface="Courier New"/>
-                <a:ea typeface="Courier New"/>
-                <a:cs typeface="Courier New"/>
-                <a:sym typeface="Courier New"/>
-              </a:rPr>
-              <a:t>    </a:t>
-            </a:r>
-            <a:r>
-              <a:rPr lang="en" sz="1600">
-                <a:solidFill>
-                  <a:srgbClr val="DCDCAA"/>
-                </a:solidFill>
-                <a:latin typeface="Courier New"/>
-                <a:ea typeface="Courier New"/>
-                <a:cs typeface="Courier New"/>
-                <a:sym typeface="Courier New"/>
-              </a:rPr>
-              <a:t>build_stories</a:t>
-            </a:r>
-            <a:r>
-              <a:rPr lang="en" sz="1600">
-                <a:solidFill>
-                  <a:srgbClr val="D4D4D4"/>
-                </a:solidFill>
-                <a:latin typeface="Courier New"/>
-                <a:ea typeface="Courier New"/>
-                <a:cs typeface="Courier New"/>
-                <a:sym typeface="Courier New"/>
-              </a:rPr>
-              <a:t>(number_of_stories, wall_length)</a:t>
-            </a:r>
-          </a:p>
-          <a:p>
-            <a:pPr lvl="0" rtl="0">
-              <a:lnSpc>
-                <a:spcPct val="135714"/>
-              </a:lnSpc>
-              <a:spcBef>
-                <a:spcPts val="0"/>
-              </a:spcBef>
-              <a:spcAft>
-                <a:spcPts val="0"/>
-              </a:spcAft>
-              <a:buNone/>
-            </a:pPr>
-            <a:r>
-              <a:rPr lang="en" sz="1600">
-                <a:solidFill>
-                  <a:srgbClr val="D4D4D4"/>
-                </a:solidFill>
-                <a:latin typeface="Courier New"/>
-                <a:ea typeface="Courier New"/>
-                <a:cs typeface="Courier New"/>
-                <a:sym typeface="Courier New"/>
-              </a:rPr>
-              <a:t>    </a:t>
-            </a:r>
-            <a:r>
-              <a:rPr lang="en" sz="1600">
-                <a:solidFill>
-                  <a:srgbClr val="DCDCAA"/>
-                </a:solidFill>
-                <a:latin typeface="Courier New"/>
-                <a:ea typeface="Courier New"/>
-                <a:cs typeface="Courier New"/>
-                <a:sym typeface="Courier New"/>
-              </a:rPr>
-              <a:t>build_roof</a:t>
-            </a:r>
-            <a:r>
-              <a:rPr lang="en" sz="1600">
-                <a:solidFill>
-                  <a:srgbClr val="D4D4D4"/>
-                </a:solidFill>
-                <a:latin typeface="Courier New"/>
-                <a:ea typeface="Courier New"/>
-                <a:cs typeface="Courier New"/>
-                <a:sym typeface="Courier New"/>
-              </a:rPr>
-              <a:t>(wall_length)</a:t>
-            </a:r>
-          </a:p>
-          <a:p>
-            <a:pPr lvl="0" rtl="0">
-              <a:lnSpc>
-                <a:spcPct val="135714"/>
-              </a:lnSpc>
-              <a:spcBef>
-                <a:spcPts val="0"/>
-              </a:spcBef>
-              <a:spcAft>
-                <a:spcPts val="0"/>
-              </a:spcAft>
-              <a:buNone/>
-            </a:pPr>
-            <a:r>
-              <a:rPr lang="en" sz="1600">
-                <a:solidFill>
-                  <a:srgbClr val="D4D4D4"/>
-                </a:solidFill>
-                <a:latin typeface="Courier New"/>
-                <a:ea typeface="Courier New"/>
-                <a:cs typeface="Courier New"/>
-                <a:sym typeface="Courier New"/>
-              </a:rPr>
-              <a:t>    </a:t>
-            </a:r>
-            <a:r>
-              <a:rPr lang="en" sz="1600">
-                <a:solidFill>
-                  <a:srgbClr val="DCDCAA"/>
-                </a:solidFill>
-                <a:latin typeface="Courier New"/>
-                <a:ea typeface="Courier New"/>
-                <a:cs typeface="Courier New"/>
-                <a:sym typeface="Courier New"/>
-              </a:rPr>
-              <a:t>install_door</a:t>
-            </a:r>
-            <a:r>
-              <a:rPr lang="en" sz="1600">
-                <a:solidFill>
-                  <a:srgbClr val="D4D4D4"/>
-                </a:solidFill>
-                <a:latin typeface="Courier New"/>
-                <a:ea typeface="Courier New"/>
-                <a:cs typeface="Courier New"/>
-                <a:sym typeface="Courier New"/>
-              </a:rPr>
-              <a:t>(number_of_stories)</a:t>
-            </a:r>
-          </a:p>
-          <a:p>
-            <a:pPr lvl="0" rtl="0">
-              <a:lnSpc>
-                <a:spcPct val="135714"/>
-              </a:lnSpc>
-              <a:spcBef>
-                <a:spcPts val="0"/>
-              </a:spcBef>
-              <a:spcAft>
-                <a:spcPts val="0"/>
-              </a:spcAft>
-              <a:buNone/>
-            </a:pPr>
-            <a:r>
-              <a:rPr lang="en" sz="1600">
-                <a:solidFill>
-                  <a:srgbClr val="D4D4D4"/>
-                </a:solidFill>
-                <a:latin typeface="Courier New"/>
-                <a:ea typeface="Courier New"/>
-                <a:cs typeface="Courier New"/>
-                <a:sym typeface="Courier New"/>
-              </a:rPr>
-              <a:t>    </a:t>
-            </a:r>
-            <a:r>
-              <a:rPr lang="en" sz="1600">
-                <a:solidFill>
-                  <a:srgbClr val="DCDCAA"/>
-                </a:solidFill>
-                <a:latin typeface="Courier New"/>
-                <a:ea typeface="Courier New"/>
-                <a:cs typeface="Courier New"/>
-                <a:sym typeface="Courier New"/>
-              </a:rPr>
-              <a:t>install_window</a:t>
-            </a:r>
-            <a:r>
-              <a:rPr lang="en" sz="1600">
-                <a:solidFill>
-                  <a:srgbClr val="D4D4D4"/>
-                </a:solidFill>
-                <a:latin typeface="Courier New"/>
-                <a:ea typeface="Courier New"/>
-                <a:cs typeface="Courier New"/>
-                <a:sym typeface="Courier New"/>
-              </a:rPr>
-              <a:t>()</a:t>
-            </a:r>
-          </a:p>
-          <a:p>
-            <a:pPr lvl="0" rtl="0">
-              <a:lnSpc>
-                <a:spcPct val="135714"/>
-              </a:lnSpc>
-              <a:spcBef>
-                <a:spcPts val="0"/>
-              </a:spcBef>
-              <a:spcAft>
-                <a:spcPts val="0"/>
-              </a:spcAft>
-              <a:buNone/>
-            </a:pPr>
-            <a:r>
-              <a:rPr lang="en" sz="1600">
-                <a:solidFill>
-                  <a:srgbClr val="C586C0"/>
-                </a:solidFill>
-                <a:latin typeface="Courier New"/>
-                <a:ea typeface="Courier New"/>
-                <a:cs typeface="Courier New"/>
-                <a:sym typeface="Courier New"/>
-              </a:rPr>
-              <a:t>end</a:t>
-            </a:r>
-          </a:p>
-          <a:p>
-            <a:pPr lvl="0" rtl="0">
-              <a:lnSpc>
-                <a:spcPct val="135714"/>
-              </a:lnSpc>
-              <a:spcBef>
-                <a:spcPts val="0"/>
-              </a:spcBef>
-              <a:spcAft>
-                <a:spcPts val="0"/>
-              </a:spcAft>
-              <a:buNone/>
-            </a:pPr>
-            <a:r>
-              <a:t/>
-            </a:r>
-            <a:endParaRPr sz="1600">
-              <a:solidFill>
-                <a:srgbClr val="C586C0"/>
-              </a:solidFill>
-              <a:latin typeface="Courier New"/>
-              <a:ea typeface="Courier New"/>
-              <a:cs typeface="Courier New"/>
-              <a:sym typeface="Courier New"/>
-            </a:endParaRPr>
-          </a:p>
-          <a:p>
-            <a:pPr lvl="0" rtl="0">
-              <a:lnSpc>
-                <a:spcPct val="135714"/>
-              </a:lnSpc>
-              <a:spcBef>
-                <a:spcPts val="0"/>
-              </a:spcBef>
-              <a:spcAft>
-                <a:spcPts val="0"/>
-              </a:spcAft>
-              <a:buNone/>
-            </a:pPr>
-            <a:r>
-              <a:rPr lang="en" sz="1600">
+              <a:spcBef>
+                <a:spcPts val="0"/>
+              </a:spcBef>
+              <a:buNone/>
+            </a:pPr>
+            <a:r>
+              <a:rPr lang="en" sz="1600"/>
+              <a:t>Minecraft must be installed</a:t>
+            </a:r>
+            <a:br>
+              <a:rPr lang="en" sz="1600"/>
+            </a:br>
+            <a:r>
+              <a:rPr lang="en" sz="1400">
+                <a:solidFill>
+                  <a:srgbClr val="608B4E"/>
+                </a:solidFill>
+                <a:latin typeface="Courier New"/>
+                <a:ea typeface="Courier New"/>
+                <a:cs typeface="Courier New"/>
+                <a:sym typeface="Courier New"/>
+              </a:rPr>
+              <a:t>-- You will need minecraft to create your own that cabin</a:t>
+            </a:r>
+            <a:br>
+              <a:rPr lang="en" sz="1400">
+                <a:solidFill>
+                  <a:srgbClr val="608B4E"/>
+                </a:solidFill>
+                <a:latin typeface="Courier New"/>
+                <a:ea typeface="Courier New"/>
+                <a:cs typeface="Courier New"/>
+                <a:sym typeface="Courier New"/>
+              </a:rPr>
+            </a:br>
+            <a:br>
+              <a:rPr lang="en" sz="1400">
+                <a:solidFill>
+                  <a:srgbClr val="608B4E"/>
+                </a:solidFill>
+                <a:latin typeface="Courier New"/>
+                <a:ea typeface="Courier New"/>
+                <a:cs typeface="Courier New"/>
+                <a:sym typeface="Courier New"/>
+              </a:rPr>
+            </a:br>
+            <a:r>
+              <a:rPr lang="en" sz="1600"/>
+              <a:t>Technicpack  : is a platform where you can create and share minecraft mods in minutes</a:t>
+            </a:r>
+            <a:br>
+              <a:rPr lang="en" sz="1600"/>
+            </a:br>
+            <a:r>
+              <a:rPr lang="en" sz="1600"/>
+              <a:t>Pastebin : </a:t>
+            </a:r>
+            <a:r>
+              <a:rPr lang="en" sz="1600"/>
+              <a:t>is required to edit your Lua programs and easier than typing into your turtle directly.</a:t>
+            </a:r>
+            <a:br>
+              <a:rPr lang="en" sz="1600"/>
+            </a:br>
+            <a:r>
+              <a:rPr lang="en" sz="1400">
+                <a:solidFill>
+                  <a:srgbClr val="608B4E"/>
+                </a:solidFill>
+                <a:latin typeface="Courier New"/>
+                <a:ea typeface="Courier New"/>
+                <a:cs typeface="Courier New"/>
+                <a:sym typeface="Courier New"/>
+              </a:rPr>
+              <a:t>-- Computercraft has built in integration with pastebin</a:t>
+            </a:r>
+            <a:br>
+              <a:rPr lang="en" sz="1400">
+                <a:solidFill>
+                  <a:srgbClr val="608B4E"/>
+                </a:solidFill>
+                <a:latin typeface="Courier New"/>
+                <a:ea typeface="Courier New"/>
+                <a:cs typeface="Courier New"/>
+                <a:sym typeface="Courier New"/>
+              </a:rPr>
+            </a:br>
+            <a:r>
+              <a:rPr lang="en" sz="1400">
+                <a:solidFill>
+                  <a:srgbClr val="608B4E"/>
+                </a:solidFill>
+                <a:latin typeface="Courier New"/>
+                <a:ea typeface="Courier New"/>
+                <a:cs typeface="Courier New"/>
+                <a:sym typeface="Courier New"/>
+              </a:rPr>
+              <a:t>-- </a:t>
+            </a:r>
+            <a:r>
+              <a:rPr lang="en" sz="1400">
                 <a:solidFill>
                   <a:srgbClr val="000000"/>
                 </a:solidFill>
@@ -11589,61 +11503,23 @@
                 <a:cs typeface="Courier New"/>
                 <a:sym typeface="Courier New"/>
               </a:rPr>
-              <a:t>local args = { ... }</a:t>
-            </a:r>
-          </a:p>
-          <a:p>
-            <a:pPr lvl="0" rtl="0">
-              <a:lnSpc>
-                <a:spcPct val="135714"/>
-              </a:lnSpc>
-              <a:spcBef>
-                <a:spcPts val="0"/>
-              </a:spcBef>
-              <a:spcAft>
-                <a:spcPts val="0"/>
-              </a:spcAft>
-              <a:buNone/>
-            </a:pPr>
-            <a:r>
-              <a:rPr lang="en" sz="1600">
-                <a:solidFill>
-                  <a:srgbClr val="000000"/>
-                </a:solidFill>
-                <a:highlight>
-                  <a:srgbClr val="FFFF00"/>
-                </a:highlight>
-                <a:latin typeface="Courier New"/>
-                <a:ea typeface="Courier New"/>
-                <a:cs typeface="Courier New"/>
-                <a:sym typeface="Courier New"/>
-              </a:rPr>
-              <a:t>main(args[1],args[2])</a:t>
-            </a:r>
-          </a:p>
-          <a:p>
-            <a:pPr lvl="0">
-              <a:spcBef>
-                <a:spcPts val="0"/>
-              </a:spcBef>
-              <a:buNone/>
-            </a:pPr>
-            <a:r>
-              <a:t/>
-            </a:r>
-            <a:endParaRPr/>
-          </a:p>
-          <a:p>
-            <a:pPr lvl="0">
-              <a:spcBef>
-                <a:spcPts val="0"/>
-              </a:spcBef>
-              <a:buNone/>
-            </a:pPr>
-            <a:r>
-              <a:t/>
-            </a:r>
-            <a:endParaRPr/>
+              <a:t>pastebin get dzwc8Vu0 buildCabin</a:t>
+            </a:r>
+          </a:p>
+          <a:p>
+            <a:pPr lvl="0">
+              <a:spcBef>
+                <a:spcPts val="0"/>
+              </a:spcBef>
+              <a:buNone/>
+            </a:pPr>
+            <a:r>
+              <a:rPr lang="en"/>
+              <a:t>Visual Studio Code : is an option to edit your Lua programs, still need Pastebin.</a:t>
+            </a:r>
+            <a:br>
+              <a:rPr lang="en"/>
+            </a:br>
           </a:p>
         </p:txBody>
       </p:sp>
@@ -11703,7 +11579,7 @@
             </a:pPr>
             <a:r>
               <a:rPr lang="en"/>
-              <a:t>Minecraft, Minecraft Mods, Tools</a:t>
+              <a:t>Technicpack and What is IT?</a:t>
             </a:r>
           </a:p>
         </p:txBody>
@@ -11731,156 +11607,78 @@
           </a:bodyPr>
           <a:lstStyle/>
           <a:p>
+            <a:pPr lvl="0">
+              <a:spcBef>
+                <a:spcPts val="0"/>
+              </a:spcBef>
+              <a:buNone/>
+            </a:pPr>
+            <a:r>
+              <a:rPr lang="en"/>
+              <a:t>Technicpack is a platform where you can put together a collection of hand-picked minecraft mods which allows the launcher to automatically mod your local minecraft in minutes.</a:t>
+            </a:r>
+          </a:p>
+          <a:p>
+            <a:pPr lvl="0">
+              <a:spcBef>
+                <a:spcPts val="0"/>
+              </a:spcBef>
+              <a:buNone/>
+            </a:pPr>
+            <a:r>
+              <a:rPr lang="en"/>
+              <a:t>That Minecraft 2017 :  My Computercraft Technicpack for That Conference</a:t>
+            </a:r>
+          </a:p>
+          <a:p>
+            <a:pPr indent="-228600" lvl="0" marL="457200" rtl="0">
+              <a:spcBef>
+                <a:spcPts val="0"/>
+              </a:spcBef>
+            </a:pPr>
+            <a:r>
+              <a:rPr lang="en" u="sng">
+                <a:solidFill>
+                  <a:schemeClr val="hlink"/>
+                </a:solidFill>
+                <a:hlinkClick r:id="rId3"/>
+              </a:rPr>
+              <a:t>https://www.technicpack.net/modpack/that-minecraft.1012241</a:t>
+            </a:r>
+          </a:p>
+          <a:p>
+            <a:pPr indent="-228600" lvl="0" marL="457200" rtl="0">
+              <a:spcBef>
+                <a:spcPts val="0"/>
+              </a:spcBef>
+            </a:pPr>
+            <a:r>
+              <a:rPr lang="en"/>
+              <a:t>You will need to download launcher : </a:t>
+            </a:r>
+            <a:r>
+              <a:rPr lang="en" u="sng">
+                <a:solidFill>
+                  <a:schemeClr val="accent5"/>
+                </a:solidFill>
+                <a:hlinkClick r:id="rId4"/>
+              </a:rPr>
+              <a:t>https://www.technicpack.net/download</a:t>
+            </a:r>
+          </a:p>
+          <a:p>
+            <a:pPr indent="-228600" lvl="0" marL="457200" rtl="0">
+              <a:spcBef>
+                <a:spcPts val="0"/>
+              </a:spcBef>
+            </a:pPr>
+            <a:r>
+              <a:rPr lang="en"/>
+              <a:t>More on using TechnicPack.net Launcher is on the next slide. </a:t>
+            </a:r>
+          </a:p>
+          <a:p>
             <a:pPr lvl="0" rtl="0">
-              <a:spcBef>
-                <a:spcPts val="0"/>
-              </a:spcBef>
-              <a:buNone/>
-            </a:pPr>
-            <a:r>
-              <a:rPr lang="en" sz="1600"/>
-              <a:t>Minecraft : minecraft.net</a:t>
-            </a:r>
-            <a:br>
-              <a:rPr lang="en" sz="1600"/>
-            </a:br>
-            <a:r>
-              <a:rPr lang="en" sz="1400">
-                <a:solidFill>
-                  <a:srgbClr val="608B4E"/>
-                </a:solidFill>
-                <a:latin typeface="Courier New"/>
-                <a:ea typeface="Courier New"/>
-                <a:cs typeface="Courier New"/>
-                <a:sym typeface="Courier New"/>
-              </a:rPr>
-              <a:t>-- You will need minecraft to create your own that cabin</a:t>
-            </a:r>
-            <a:br>
-              <a:rPr lang="en" sz="1400">
-                <a:solidFill>
-                  <a:srgbClr val="608B4E"/>
-                </a:solidFill>
-                <a:latin typeface="Courier New"/>
-                <a:ea typeface="Courier New"/>
-                <a:cs typeface="Courier New"/>
-                <a:sym typeface="Courier New"/>
-              </a:rPr>
-            </a:br>
-            <a:br>
-              <a:rPr lang="en" sz="1400">
-                <a:solidFill>
-                  <a:srgbClr val="608B4E"/>
-                </a:solidFill>
-                <a:latin typeface="Courier New"/>
-                <a:ea typeface="Courier New"/>
-                <a:cs typeface="Courier New"/>
-                <a:sym typeface="Courier New"/>
-              </a:rPr>
-            </a:br>
-            <a:r>
-              <a:rPr lang="en" sz="1600"/>
-              <a:t>Technicpack  : is a platform where you can create and share minecraft mods in minutes</a:t>
-            </a:r>
-            <a:br>
-              <a:rPr lang="en" sz="1600"/>
-            </a:br>
-            <a:r>
-              <a:rPr lang="en" sz="1600"/>
-              <a:t>Pastebin : </a:t>
-            </a:r>
-            <a:r>
-              <a:rPr lang="en" sz="1600"/>
-              <a:t>is required to edit your Lua programs.</a:t>
-            </a:r>
-            <a:br>
-              <a:rPr lang="en" sz="1600"/>
-            </a:br>
-            <a:r>
-              <a:rPr lang="en" sz="1400">
-                <a:solidFill>
-                  <a:srgbClr val="608B4E"/>
-                </a:solidFill>
-                <a:latin typeface="Courier New"/>
-                <a:ea typeface="Courier New"/>
-                <a:cs typeface="Courier New"/>
-                <a:sym typeface="Courier New"/>
-              </a:rPr>
-              <a:t>-- Computercraft has built in integration with pastebin</a:t>
-            </a:r>
-            <a:br>
-              <a:rPr lang="en" sz="1400">
-                <a:solidFill>
-                  <a:srgbClr val="608B4E"/>
-                </a:solidFill>
-                <a:latin typeface="Courier New"/>
-                <a:ea typeface="Courier New"/>
-                <a:cs typeface="Courier New"/>
-                <a:sym typeface="Courier New"/>
-              </a:rPr>
-            </a:br>
-            <a:r>
-              <a:rPr lang="en" sz="1400">
-                <a:solidFill>
-                  <a:srgbClr val="608B4E"/>
-                </a:solidFill>
-                <a:latin typeface="Courier New"/>
-                <a:ea typeface="Courier New"/>
-                <a:cs typeface="Courier New"/>
-                <a:sym typeface="Courier New"/>
-              </a:rPr>
-              <a:t>-- </a:t>
-            </a:r>
-            <a:r>
-              <a:rPr lang="en" sz="1400">
-                <a:solidFill>
-                  <a:srgbClr val="000000"/>
-                </a:solidFill>
-                <a:highlight>
-                  <a:srgbClr val="FFFF00"/>
-                </a:highlight>
-                <a:latin typeface="Courier New"/>
-                <a:ea typeface="Courier New"/>
-                <a:cs typeface="Courier New"/>
-                <a:sym typeface="Courier New"/>
-              </a:rPr>
-              <a:t>pastebin get dzwc8Vu0 buildCabin</a:t>
-            </a:r>
-          </a:p>
-          <a:p>
-            <a:pPr lvl="0">
-              <a:spcBef>
-                <a:spcPts val="0"/>
-              </a:spcBef>
-              <a:buNone/>
-            </a:pPr>
-            <a:r>
-              <a:rPr lang="en"/>
-              <a:t>Visual Studio Code : is an option to edit your Lua programs, still need Pastebin.</a:t>
-            </a:r>
-            <a:br>
-              <a:rPr lang="en"/>
-            </a:br>
-            <a:r>
-              <a:rPr lang="en"/>
-              <a:t>Java JDK to increase the amout of memory minecraft java program is allowed to use: </a:t>
-            </a:r>
-            <a:r>
-              <a:rPr lang="en" u="sng">
-                <a:solidFill>
-                  <a:schemeClr val="hlink"/>
-                </a:solidFill>
-                <a:hlinkClick r:id="rId3"/>
-              </a:rPr>
-              <a:t>http://www.oracle.com/technetwork/java/javase/downloads/index.html</a:t>
-            </a:r>
-            <a:r>
-              <a:rPr lang="en"/>
-              <a:t> </a:t>
-            </a:r>
-          </a:p>
-          <a:p>
-            <a:pPr lvl="0">
               <a:spcBef>
                 <a:spcPts val="0"/>
               </a:spcBef>
@@ -12064,7 +11862,7 @@
         </p:nvSpPr>
         <p:spPr>
           <a:xfrm>
-            <a:off x="311700" y="445025"/>
+            <a:off x="347225" y="445025"/>
             <a:ext cx="8520600" cy="572700"/>
           </a:xfrm>
           <a:prstGeom prst="rect">
@@ -12085,8 +11883,24 @@
             </a:pPr>
             <a:r>
               <a:rPr lang="en"/>
-              <a:t>Technicpack and What is IT?</a:t>
-            </a:r>
+              <a:t>TechnicPack - </a:t>
+            </a:r>
+            <a:r>
+              <a:rPr lang="en"/>
+              <a:t>In Minecraft all steps side by side</a:t>
+            </a:r>
+          </a:p>
+          <a:p>
+            <a:pPr lvl="0">
+              <a:spcBef>
+                <a:spcPts val="0"/>
+              </a:spcBef>
+              <a:buNone/>
+            </a:pPr>
+            <a:r>
+              <a:t/>
+            </a:r>
+            <a:endParaRPr/>
           </a:p>
         </p:txBody>
       </p:sp>
@@ -12121,27 +11935,12 @@
             </a:pPr>
             <a:r>
               <a:rPr lang="en"/>
-              <a:t>Technicpack is a platform where you can put together a collection of hand-picked minecraft mods which allows the launcher to automatically mod your local minecraft in minutes.</a:t>
-            </a:r>
-          </a:p>
-          <a:p>
-            <a:pPr lvl="0">
-              <a:spcBef>
-                <a:spcPts val="0"/>
-              </a:spcBef>
-              <a:buNone/>
-            </a:pPr>
-            <a:r>
-              <a:rPr lang="en"/>
-              <a:t>That Minecraft 2017 :  My Computercraft Technicpack for That Conference</a:t>
-            </a:r>
-          </a:p>
-          <a:p>
-            <a:pPr indent="-228600" lvl="0" marL="457200" rtl="0">
-              <a:spcBef>
-                <a:spcPts val="0"/>
-              </a:spcBef>
-            </a:pPr>
+              <a:t>D</a:t>
+            </a:r>
+            <a:r>
+              <a:rPr lang="en"/>
+              <a:t>ownload launcher  and run it: </a:t>
+            </a:r>
             <a:r>
               <a:rPr lang="en" u="sng">
                 <a:solidFill>
@@ -12149,42 +11948,71 @@
                 </a:solidFill>
                 <a:hlinkClick r:id="rId3"/>
               </a:rPr>
-              <a:t>https://www.technicpack.net/modpack/that-minecraft.1012241</a:t>
-            </a:r>
-          </a:p>
-          <a:p>
-            <a:pPr indent="-228600" lvl="0" marL="457200" rtl="0">
-              <a:spcBef>
-                <a:spcPts val="0"/>
-              </a:spcBef>
-            </a:pPr>
-            <a:r>
-              <a:rPr lang="en"/>
-              <a:t>You will need to download launcher : </a:t>
-            </a:r>
-            <a:r>
-              <a:rPr lang="en" u="sng">
-                <a:solidFill>
-                  <a:schemeClr val="accent5"/>
-                </a:solidFill>
-                <a:hlinkClick r:id="rId4"/>
-              </a:rPr>
               <a:t>https://www.technicpack.net/download</a:t>
             </a:r>
           </a:p>
           <a:p>
-            <a:pPr indent="-228600" lvl="0" marL="457200" rtl="0">
-              <a:spcBef>
-                <a:spcPts val="0"/>
-              </a:spcBef>
-            </a:pPr>
-            <a:r>
-              <a:rPr lang="en"/>
-              <a:t>More on using TechnicPack.net Launcher is on the next slide. </a:t>
-            </a:r>
-          </a:p>
-          <a:p>
-            <a:pPr lvl="0" rtl="0">
+            <a:pPr lvl="0">
+              <a:spcBef>
+                <a:spcPts val="0"/>
+              </a:spcBef>
+              <a:buNone/>
+            </a:pPr>
+            <a:r>
+              <a:rPr lang="en"/>
+              <a:t>The launcher will need you to log into your MineCraft account.</a:t>
+            </a:r>
+          </a:p>
+          <a:p>
+            <a:pPr lvl="0">
+              <a:spcBef>
+                <a:spcPts val="0"/>
+              </a:spcBef>
+              <a:buNone/>
+            </a:pPr>
+            <a:r>
+              <a:rPr lang="en"/>
+              <a:t>Depending on your computer download  Java JDK. (search google for Java JDK)</a:t>
+            </a:r>
+          </a:p>
+          <a:p>
+            <a:pPr lvl="0">
+              <a:spcBef>
+                <a:spcPts val="0"/>
+              </a:spcBef>
+              <a:buNone/>
+            </a:pPr>
+            <a:r>
+              <a:rPr lang="en"/>
+              <a:t>Verify the launcher’s options has the JAVA memory  set to 1 GB</a:t>
+            </a:r>
+          </a:p>
+          <a:p>
+            <a:pPr lvl="0">
+              <a:spcBef>
+                <a:spcPts val="0"/>
+              </a:spcBef>
+              <a:buNone/>
+            </a:pPr>
+            <a:r>
+              <a:rPr lang="en"/>
+              <a:t>Search for the ModPack:  That Minecraft 2017 and install the ModPack</a:t>
+            </a:r>
+          </a:p>
+          <a:p>
+            <a:pPr lvl="0">
+              <a:spcBef>
+                <a:spcPts val="0"/>
+              </a:spcBef>
+              <a:buNone/>
+            </a:pPr>
+            <a:r>
+              <a:rPr lang="en"/>
+              <a:t>Click the play Mod button bottom right and choose Single player game in Creative Mode.</a:t>
+            </a:r>
+          </a:p>
+          <a:p>
+            <a:pPr lvl="0">
               <a:spcBef>
                 <a:spcPts val="0"/>
               </a:spcBef>
@@ -12239,58 +12067,6 @@
           <p:cNvPr id="185" name="Shape 185"/>
           <p:cNvSpPr txBox="1"/>
           <p:nvPr>
-            <p:ph type="title"/>
-          </p:nvPr>
-        </p:nvSpPr>
-        <p:spPr>
-          <a:xfrm>
-            <a:off x="347225" y="445025"/>
-            <a:ext cx="8520600" cy="572700"/>
-          </a:xfrm>
-          <a:prstGeom prst="rect">
-            <a:avLst/>
-          </a:prstGeom>
-        </p:spPr>
-        <p:txBody>
-          <a:bodyPr anchorCtr="0" anchor="t" bIns="91425" lIns="91425" rIns="91425" tIns="91425">
-            <a:noAutofit/>
-          </a:bodyPr>
-          <a:lstStyle/>
-          <a:p>
-            <a:pPr lvl="0">
-              <a:spcBef>
-                <a:spcPts val="0"/>
-              </a:spcBef>
-              <a:buNone/>
-            </a:pPr>
-            <a:r>
-              <a:rPr lang="en"/>
-              <a:t>TechnicPack - </a:t>
-            </a:r>
-            <a:r>
-              <a:rPr lang="en"/>
-              <a:t>In Minecraft all steps side by side</a:t>
-            </a:r>
-          </a:p>
-          <a:p>
-            <a:pPr lvl="0">
-              <a:spcBef>
-                <a:spcPts val="0"/>
-              </a:spcBef>
-              <a:buNone/>
-            </a:pPr>
-            <a:r>
-              <a:t/>
-            </a:r>
-            <a:endParaRPr/>
-          </a:p>
-        </p:txBody>
-      </p:sp>
-      <p:sp>
-        <p:nvSpPr>
-          <p:cNvPr id="186" name="Shape 186"/>
-          <p:cNvSpPr txBox="1"/>
-          <p:nvPr>
             <p:ph idx="1" type="body"/>
           </p:nvPr>
         </p:nvSpPr>
@@ -12317,108 +12093,39 @@
             </a:pPr>
             <a:r>
               <a:rPr lang="en"/>
-              <a:t>D</a:t>
-            </a:r>
-            <a:r>
-              <a:rPr lang="en"/>
-              <a:t>ownload launcher  and run it: </a:t>
-            </a:r>
-            <a:r>
-              <a:rPr lang="en" u="sng">
-                <a:solidFill>
-                  <a:schemeClr val="hlink"/>
-                </a:solidFill>
-                <a:hlinkClick r:id="rId3"/>
-              </a:rPr>
-              <a:t>https://www.technicpack.net/download</a:t>
-            </a:r>
-          </a:p>
-          <a:p>
-            <a:pPr lvl="0">
-              <a:spcBef>
-                <a:spcPts val="0"/>
-              </a:spcBef>
-              <a:buNone/>
-            </a:pPr>
-            <a:r>
-              <a:rPr lang="en"/>
-              <a:t>The launcher will need you to log into your MineCraft account.</a:t>
-            </a:r>
-          </a:p>
-          <a:p>
-            <a:pPr lvl="0">
-              <a:spcBef>
-                <a:spcPts val="0"/>
-              </a:spcBef>
-              <a:buNone/>
-            </a:pPr>
-            <a:r>
-              <a:rPr lang="en"/>
-              <a:t>Depending on your computer download  Java JDK. (search google for Java JDK)</a:t>
-            </a:r>
-          </a:p>
-          <a:p>
-            <a:pPr lvl="0">
-              <a:spcBef>
-                <a:spcPts val="0"/>
-              </a:spcBef>
-              <a:buNone/>
-            </a:pPr>
-            <a:r>
-              <a:rPr lang="en"/>
-              <a:t>Update the “launcher options to increase JAVA Memory to 2 GB</a:t>
-            </a:r>
-          </a:p>
-          <a:p>
-            <a:pPr lvl="0">
-              <a:spcBef>
-                <a:spcPts val="0"/>
-              </a:spcBef>
-              <a:buNone/>
-            </a:pPr>
-            <a:r>
-              <a:rPr lang="en"/>
-              <a:t>Search the ModPack called:  That Minecraft 2017 and install the ModPack</a:t>
-            </a:r>
-          </a:p>
-          <a:p>
-            <a:pPr lvl="0">
-              <a:spcBef>
-                <a:spcPts val="0"/>
-              </a:spcBef>
-              <a:buNone/>
-            </a:pPr>
-            <a:r>
-              <a:rPr lang="en"/>
-              <a:t>Click the play Mod button bottom right and choose Single player game in Creative Mode.</a:t>
-            </a:r>
-          </a:p>
-          <a:p>
-            <a:pPr lvl="0">
-              <a:spcBef>
-                <a:spcPts val="0"/>
-              </a:spcBef>
-              <a:buNone/>
-            </a:pPr>
-            <a:r>
-              <a:t/>
-            </a:r>
-            <a:endParaRPr/>
-          </a:p>
-          <a:p>
-            <a:pPr lvl="0">
-              <a:spcBef>
-                <a:spcPts val="0"/>
-              </a:spcBef>
-              <a:buNone/>
-            </a:pPr>
-            <a:r>
-              <a:t/>
-            </a:r>
-            <a:endParaRPr/>
+              <a:t> </a:t>
+            </a:r>
           </a:p>
         </p:txBody>
       </p:sp>
+      <p:pic>
+        <p:nvPicPr>
+          <p:cNvPr id="186" name="Shape 186"/>
+          <p:cNvPicPr preferRelativeResize="0"/>
+          <p:nvPr/>
+        </p:nvPicPr>
+        <p:blipFill>
+          <a:blip r:embed="rId3">
+            <a:alphaModFix/>
+          </a:blip>
+          <a:stretch>
+            <a:fillRect/>
+          </a:stretch>
+        </p:blipFill>
+        <p:spPr>
+          <a:xfrm>
+            <a:off x="365650" y="408125"/>
+            <a:ext cx="8520598" cy="4327255"/>
+          </a:xfrm>
+          <a:prstGeom prst="rect">
+            <a:avLst/>
+          </a:prstGeom>
+          <a:noFill/>
+          <a:ln>
+            <a:noFill/>
+          </a:ln>
+        </p:spPr>
+      </p:pic>
     </p:spTree>
   </p:cSld>
   <p:clrMapOvr>
@@ -12449,6 +12156,42 @@
           <p:cNvPr id="191" name="Shape 191"/>
           <p:cNvSpPr txBox="1"/>
           <p:nvPr>
+            <p:ph type="title"/>
+          </p:nvPr>
+        </p:nvSpPr>
+        <p:spPr>
+          <a:xfrm>
+            <a:off x="311700" y="445025"/>
+            <a:ext cx="8520600" cy="572700"/>
+          </a:xfrm>
+          <a:prstGeom prst="rect">
+            <a:avLst/>
+          </a:prstGeom>
+        </p:spPr>
+        <p:txBody>
+          <a:bodyPr anchorCtr="0" anchor="t" bIns="91425" lIns="91425" rIns="91425" tIns="91425">
+            <a:noAutofit/>
+          </a:bodyPr>
+          <a:lstStyle/>
+          <a:p>
+            <a:pPr lvl="0">
+              <a:spcBef>
+                <a:spcPts val="0"/>
+              </a:spcBef>
+              <a:buNone/>
+            </a:pPr>
+            <a:r>
+              <a:rPr lang="en"/>
+              <a:t>Step 1: Place One Block Down</a:t>
+            </a:r>
+          </a:p>
+        </p:txBody>
+      </p:sp>
+      <p:sp>
+        <p:nvSpPr>
+          <p:cNvPr id="192" name="Shape 192"/>
+          <p:cNvSpPr txBox="1"/>
+          <p:nvPr>
             <p:ph idx="1" type="body"/>
           </p:nvPr>
         </p:nvSpPr>
@@ -12467,47 +12210,122 @@
           </a:bodyPr>
           <a:lstStyle/>
           <a:p>
-            <a:pPr lvl="0">
-              <a:spcBef>
-                <a:spcPts val="0"/>
-              </a:spcBef>
-              <a:buNone/>
-            </a:pPr>
-            <a:r>
-              <a:rPr lang="en"/>
-              <a:t> </a:t>
-            </a:r>
+            <a:pPr lvl="0" rtl="0">
+              <a:spcBef>
+                <a:spcPts val="0"/>
+              </a:spcBef>
+              <a:buNone/>
+            </a:pPr>
+            <a:r>
+              <a:rPr lang="en"/>
+              <a:t>You will need: </a:t>
+            </a:r>
+            <a:br>
+              <a:rPr lang="en"/>
+            </a:br>
+            <a:r>
+              <a:rPr lang="en"/>
+              <a:t>	Mining Turtle, Lava Bucket, and Oak Wood Planks</a:t>
+            </a:r>
+          </a:p>
+          <a:p>
+            <a:pPr lvl="0">
+              <a:spcBef>
+                <a:spcPts val="0"/>
+              </a:spcBef>
+              <a:buNone/>
+            </a:pPr>
+            <a:r>
+              <a:rPr lang="en"/>
+              <a:t>Requirements: </a:t>
+            </a:r>
+          </a:p>
+          <a:p>
+            <a:pPr indent="-228600" lvl="0" marL="457200" rtl="0">
+              <a:spcBef>
+                <a:spcPts val="0"/>
+              </a:spcBef>
+              <a:buAutoNum type="arabicPeriod"/>
+            </a:pPr>
+            <a:r>
+              <a:rPr lang="en"/>
+              <a:t>Place items in “Mining Turtle” with Lava Bucket in inventory slot 1.</a:t>
+            </a:r>
+          </a:p>
+          <a:p>
+            <a:pPr indent="-228600" lvl="0" marL="457200" rtl="0">
+              <a:spcBef>
+                <a:spcPts val="0"/>
+              </a:spcBef>
+              <a:buAutoNum type="arabicPeriod"/>
+            </a:pPr>
+            <a:r>
+              <a:rPr lang="en"/>
+              <a:t>Refuel Turtle using inventory slot 1 and rest of the items anywhere.</a:t>
+            </a:r>
+          </a:p>
+          <a:p>
+            <a:pPr indent="-228600" lvl="0" marL="457200" rtl="0">
+              <a:spcBef>
+                <a:spcPts val="0"/>
+              </a:spcBef>
+              <a:buAutoNum type="arabicPeriod"/>
+            </a:pPr>
+            <a:r>
+              <a:rPr lang="en"/>
+              <a:t>Function to Find Block’s Slot in the Turtle’s inventory.</a:t>
+            </a:r>
+          </a:p>
+          <a:p>
+            <a:pPr indent="-228600" lvl="0" marL="457200" rtl="0">
+              <a:spcBef>
+                <a:spcPts val="0"/>
+              </a:spcBef>
+              <a:buAutoNum type="arabicPeriod"/>
+            </a:pPr>
+            <a:r>
+              <a:rPr lang="en"/>
+              <a:t>Function to Place Block Down.</a:t>
+            </a:r>
+          </a:p>
+          <a:p>
+            <a:pPr lvl="0" rtl="0">
+              <a:spcBef>
+                <a:spcPts val="0"/>
+              </a:spcBef>
+              <a:buNone/>
+            </a:pPr>
+            <a:r>
+              <a:rPr lang="en"/>
+              <a:t>Solution: In the Turtle “pastebin get vUw4CqrL step1” &lt;enter&gt; step1 &lt;enter&gt;</a:t>
+            </a:r>
+          </a:p>
+          <a:p>
+            <a:pPr lvl="0">
+              <a:spcBef>
+                <a:spcPts val="0"/>
+              </a:spcBef>
+              <a:buNone/>
+            </a:pPr>
+            <a:r>
+              <a:t/>
+            </a:r>
+            <a:endParaRPr/>
+          </a:p>
+          <a:p>
+            <a:pPr lvl="0">
+              <a:spcBef>
+                <a:spcPts val="0"/>
+              </a:spcBef>
+              <a:buNone/>
+            </a:pPr>
+            <a:r>
+              <a:t/>
+            </a:r>
+            <a:endParaRPr/>
           </a:p>
         </p:txBody>
       </p:sp>
-      <p:pic>
-        <p:nvPicPr>
-          <p:cNvPr id="192" name="Shape 192"/>
-          <p:cNvPicPr preferRelativeResize="0"/>
-          <p:nvPr/>
-        </p:nvPicPr>
-        <p:blipFill>
-          <a:blip r:embed="rId3">
-            <a:alphaModFix/>
-          </a:blip>
-          <a:stretch>
-            <a:fillRect/>
-          </a:stretch>
-        </p:blipFill>
-        <p:spPr>
-          <a:xfrm>
-            <a:off x="365650" y="408125"/>
-            <a:ext cx="8520598" cy="4327255"/>
-          </a:xfrm>
-          <a:prstGeom prst="rect">
-            <a:avLst/>
-          </a:prstGeom>
-          <a:noFill/>
-          <a:ln>
-            <a:noFill/>
-          </a:ln>
-        </p:spPr>
-      </p:pic>
     </p:spTree>
   </p:cSld>
   <p:clrMapOvr>
@@ -12564,7 +12382,15 @@
             </a:pPr>
             <a:r>
               <a:rPr lang="en"/>
-              <a:t>Step 1: Place One Block Down</a:t>
+              <a:t>Step 2: </a:t>
+            </a:r>
+            <a:r>
+              <a:rPr lang="en"/>
+              <a:t>Build</a:t>
+            </a:r>
+            <a:r>
+              <a:rPr lang="en"/>
+              <a:t> Block Wall</a:t>
             </a:r>
           </a:p>
         </p:txBody>
@@ -12607,19 +12433,31 @@
             </a:br>
             <a:r>
               <a:rPr lang="en"/>
-              <a:t>	Mining Turtle, Lava Bucket, and Oak Wood Planks</a:t>
-            </a:r>
-          </a:p>
-          <a:p>
-            <a:pPr lvl="0">
-              <a:spcBef>
-                <a:spcPts val="0"/>
-              </a:spcBef>
-              <a:buNone/>
-            </a:pPr>
-            <a:r>
-              <a:rPr lang="en"/>
-              <a:t>Requirements: </a:t>
+              <a:t>	</a:t>
+            </a:r>
+            <a:r>
+              <a:rPr lang="en"/>
+              <a:t>Mining Turtle, Lava Bucket,</a:t>
+            </a:r>
+            <a:r>
+              <a:rPr lang="en"/>
+              <a:t> and Oak Wood Planks</a:t>
+            </a:r>
+          </a:p>
+          <a:p>
+            <a:pPr indent="0" lvl="0" marL="0" rtl="0">
+              <a:spcBef>
+                <a:spcPts val="0"/>
+              </a:spcBef>
+              <a:buNone/>
+            </a:pPr>
+            <a:r>
+              <a:rPr lang="en"/>
+              <a:t>Requirements</a:t>
+            </a:r>
+            <a:r>
+              <a:rPr lang="en"/>
+              <a:t>:</a:t>
             </a:r>
           </a:p>
           <a:p>
@@ -12631,7 +12469,11 @@
             </a:pPr>
             <a:r>
               <a:rPr lang="en"/>
-              <a:t>Place items in “Mining Turtle” with Lava Bucket in inventory slot 1.</a:t>
+              <a:t>Complete the the requirements for Step 1</a:t>
+            </a:r>
+            <a:r>
+              <a:rPr lang="en"/>
+              <a:t>.</a:t>
             </a:r>
           </a:p>
           <a:p>
@@ -12643,7 +12485,7 @@
             </a:pPr>
             <a:r>
               <a:rPr lang="en"/>
-              <a:t>Refuel Turtle using inventory slot 1 and rest of the items anywhere.</a:t>
+              <a:t>Create function build_block_wall(number_of_blocks).</a:t>
             </a:r>
           </a:p>
           <a:p>
@@ -12655,19 +12497,15 @@
             </a:pPr>
             <a:r>
               <a:rPr lang="en"/>
-              <a:t>Function to Find Block’s Slot in the Turtle’s inventory.</a:t>
-            </a:r>
-          </a:p>
-          <a:p>
-            <a:pPr indent="-228600" lvl="0" marL="457200" rtl="0">
-              <a:spcBef>
-                <a:spcPts val="0"/>
-              </a:spcBef>
-              <a:buAutoNum type="arabicPeriod"/>
-            </a:pPr>
-            <a:r>
-              <a:rPr lang="en"/>
-              <a:t>Function to Place Block Down.</a:t>
+              <a:t>Using a for loop to place down 4 blocks down in a row using </a:t>
+            </a:r>
+            <a:r>
+              <a:rPr lang="en"/>
+              <a:t>place_block_down()</a:t>
+            </a:r>
+            <a:r>
+              <a:rPr lang="en"/>
+              <a:t>.</a:t>
             </a:r>
           </a:p>
           <a:p>
@@ -12679,23 +12517,11 @@
             </a:pPr>
             <a:r>
               <a:rPr lang="en"/>
-              <a:t>Solution: In the Turtle “pastebin get vUw4CqrL step1” &lt;enter&gt; step1 &lt;enter&gt;</a:t>
-            </a:r>
-          </a:p>
-          <a:p>
-            <a:pPr lvl="0">
-              <a:spcBef>
-                <a:spcPts val="0"/>
-              </a:spcBef>
-              <a:buNone/>
-            </a:pPr>
-            <a:r>
-              <a:t/>
-            </a:r>
-            <a:endParaRPr/>
-          </a:p>
-          <a:p>
-            <a:pPr lvl="0">
+              <a:t>Solution: In the Turtle “pastebin get ZryCakMb step2” &lt;enter&gt; step2 &lt;enter&gt;</a:t>
+            </a:r>
+          </a:p>
+          <a:p>
+            <a:pPr lvl="0" rtl="0">
               <a:spcBef>
                 <a:spcPts val="0"/>
               </a:spcBef>
@@ -12764,15 +12590,7 @@
             </a:pPr>
             <a:r>
               <a:rPr lang="en"/>
-              <a:t>Step 2: </a:t>
-            </a:r>
-            <a:r>
-              <a:rPr lang="en"/>
-              <a:t>Build</a:t>
-            </a:r>
-            <a:r>
-              <a:rPr lang="en"/>
-              <a:t> Block Wall</a:t>
+              <a:t>Step 3: Build One Story</a:t>
             </a:r>
           </a:p>
         </p:txBody>
@@ -12800,6 +12618,89 @@
           </a:bodyPr>
           <a:lstStyle/>
           <a:p>
+            <a:pPr lvl="0">
+              <a:spcBef>
+                <a:spcPts val="0"/>
+              </a:spcBef>
+              <a:buNone/>
+            </a:pPr>
+            <a:r>
+              <a:rPr lang="en"/>
+              <a:t>You will need:</a:t>
+            </a:r>
+            <a:br>
+              <a:rPr lang="en"/>
+            </a:br>
+            <a:r>
+              <a:rPr lang="en"/>
+              <a:t>	</a:t>
+            </a:r>
+            <a:r>
+              <a:rPr lang="en"/>
+              <a:t>Mining</a:t>
+            </a:r>
+            <a:r>
+              <a:rPr lang="en"/>
+              <a:t> Turtle, Lava Bucket, and Oak Wood Planks</a:t>
+            </a:r>
+          </a:p>
+          <a:p>
+            <a:pPr lvl="0">
+              <a:spcBef>
+                <a:spcPts val="0"/>
+              </a:spcBef>
+              <a:buNone/>
+            </a:pPr>
+            <a:r>
+              <a:rPr lang="en"/>
+              <a:t>Requirements</a:t>
+            </a:r>
+            <a:r>
+              <a:rPr lang="en"/>
+              <a:t>:</a:t>
+            </a:r>
+          </a:p>
+          <a:p>
+            <a:pPr indent="-228600" lvl="0" marL="457200" rtl="0">
+              <a:spcBef>
+                <a:spcPts val="0"/>
+              </a:spcBef>
+              <a:buAutoNum type="arabicPeriod"/>
+            </a:pPr>
+            <a:r>
+              <a:rPr lang="en"/>
+              <a:t>Complete the the requirements for step 1 and 2.</a:t>
+            </a:r>
+          </a:p>
+          <a:p>
+            <a:pPr indent="-228600" lvl="0" marL="457200" rtl="0">
+              <a:spcBef>
+                <a:spcPts val="0"/>
+              </a:spcBef>
+              <a:buAutoNum type="arabicPeriod"/>
+            </a:pPr>
+            <a:r>
+              <a:rPr lang="en"/>
+              <a:t>Create </a:t>
+            </a:r>
+            <a:r>
+              <a:rPr lang="en"/>
+              <a:t>function build_story(wall_length). A wall length of 4</a:t>
+            </a:r>
+          </a:p>
+          <a:p>
+            <a:pPr indent="-228600" lvl="0" marL="457200" rtl="0">
+              <a:spcBef>
+                <a:spcPts val="0"/>
+              </a:spcBef>
+              <a:buAutoNum type="arabicPeriod"/>
+            </a:pPr>
+            <a:r>
+              <a:rPr lang="en"/>
+              <a:t>Using a for loop to build 4 block_walls using left turns using build_block_wall(). </a:t>
+            </a:r>
+          </a:p>
+          <a:p>
             <a:pPr lvl="0" rtl="0">
               <a:spcBef>
                 <a:spcPts val="0"/>
@@ -12808,102 +12709,11 @@
             </a:pPr>
             <a:r>
               <a:rPr lang="en"/>
-              <a:t>You will need: </a:t>
-            </a:r>
-            <a:br>
-              <a:rPr lang="en"/>
-            </a:br>
-            <a:r>
-              <a:rPr lang="en"/>
-              <a:t>	</a:t>
-            </a:r>
-            <a:r>
-              <a:rPr lang="en"/>
-              <a:t>Mining Turtle, Lava Bucket,</a:t>
-            </a:r>
-            <a:r>
-              <a:rPr lang="en"/>
-              <a:t> and Oak Wood Planks</a:t>
-            </a:r>
-          </a:p>
-          <a:p>
-            <a:pPr indent="0" lvl="0" marL="0" rtl="0">
-              <a:spcBef>
-                <a:spcPts val="0"/>
-              </a:spcBef>
-              <a:buNone/>
-            </a:pPr>
-            <a:r>
-              <a:rPr lang="en"/>
-              <a:t>Requirements</a:t>
-            </a:r>
-            <a:r>
-              <a:rPr lang="en"/>
-              <a:t>:</a:t>
-            </a:r>
-          </a:p>
-          <a:p>
-            <a:pPr indent="-228600" lvl="0" marL="457200" rtl="0">
-              <a:spcBef>
-                <a:spcPts val="0"/>
-              </a:spcBef>
-              <a:buAutoNum type="arabicPeriod"/>
-            </a:pPr>
-            <a:r>
-              <a:rPr lang="en"/>
-              <a:t>Complete the the requirements for Step 1</a:t>
-            </a:r>
-            <a:r>
-              <a:rPr lang="en"/>
-              <a:t>.</a:t>
-            </a:r>
-          </a:p>
-          <a:p>
-            <a:pPr indent="-228600" lvl="0" marL="457200" rtl="0">
-              <a:spcBef>
-                <a:spcPts val="0"/>
-              </a:spcBef>
-              <a:buAutoNum type="arabicPeriod"/>
-            </a:pPr>
-            <a:r>
-              <a:rPr lang="en"/>
-              <a:t>Create function build_block_wall(number_of_blocks).</a:t>
-            </a:r>
-          </a:p>
-          <a:p>
-            <a:pPr indent="-228600" lvl="0" marL="457200" rtl="0">
-              <a:spcBef>
-                <a:spcPts val="0"/>
-              </a:spcBef>
-              <a:buAutoNum type="arabicPeriod"/>
-            </a:pPr>
-            <a:r>
-              <a:rPr lang="en"/>
-              <a:t>Using a for loop to place down 4 blocks down in a row using </a:t>
-            </a:r>
-            <a:r>
-              <a:rPr lang="en"/>
-              <a:t>place_block_down()</a:t>
-            </a:r>
-            <a:r>
-              <a:rPr lang="en"/>
-              <a:t>.</a:t>
-            </a:r>
-          </a:p>
-          <a:p>
-            <a:pPr lvl="0" rtl="0">
-              <a:spcBef>
-                <a:spcPts val="0"/>
-              </a:spcBef>
-              <a:buNone/>
-            </a:pPr>
-            <a:r>
-              <a:rPr lang="en"/>
-              <a:t>Solution: In the Turtle “pastebin get ZryCakMb step2” &lt;enter&gt; step2 &lt;enter&gt;</a:t>
-            </a:r>
-          </a:p>
-          <a:p>
-            <a:pPr lvl="0" rtl="0">
+              <a:t>Solution: In the Turtle “pastebin get 0z5Rgvuh step3” &lt;enter&gt; step3 &lt;enter&gt;</a:t>
+            </a:r>
+          </a:p>
+          <a:p>
+            <a:pPr lvl="0">
               <a:spcBef>
                 <a:spcPts val="0"/>
               </a:spcBef>
@@ -12972,7 +12782,15 @@
             </a:pPr>
             <a:r>
               <a:rPr lang="en"/>
-              <a:t>Step 3: Build One Story</a:t>
+              <a:t>Step 4: Build </a:t>
+            </a:r>
+            <a:r>
+              <a:rPr lang="en"/>
+              <a:t>Multiple</a:t>
+            </a:r>
+            <a:r>
+              <a:rPr lang="en"/>
+              <a:t> Stories</a:t>
             </a:r>
           </a:p>
         </p:txBody>
@@ -13015,15 +12833,7 @@
             </a:br>
             <a:r>
               <a:rPr lang="en"/>
-              <a:t>	</a:t>
-            </a:r>
-            <a:r>
-              <a:rPr lang="en"/>
-              <a:t>Mining</a:t>
-            </a:r>
-            <a:r>
-              <a:rPr lang="en"/>
-              <a:t> Turtle, Lava Bucket, and Oak Wood Planks</a:t>
+              <a:t>	Mining Turtle, Lava Bucket, and Oak Wood Planks.</a:t>
             </a:r>
           </a:p>
           <a:p>
@@ -13051,7 +12861,7 @@
             </a:pPr>
             <a:r>
               <a:rPr lang="en"/>
-              <a:t>Complete the the requirements for step 1 and 2.</a:t>
+              <a:t>Complete the requirements for Step 1, 2, and 3.</a:t>
             </a:r>
           </a:p>
           <a:p>
@@ -13067,7 +12877,7 @@
             </a:r>
             <a:r>
               <a:rPr lang="en"/>
-              <a:t>function build_story(wall_length). A wall length of 4</a:t>
+              <a:t>function build_stories(number_of_stories, wall_length).</a:t>
             </a:r>
           </a:p>
           <a:p>
@@ -13079,7 +12889,19 @@
             </a:pPr>
             <a:r>
               <a:rPr lang="en"/>
-              <a:t>Using a for loop to build 4 block_walls using left turns using build_block_wall(). </a:t>
+              <a:t>Using a for loop to build 3 stories with a wall length of 5.</a:t>
+            </a:r>
+          </a:p>
+          <a:p>
+            <a:pPr indent="-228600" lvl="0" marL="457200" rtl="0">
+              <a:spcBef>
+                <a:spcPts val="0"/>
+              </a:spcBef>
+              <a:buAutoNum type="arabicPeriod"/>
+            </a:pPr>
+            <a:r>
+              <a:rPr lang="en"/>
+              <a:t>Using the build_story(wall_length) function.</a:t>
             </a:r>
           </a:p>
           <a:p>
@@ -13091,7 +12913,7 @@
             </a:pPr>
             <a:r>
               <a:rPr lang="en"/>
-              <a:t>Solution: In the Turtle “pastebin get 0z5Rgvuh step3” &lt;enter&gt; step3 &lt;enter&gt;</a:t>
+              <a:t>Solution: In the Turtle “pastebin get JD7S4JMR step4” &lt;enter&gt; step4 &lt;enter&gt;</a:t>
             </a:r>
           </a:p>
           <a:p>
@@ -13164,15 +12986,15 @@
             </a:pPr>
             <a:r>
               <a:rPr lang="en"/>
-              <a:t>Step 4: Build </a:t>
-            </a:r>
-            <a:r>
-              <a:rPr lang="en"/>
-              <a:t>Multiple</a:t>
-            </a:r>
-            <a:r>
-              <a:rPr lang="en"/>
-              <a:t> Stories</a:t>
+              <a:t>Step 5: </a:t>
+            </a:r>
+            <a:r>
+              <a:rPr lang="en"/>
+              <a:t>Build</a:t>
+            </a:r>
+            <a:r>
+              <a:rPr lang="en"/>
+              <a:t> the Roof</a:t>
             </a:r>
           </a:p>
         </p:txBody>
@@ -13215,7 +13037,7 @@
             </a:br>
             <a:r>
               <a:rPr lang="en"/>
-              <a:t>	Mining Turtle, Lava Bucket, and Oak Wood Planks.</a:t>
+              <a:t>	Mining Turtle, Lava Bucket, Oak Wood Planks, and Stone Slabs.</a:t>
             </a:r>
           </a:p>
           <a:p>
@@ -13243,7 +13065,15 @@
             </a:pPr>
             <a:r>
               <a:rPr lang="en"/>
-              <a:t>Complete the requirements for Step 1, 2, and 3.</a:t>
+              <a:t>Complete the r</a:t>
+            </a:r>
+            <a:r>
+              <a:rPr lang="en"/>
+              <a:t>equirements</a:t>
+            </a:r>
+            <a:r>
+              <a:rPr lang="en"/>
+              <a:t> for Steps 1, 2, 3, and 4.</a:t>
             </a:r>
           </a:p>
           <a:p>
@@ -13255,11 +13085,7 @@
             </a:pPr>
             <a:r>
               <a:rPr lang="en"/>
-              <a:t>Create </a:t>
-            </a:r>
-            <a:r>
-              <a:rPr lang="en"/>
-              <a:t>function build_stories(number_of_stories, wall_length).</a:t>
+              <a:t>Create a function to Place Roof Down using stone slabs.</a:t>
             </a:r>
           </a:p>
           <a:p>
@@ -13271,19 +13097,95 @@
             </a:pPr>
             <a:r>
               <a:rPr lang="en"/>
-              <a:t>Using a for loop to build 3 stories with a wall length of 5.</a:t>
-            </a:r>
-          </a:p>
-          <a:p>
-            <a:pPr indent="-228600" lvl="0" marL="457200" rtl="0">
-              <a:spcBef>
-                <a:spcPts val="0"/>
-              </a:spcBef>
-              <a:buAutoNum type="arabicPeriod"/>
-            </a:pPr>
-            <a:r>
-              <a:rPr lang="en"/>
-              <a:t>Using the build_story(wall_length) function.</a:t>
+              <a:t>Create a for loop and </a:t>
+            </a:r>
+            <a:r>
+              <a:rPr lang="en">
+                <a:solidFill>
+                  <a:srgbClr val="C586C0"/>
+                </a:solidFill>
+                <a:latin typeface="Courier New"/>
+                <a:ea typeface="Courier New"/>
+                <a:cs typeface="Courier New"/>
+                <a:sym typeface="Courier New"/>
+              </a:rPr>
+              <a:t>if</a:t>
+            </a:r>
+            <a:r>
+              <a:rPr lang="en">
+                <a:solidFill>
+                  <a:srgbClr val="D4D4D4"/>
+                </a:solidFill>
+                <a:latin typeface="Courier New"/>
+                <a:ea typeface="Courier New"/>
+                <a:cs typeface="Courier New"/>
+                <a:sym typeface="Courier New"/>
+              </a:rPr>
+              <a:t> i % </a:t>
+            </a:r>
+            <a:r>
+              <a:rPr lang="en">
+                <a:solidFill>
+                  <a:srgbClr val="B5CEA8"/>
+                </a:solidFill>
+                <a:latin typeface="Courier New"/>
+                <a:ea typeface="Courier New"/>
+                <a:cs typeface="Courier New"/>
+                <a:sym typeface="Courier New"/>
+              </a:rPr>
+              <a:t>2</a:t>
+            </a:r>
+            <a:r>
+              <a:rPr lang="en">
+                <a:solidFill>
+                  <a:srgbClr val="D4D4D4"/>
+                </a:solidFill>
+                <a:latin typeface="Courier New"/>
+                <a:ea typeface="Courier New"/>
+                <a:cs typeface="Courier New"/>
+                <a:sym typeface="Courier New"/>
+              </a:rPr>
+              <a:t> == </a:t>
+            </a:r>
+            <a:r>
+              <a:rPr lang="en">
+                <a:solidFill>
+                  <a:srgbClr val="B5CEA8"/>
+                </a:solidFill>
+                <a:latin typeface="Courier New"/>
+                <a:ea typeface="Courier New"/>
+                <a:cs typeface="Courier New"/>
+                <a:sym typeface="Courier New"/>
+              </a:rPr>
+              <a:t>0</a:t>
+            </a:r>
+            <a:r>
+              <a:rPr lang="en">
+                <a:solidFill>
+                  <a:srgbClr val="D4D4D4"/>
+                </a:solidFill>
+                <a:latin typeface="Courier New"/>
+                <a:ea typeface="Courier New"/>
+                <a:cs typeface="Courier New"/>
+                <a:sym typeface="Courier New"/>
+              </a:rPr>
+              <a:t> </a:t>
+            </a:r>
+            <a:r>
+              <a:rPr lang="en">
+                <a:solidFill>
+                  <a:srgbClr val="C586C0"/>
+                </a:solidFill>
+                <a:latin typeface="Courier New"/>
+                <a:ea typeface="Courier New"/>
+                <a:cs typeface="Courier New"/>
+                <a:sym typeface="Courier New"/>
+              </a:rPr>
+              <a:t>then </a:t>
+            </a:r>
+            <a:r>
+              <a:rPr lang="en"/>
+              <a:t>to know when to turn left or right when placing the roof block down in a function.</a:t>
             </a:r>
           </a:p>
           <a:p>
@@ -13295,7 +13197,7 @@
             </a:pPr>
             <a:r>
               <a:rPr lang="en"/>
-              <a:t>Solution: In the Turtle “pastebin get JD7S4JMR step4” &lt;enter&gt; step4 &lt;enter&gt;</a:t>
+              <a:t>Solution: In the Turtle “pastebin get fv432ghS step5” &lt;enter&gt; step5 &lt;enter&gt;</a:t>
             </a:r>
           </a:p>
           <a:p>
@@ -13309,6 +13211,18 @@
               <a:t/>
             </a:r>
             <a:endParaRPr/>
+          </a:p>
+          <a:p>
+            <a:pPr lvl="0">
+              <a:spcBef>
+                <a:spcPts val="0"/>
+              </a:spcBef>
+              <a:buNone/>
+            </a:pPr>
+            <a:r>
+              <a:rPr lang="en"/>
+              <a:t>	</a:t>
+            </a:r>
           </a:p>
         </p:txBody>
       </p:sp>
@@ -13368,15 +13282,7 @@
             </a:pPr>
             <a:r>
               <a:rPr lang="en"/>
-              <a:t>Step 5: </a:t>
-            </a:r>
-            <a:r>
-              <a:rPr lang="en"/>
-              <a:t>Build</a:t>
-            </a:r>
-            <a:r>
-              <a:rPr lang="en"/>
-              <a:t> the Roof</a:t>
+              <a:t>Step 6: Install Door and Window</a:t>
             </a:r>
           </a:p>
         </p:txBody>
@@ -13404,31 +13310,35 @@
           </a:bodyPr>
           <a:lstStyle/>
           <a:p>
-            <a:pPr lvl="0">
-              <a:spcBef>
-                <a:spcPts val="0"/>
-              </a:spcBef>
-              <a:buNone/>
-            </a:pPr>
-            <a:r>
-              <a:rPr lang="en"/>
-              <a:t>You will need:</a:t>
+            <a:pPr lvl="0" rtl="0">
+              <a:spcBef>
+                <a:spcPts val="0"/>
+              </a:spcBef>
+              <a:buNone/>
+            </a:pPr>
+            <a:r>
+              <a:rPr lang="en"/>
+              <a:t>You will need: </a:t>
             </a:r>
             <a:br>
               <a:rPr lang="en"/>
             </a:br>
             <a:r>
               <a:rPr lang="en"/>
-              <a:t>	Mining Turtle, Lava Bucket, Oak Wood Planks, and Stone Slabs.</a:t>
-            </a:r>
-          </a:p>
-          <a:p>
-            <a:pPr lvl="0">
-              <a:spcBef>
-                <a:spcPts val="0"/>
-              </a:spcBef>
-              <a:buNone/>
-            </a:pPr>
+              <a:t>	Mining Turtle, Lava Bucket, Oak Wood Planks, Stone Slabs, Glass Blocks, and Oak Wood Door</a:t>
+            </a:r>
+          </a:p>
+          <a:p>
+            <a:pPr lvl="0">
+              <a:spcBef>
+                <a:spcPts val="0"/>
+              </a:spcBef>
+              <a:buNone/>
+            </a:pPr>
+            <a:r>
+              <a:rPr lang="en"/>
+              <a:t> </a:t>
+            </a:r>
             <a:r>
               <a:rPr lang="en"/>
               <a:t>Requirements</a:t>
@@ -13447,15 +13357,11 @@
             </a:pPr>
             <a:r>
               <a:rPr lang="en"/>
-              <a:t>Complete the r</a:t>
-            </a:r>
-            <a:r>
-              <a:rPr lang="en"/>
-              <a:t>equirements</a:t>
-            </a:r>
-            <a:r>
-              <a:rPr lang="en"/>
-              <a:t> for Steps 1, 2, 3, and 4.</a:t>
+              <a:t>Complete Requirements for </a:t>
+            </a:r>
+            <a:r>
+              <a:rPr lang="en"/>
+              <a:t>Steps 1, 2, 3, 4, and 5.  </a:t>
             </a:r>
           </a:p>
           <a:p>
@@ -13467,7 +13373,7 @@
             </a:pPr>
             <a:r>
               <a:rPr lang="en"/>
-              <a:t>Create a function to Place Roof Down using stone slabs.</a:t>
+              <a:t>Create a function to position turtle and Dig out wall blocks and Place the door.</a:t>
             </a:r>
           </a:p>
           <a:p>
@@ -13479,95 +13385,7 @@
             </a:pPr>
             <a:r>
               <a:rPr lang="en"/>
-              <a:t>Create a for loop and </a:t>
-            </a:r>
-            <a:r>
-              <a:rPr lang="en">
-                <a:solidFill>
-                  <a:srgbClr val="C586C0"/>
-                </a:solidFill>
-                <a:latin typeface="Courier New"/>
-                <a:ea typeface="Courier New"/>
-                <a:cs typeface="Courier New"/>
-                <a:sym typeface="Courier New"/>
-              </a:rPr>
-              <a:t>if</a:t>
-            </a:r>
-            <a:r>
-              <a:rPr lang="en">
-                <a:solidFill>
-                  <a:srgbClr val="D4D4D4"/>
-                </a:solidFill>
-                <a:latin typeface="Courier New"/>
-                <a:ea typeface="Courier New"/>
-                <a:cs typeface="Courier New"/>
-                <a:sym typeface="Courier New"/>
-              </a:rPr>
-              <a:t> i % </a:t>
-            </a:r>
-            <a:r>
-              <a:rPr lang="en">
-                <a:solidFill>
-                  <a:srgbClr val="B5CEA8"/>
-                </a:solidFill>
-                <a:latin typeface="Courier New"/>
-                <a:ea typeface="Courier New"/>
-                <a:cs typeface="Courier New"/>
-                <a:sym typeface="Courier New"/>
-              </a:rPr>
-              <a:t>2</a:t>
-            </a:r>
-            <a:r>
-              <a:rPr lang="en">
-                <a:solidFill>
-                  <a:srgbClr val="D4D4D4"/>
-                </a:solidFill>
-                <a:latin typeface="Courier New"/>
-                <a:ea typeface="Courier New"/>
-                <a:cs typeface="Courier New"/>
-                <a:sym typeface="Courier New"/>
-              </a:rPr>
-              <a:t> == </a:t>
-            </a:r>
-            <a:r>
-              <a:rPr lang="en">
-                <a:solidFill>
-                  <a:srgbClr val="B5CEA8"/>
-                </a:solidFill>
-                <a:latin typeface="Courier New"/>
-                <a:ea typeface="Courier New"/>
-                <a:cs typeface="Courier New"/>
-                <a:sym typeface="Courier New"/>
-              </a:rPr>
-              <a:t>0</a:t>
-            </a:r>
-            <a:r>
-              <a:rPr lang="en">
-                <a:solidFill>
-                  <a:srgbClr val="D4D4D4"/>
-                </a:solidFill>
-                <a:latin typeface="Courier New"/>
-                <a:ea typeface="Courier New"/>
-                <a:cs typeface="Courier New"/>
-                <a:sym typeface="Courier New"/>
-              </a:rPr>
-              <a:t> </a:t>
-            </a:r>
-            <a:r>
-              <a:rPr lang="en">
-                <a:solidFill>
-                  <a:srgbClr val="C586C0"/>
-                </a:solidFill>
-                <a:latin typeface="Courier New"/>
-                <a:ea typeface="Courier New"/>
-                <a:cs typeface="Courier New"/>
-                <a:sym typeface="Courier New"/>
-              </a:rPr>
-              <a:t>then </a:t>
-            </a:r>
-            <a:r>
-              <a:rPr lang="en"/>
-              <a:t>to know when to turn left or right when placing the roof block down in a function.</a:t>
+              <a:t>Create a function to position turtle and dig out wall blocks and Place the window.</a:t>
             </a:r>
           </a:p>
           <a:p>
@@ -13579,11 +13397,11 @@
             </a:pPr>
             <a:r>
               <a:rPr lang="en"/>
-              <a:t>Solution: In the Turtle “pastebin get fv432ghS step5” &lt;enter&gt; step5 &lt;enter&gt;</a:t>
-            </a:r>
-          </a:p>
-          <a:p>
-            <a:pPr lvl="0">
+              <a:t>Solution: In the Turtle “pastebin get f9WLq2w7 step6” &lt;enter&gt; step6 &lt;enter&gt;</a:t>
+            </a:r>
+          </a:p>
+          <a:p>
+            <a:pPr lvl="0" rtl="0">
               <a:spcBef>
                 <a:spcPts val="0"/>
               </a:spcBef>
@@ -13602,9 +13420,21 @@
               <a:buNone/>
             </a:pPr>
             <a:r>
-              <a:rPr lang="en"/>
-              <a:t>	</a:t>
-            </a:r>
+              <a:t/>
+            </a:r>
+            <a:endParaRPr/>
+          </a:p>
+          <a:p>
+            <a:pPr lvl="0">
+              <a:spcBef>
+                <a:spcPts val="0"/>
+              </a:spcBef>
+              <a:buNone/>
+            </a:pPr>
+            <a:r>
+              <a:t/>
+            </a:r>
+            <a:endParaRPr/>
           </a:p>
         </p:txBody>
       </p:sp>
@@ -13664,7 +13494,15 @@
             </a:pPr>
             <a:r>
               <a:rPr lang="en"/>
-              <a:t>Step 6: Install Door and Window</a:t>
+              <a:t>Step 7: Passing </a:t>
+            </a:r>
+            <a:r>
+              <a:rPr lang="en"/>
+              <a:t>Arguments</a:t>
+            </a:r>
+            <a:r>
+              <a:rPr lang="en"/>
+              <a:t> In</a:t>
             </a:r>
           </a:p>
         </p:txBody>
@@ -13700,34 +13538,30 @@
             </a:pPr>
             <a:r>
               <a:rPr lang="en"/>
-              <a:t>You will need: </a:t>
+              <a:t>You will need:</a:t>
             </a:r>
             <a:br>
               <a:rPr lang="en"/>
             </a:br>
             <a:r>
               <a:rPr lang="en"/>
-              <a:t>	Mining Turtle, Lava Bucket, Oak Wood Planks, Stone Slabs, Glass Blocks, and Oak Wood Door</a:t>
-            </a:r>
-          </a:p>
-          <a:p>
-            <a:pPr lvl="0">
-              <a:spcBef>
-                <a:spcPts val="0"/>
-              </a:spcBef>
-              <a:buNone/>
-            </a:pPr>
-            <a:r>
-              <a:rPr lang="en"/>
-              <a:t> </a:t>
-            </a:r>
-            <a:r>
-              <a:rPr lang="en"/>
-              <a:t>Requirements</a:t>
-            </a:r>
-            <a:r>
-              <a:rPr lang="en"/>
-              <a:t>:</a:t>
+              <a:t>	</a:t>
+            </a:r>
+            <a:r>
+              <a:rPr lang="en"/>
+              <a:t>Mining Turtle, Lava Bucket, Oak Wood Planks, Stone Slabs, Glass Blocks, and Oak Wood Door</a:t>
+            </a:r>
+          </a:p>
+          <a:p>
+            <a:pPr lvl="0">
+              <a:spcBef>
+                <a:spcPts val="0"/>
+              </a:spcBef>
+              <a:buNone/>
+            </a:pPr>
+            <a:r>
+              <a:rPr lang="en"/>
+              <a:t>Requirements:</a:t>
             </a:r>
           </a:p>
           <a:p>
@@ -13739,11 +13573,15 @@
             </a:pPr>
             <a:r>
               <a:rPr lang="en"/>
-              <a:t>Complete Requirements for </a:t>
-            </a:r>
-            <a:r>
-              <a:rPr lang="en"/>
-              <a:t>Steps 1, 2, 3, 4, and 5.  </a:t>
+              <a:t>Complete r</a:t>
+            </a:r>
+            <a:r>
+              <a:rPr lang="en"/>
+              <a:t>equirements</a:t>
+            </a:r>
+            <a:r>
+              <a:rPr lang="en"/>
+              <a:t> for Steps 1, 2, 3, 4, 5, and 6. </a:t>
             </a:r>
           </a:p>
           <a:p>
@@ -13755,7 +13593,15 @@
             </a:pPr>
             <a:r>
               <a:rPr lang="en"/>
-              <a:t>Create a function to position turtle and Dig out wall blocks and Place the door.</a:t>
+              <a:t>Update the </a:t>
+            </a:r>
+            <a:r>
+              <a:rPr lang="en"/>
+              <a:t>main(number_of_stories,wall_length) f</a:t>
+            </a:r>
+            <a:r>
+              <a:rPr lang="en"/>
+              <a:t>unction to accept 2 arguments.</a:t>
             </a:r>
           </a:p>
           <a:p>
@@ -13767,7 +13613,7 @@
             </a:pPr>
             <a:r>
               <a:rPr lang="en"/>
-              <a:t>Create a function to position turtle and dig out wall blocks and Place the window.</a:t>
+              <a:t>Pass the arguments to the new main(args[1],args[2]) function.</a:t>
             </a:r>
           </a:p>
           <a:p>
@@ -13779,32 +13625,8 @@
             </a:pPr>
             <a:r>
               <a:rPr lang="en"/>
-              <a:t>Solution: In the Turtle “pastebin get f9WLq2w7 step6” &lt;enter&gt; step6 &lt;enter&gt;</a:t>
-            </a:r>
-          </a:p>
-          <a:p>
-            <a:pPr lvl="0" rtl="0">
-              <a:spcBef>
-                <a:spcPts val="0"/>
-              </a:spcBef>
-              <a:buNone/>
-            </a:pPr>
-            <a:r>
-              <a:t/>
-            </a:r>
-            <a:endParaRPr/>
-          </a:p>
-          <a:p>
-            <a:pPr lvl="0">
-              <a:spcBef>
-                <a:spcPts val="0"/>
-              </a:spcBef>
-              <a:buNone/>
-            </a:pPr>
-            <a:r>
-              <a:t/>
-            </a:r>
-            <a:endParaRPr/>
+              <a:t>Solution: In the Turtle “pastebin get ceFGB85S step7” &lt;enter&gt; step7 &lt;enter&gt;</a:t>
+            </a:r>
           </a:p>
           <a:p>
             <a:pPr lvl="0">
@@ -13855,7 +13677,7 @@
         </p:nvSpPr>
         <p:spPr>
           <a:xfrm>
-            <a:off x="311700" y="445025"/>
+            <a:off x="311700" y="416600"/>
             <a:ext cx="8520600" cy="572700"/>
           </a:xfrm>
           <a:prstGeom prst="rect">
@@ -13876,16 +13698,20 @@
             </a:pPr>
             <a:r>
               <a:rPr lang="en"/>
-              <a:t>Step 7: Passing </a:t>
-            </a:r>
-            <a:r>
-              <a:rPr lang="en"/>
-              <a:t>Arguments</a:t>
-            </a:r>
-            <a:r>
-              <a:rPr lang="en"/>
-              <a:t> In</a:t>
-            </a:r>
+              <a:t>Resources and Links</a:t>
+            </a:r>
+          </a:p>
+          <a:p>
+            <a:pPr lvl="0">
+              <a:spcBef>
+                <a:spcPts val="0"/>
+              </a:spcBef>
+              <a:buNone/>
+            </a:pPr>
+            <a:r>
+              <a:t/>
+            </a:r>
+            <a:endParaRPr/>
           </a:p>
         </p:txBody>
       </p:sp>
@@ -13899,8 +13725,8 @@
         </p:nvSpPr>
         <p:spPr>
           <a:xfrm>
-            <a:off x="311700" y="1152475"/>
-            <a:ext cx="8520600" cy="3416400"/>
+            <a:off x="226450" y="939575"/>
+            <a:ext cx="8520600" cy="3547500"/>
           </a:xfrm>
           <a:prstGeom prst="rect">
             <a:avLst/>
@@ -13912,6 +13738,152 @@
           </a:bodyPr>
           <a:lstStyle/>
           <a:p>
+            <a:pPr lvl="0">
+              <a:spcBef>
+                <a:spcPts val="0"/>
+              </a:spcBef>
+              <a:buNone/>
+            </a:pPr>
+            <a:r>
+              <a:rPr lang="en"/>
+              <a:t>Lua: </a:t>
+            </a:r>
+            <a:r>
+              <a:rPr lang="en" u="sng">
+                <a:solidFill>
+                  <a:schemeClr val="hlink"/>
+                </a:solidFill>
+                <a:hlinkClick r:id="rId3"/>
+              </a:rPr>
+              <a:t>en.wikipedia.org/wiki/Lua_(programming_language)Turtle</a:t>
+            </a:r>
+            <a:br>
+              <a:rPr lang="en"/>
+            </a:br>
+            <a:r>
+              <a:rPr lang="en"/>
+              <a:t>MineCraft: </a:t>
+            </a:r>
+            <a:r>
+              <a:rPr lang="en" u="sng">
+                <a:solidFill>
+                  <a:schemeClr val="hlink"/>
+                </a:solidFill>
+                <a:hlinkClick r:id="rId4"/>
+              </a:rPr>
+              <a:t>minecraft.net/en-us/</a:t>
+            </a:r>
+            <a:br>
+              <a:rPr lang="en"/>
+            </a:br>
+            <a:r>
+              <a:rPr lang="en"/>
+              <a:t>ComputerCraft: </a:t>
+            </a:r>
+            <a:r>
+              <a:rPr lang="en" u="sng">
+                <a:solidFill>
+                  <a:schemeClr val="hlink"/>
+                </a:solidFill>
+                <a:hlinkClick r:id="rId5"/>
+              </a:rPr>
+              <a:t>www.computercraft.info/download/</a:t>
+            </a:r>
+            <a:r>
+              <a:rPr lang="en"/>
+              <a:t> </a:t>
+            </a:r>
+            <a:br>
+              <a:rPr lang="en"/>
+            </a:br>
+            <a:r>
+              <a:rPr lang="en"/>
+              <a:t>Technic ModPack - </a:t>
+            </a:r>
+            <a:r>
+              <a:rPr lang="en" u="sng">
+                <a:solidFill>
+                  <a:schemeClr val="hlink"/>
+                </a:solidFill>
+                <a:hlinkClick r:id="rId6"/>
+              </a:rPr>
+              <a:t>www.technicpack.net</a:t>
+            </a:r>
+            <a:r>
+              <a:rPr lang="en"/>
+              <a:t> </a:t>
+            </a:r>
+            <a:br>
+              <a:rPr lang="en"/>
+            </a:br>
+            <a:r>
+              <a:rPr lang="en"/>
+              <a:t>Turtle API: </a:t>
+            </a:r>
+            <a:r>
+              <a:rPr lang="en" u="sng">
+                <a:solidFill>
+                  <a:schemeClr val="hlink"/>
+                </a:solidFill>
+                <a:hlinkClick r:id="rId7"/>
+              </a:rPr>
+              <a:t>computercraft.info/wiki/Turtle_(API)</a:t>
+            </a:r>
+            <a:br>
+              <a:rPr b="1" lang="en"/>
+            </a:br>
+            <a:r>
+              <a:rPr b="1" lang="en" u="sng"/>
+              <a:t>Solution Program and Slides:</a:t>
+            </a:r>
+            <a:br>
+              <a:rPr b="1" lang="en"/>
+            </a:br>
+            <a:r>
+              <a:rPr b="1" lang="en"/>
+              <a:t>pastebin get dzwc8Vu0 buildCabin</a:t>
+            </a:r>
+            <a:br>
+              <a:rPr b="1" lang="en"/>
+            </a:br>
+            <a:r>
+              <a:rPr lang="en"/>
+              <a:t>PasteBin: </a:t>
+            </a:r>
+            <a:r>
+              <a:rPr lang="en" u="sng">
+                <a:solidFill>
+                  <a:schemeClr val="hlink"/>
+                </a:solidFill>
+                <a:hlinkClick r:id="rId8"/>
+              </a:rPr>
+              <a:t>https://pastebin.com/u/rvonruden</a:t>
+            </a:r>
+            <a:br>
+              <a:rPr lang="en"/>
+            </a:br>
+            <a:r>
+              <a:rPr lang="en"/>
+              <a:t>GitHub: </a:t>
+            </a:r>
+            <a:r>
+              <a:rPr lang="en" u="sng">
+                <a:solidFill>
+                  <a:schemeClr val="hlink"/>
+                </a:solidFill>
+                <a:hlinkClick r:id="rId9"/>
+              </a:rPr>
+              <a:t>https://github.com/RebeccaVonRuden/ThatConference-2017</a:t>
+            </a:r>
+            <a:br>
+              <a:rPr lang="en"/>
+            </a:br>
+            <a:r>
+              <a:rPr lang="en"/>
+              <a:t>Contact: rebecca@vonruden.info</a:t>
+            </a:r>
+          </a:p>
+          <a:p>
             <a:pPr lvl="0" rtl="0">
               <a:spcBef>
                 <a:spcPts val="0"/>
@@ -13919,111 +13891,40 @@
               <a:buNone/>
             </a:pPr>
             <a:r>
-              <a:rPr lang="en"/>
-              <a:t>You will need:</a:t>
-            </a:r>
-            <a:br>
-              <a:rPr lang="en"/>
-            </a:br>
-            <a:r>
-              <a:rPr lang="en"/>
-              <a:t>	</a:t>
-            </a:r>
-            <a:r>
-              <a:rPr lang="en"/>
-              <a:t>Mining Turtle, Lava Bucket, Oak Wood Planks, Stone Slabs, Glass Blocks, and Oak Wood Door</a:t>
-            </a:r>
-          </a:p>
-          <a:p>
-            <a:pPr lvl="0">
-              <a:spcBef>
-                <a:spcPts val="0"/>
-              </a:spcBef>
-              <a:buNone/>
-            </a:pPr>
-            <a:r>
-              <a:rPr lang="en"/>
-              <a:t>Requirements:</a:t>
-            </a:r>
-          </a:p>
-          <a:p>
-            <a:pPr indent="-228600" lvl="0" marL="457200" rtl="0">
-              <a:spcBef>
-                <a:spcPts val="0"/>
-              </a:spcBef>
-              <a:buAutoNum type="arabicPeriod"/>
-            </a:pPr>
-            <a:r>
-              <a:rPr lang="en"/>
-              <a:t>Complete r</a:t>
-            </a:r>
-            <a:r>
-              <a:rPr lang="en"/>
-              <a:t>equirements</a:t>
-            </a:r>
-            <a:r>
-              <a:rPr lang="en"/>
-              <a:t> for Steps 1, 2, 3, 4, 5, and 6. </a:t>
-            </a:r>
-          </a:p>
-          <a:p>
-            <a:pPr indent="-228600" lvl="0" marL="457200" rtl="0">
-              <a:spcBef>
-                <a:spcPts val="0"/>
-              </a:spcBef>
-              <a:buAutoNum type="arabicPeriod"/>
-            </a:pPr>
-            <a:r>
-              <a:rPr lang="en"/>
-              <a:t>Update the </a:t>
-            </a:r>
-            <a:r>
-              <a:rPr lang="en"/>
-              <a:t>main(number_of_stories,wall_length) f</a:t>
-            </a:r>
-            <a:r>
-              <a:rPr lang="en"/>
-              <a:t>unction to accept 2 arguments.</a:t>
-            </a:r>
-          </a:p>
-          <a:p>
-            <a:pPr indent="-228600" lvl="0" marL="457200" rtl="0">
-              <a:spcBef>
-                <a:spcPts val="0"/>
-              </a:spcBef>
-              <a:buAutoNum type="arabicPeriod"/>
-            </a:pPr>
-            <a:r>
-              <a:rPr lang="en"/>
-              <a:t>Pass the arguments to the new main(args[1],args[2]) function.</a:t>
-            </a:r>
-          </a:p>
-          <a:p>
-            <a:pPr lvl="0" rtl="0">
-              <a:spcBef>
-                <a:spcPts val="0"/>
-              </a:spcBef>
-              <a:buNone/>
-            </a:pPr>
-            <a:r>
-              <a:rPr lang="en"/>
-              <a:t>Solution: In the Turtle “pastebin get ceFGB85S step7” &lt;enter&gt; step7 &lt;enter&gt;</a:t>
-            </a:r>
-          </a:p>
-          <a:p>
-            <a:pPr lvl="0">
-              <a:spcBef>
-                <a:spcPts val="0"/>
-              </a:spcBef>
-              <a:buNone/>
-            </a:pPr>
-            <a:r>
               <a:t/>
             </a:r>
-            <a:endParaRPr/>
+            <a:endParaRPr sz="1400"/>
           </a:p>
         </p:txBody>
       </p:sp>
+      <p:pic>
+        <p:nvPicPr>
+          <p:cNvPr id="235" name="Shape 235"/>
+          <p:cNvPicPr preferRelativeResize="0"/>
+          <p:nvPr/>
+        </p:nvPicPr>
+        <p:blipFill>
+          <a:blip r:embed="rId10">
+            <a:alphaModFix/>
+          </a:blip>
+          <a:stretch>
+            <a:fillRect/>
+          </a:stretch>
+        </p:blipFill>
+        <p:spPr>
+          <a:xfrm>
+            <a:off x="5514699" y="1430300"/>
+            <a:ext cx="3093350" cy="2079199"/>
+          </a:xfrm>
+          <a:prstGeom prst="rect">
+            <a:avLst/>
+          </a:prstGeom>
+          <a:noFill/>
+          <a:ln>
+            <a:noFill/>
+          </a:ln>
+        </p:spPr>
+      </p:pic>
     </p:spTree>
   </p:cSld>
   <p:clrMapOvr>
@@ -14129,289 +14030,6 @@
           </a:p>
         </p:txBody>
       </p:sp>
-    </p:spTree>
-  </p:cSld>
-  <p:clrMapOvr>
-    <a:masterClrMapping/>
-  </p:clrMapOvr>
-</p:sld>
-</file>
-
-<file path=ppt/slides/slide30.xml><?xml version="1.0" encoding="utf-8"?>
-<p:sld xmlns:a="http://schemas.openxmlformats.org/drawingml/2006/main" xmlns:r="http://schemas.openxmlformats.org/officeDocument/2006/relationships" xmlns:mc="http://schemas.openxmlformats.org/markup-compatibility/2006" xmlns:mv="urn:schemas-microsoft-com:mac:vml" xmlns:p="http://schemas.openxmlformats.org/presentationml/2006/main" xmlns:c="http://schemas.openxmlformats.org/drawingml/2006/chart" xmlns:dgm="http://schemas.openxmlformats.org/drawingml/2006/diagram" xmlns:o="urn:schemas-microsoft-com:office:office" xmlns:v="urn:schemas-microsoft-com:vml" xmlns:pvml="urn:schemas-microsoft-com:office:powerpoint" xmlns:com="http://schemas.openxmlformats.org/drawingml/2006/compatibility" xmlns:p14="http://schemas.microsoft.com/office/powerpoint/2010/main" xmlns:p15="http://schemas.microsoft.com/office/powerpoint/2012/main">
-  <p:cSld>
-    <p:spTree>
-      <p:nvGrpSpPr>
-        <p:cNvPr id="238" name="Shape 238"/>
-        <p:cNvGrpSpPr/>
-        <p:nvPr/>
-      </p:nvGrpSpPr>
-      <p:grpSpPr>
-        <a:xfrm>
-          <a:off x="0" y="0"/>
-          <a:ext cx="0" cy="0"/>
-          <a:chOff x="0" y="0"/>
-          <a:chExt cx="0" cy="0"/>
-        </a:xfrm>
-      </p:grpSpPr>
-      <p:sp>
-        <p:nvSpPr>
-          <p:cNvPr id="239" name="Shape 239"/>
-          <p:cNvSpPr txBox="1"/>
-          <p:nvPr>
-            <p:ph type="title"/>
-          </p:nvPr>
-        </p:nvSpPr>
-        <p:spPr>
-          <a:xfrm>
-            <a:off x="311700" y="416600"/>
-            <a:ext cx="8520600" cy="572700"/>
-          </a:xfrm>
-          <a:prstGeom prst="rect">
-            <a:avLst/>
-          </a:prstGeom>
-        </p:spPr>
-        <p:txBody>
-          <a:bodyPr anchorCtr="0" anchor="t" bIns="91425" lIns="91425" rIns="91425" tIns="91425">
-            <a:noAutofit/>
-          </a:bodyPr>
-          <a:lstStyle/>
-          <a:p>
-            <a:pPr lvl="0">
-              <a:spcBef>
-                <a:spcPts val="0"/>
-              </a:spcBef>
-              <a:buNone/>
-            </a:pPr>
-            <a:r>
-              <a:rPr lang="en"/>
-              <a:t>Resources and Links</a:t>
-            </a:r>
-          </a:p>
-          <a:p>
-            <a:pPr lvl="0">
-              <a:spcBef>
-                <a:spcPts val="0"/>
-              </a:spcBef>
-              <a:buNone/>
-            </a:pPr>
-            <a:r>
-              <a:t/>
-            </a:r>
-            <a:endParaRPr/>
-          </a:p>
-        </p:txBody>
-      </p:sp>
-      <p:sp>
-        <p:nvSpPr>
-          <p:cNvPr id="240" name="Shape 240"/>
-          <p:cNvSpPr txBox="1"/>
-          <p:nvPr>
-            <p:ph idx="1" type="body"/>
-          </p:nvPr>
-        </p:nvSpPr>
-        <p:spPr>
-          <a:xfrm>
-            <a:off x="226450" y="939575"/>
-            <a:ext cx="8520600" cy="3547500"/>
-          </a:xfrm>
-          <a:prstGeom prst="rect">
-            <a:avLst/>
-          </a:prstGeom>
-        </p:spPr>
-        <p:txBody>
-          <a:bodyPr anchorCtr="0" anchor="t" bIns="91425" lIns="91425" rIns="91425" tIns="91425">
-            <a:noAutofit/>
-          </a:bodyPr>
-          <a:lstStyle/>
-          <a:p>
-            <a:pPr lvl="0">
-              <a:spcBef>
-                <a:spcPts val="0"/>
-              </a:spcBef>
-              <a:buNone/>
-            </a:pPr>
-            <a:r>
-              <a:rPr lang="en"/>
-              <a:t>Lua: </a:t>
-            </a:r>
-            <a:r>
-              <a:rPr lang="en" u="sng">
-                <a:solidFill>
-                  <a:schemeClr val="hlink"/>
-                </a:solidFill>
-                <a:hlinkClick r:id="rId3"/>
-              </a:rPr>
-              <a:t>en.wikipedia.org/wiki/Lua_(programming_language)Turtle</a:t>
-            </a:r>
-            <a:br>
-              <a:rPr lang="en"/>
-            </a:br>
-            <a:r>
-              <a:rPr lang="en"/>
-              <a:t>MineCraft: </a:t>
-            </a:r>
-            <a:r>
-              <a:rPr lang="en" u="sng">
-                <a:solidFill>
-                  <a:schemeClr val="hlink"/>
-                </a:solidFill>
-                <a:hlinkClick r:id="rId4"/>
-              </a:rPr>
-              <a:t>minecraft.net/en-us/</a:t>
-            </a:r>
-            <a:br>
-              <a:rPr lang="en"/>
-            </a:br>
-            <a:r>
-              <a:rPr lang="en"/>
-              <a:t>ComputerCraft: </a:t>
-            </a:r>
-            <a:r>
-              <a:rPr lang="en" u="sng">
-                <a:solidFill>
-                  <a:schemeClr val="hlink"/>
-                </a:solidFill>
-                <a:hlinkClick r:id="rId5"/>
-              </a:rPr>
-              <a:t>www.computercraft.info/download/</a:t>
-            </a:r>
-            <a:r>
-              <a:rPr lang="en"/>
-              <a:t> </a:t>
-            </a:r>
-            <a:br>
-              <a:rPr lang="en"/>
-            </a:br>
-            <a:r>
-              <a:rPr lang="en"/>
-              <a:t>Technic ModPack - </a:t>
-            </a:r>
-            <a:r>
-              <a:rPr lang="en" u="sng">
-                <a:solidFill>
-                  <a:schemeClr val="hlink"/>
-                </a:solidFill>
-                <a:hlinkClick r:id="rId6"/>
-              </a:rPr>
-              <a:t>www.technicpack.net</a:t>
-            </a:r>
-            <a:r>
-              <a:rPr lang="en"/>
-              <a:t> </a:t>
-            </a:r>
-            <a:br>
-              <a:rPr lang="en"/>
-            </a:br>
-            <a:r>
-              <a:rPr lang="en"/>
-              <a:t>Turtle API: </a:t>
-            </a:r>
-            <a:r>
-              <a:rPr lang="en" u="sng">
-                <a:solidFill>
-                  <a:schemeClr val="hlink"/>
-                </a:solidFill>
-                <a:hlinkClick r:id="rId7"/>
-              </a:rPr>
-              <a:t>computercraft.info/wiki/Turtle_(API)</a:t>
-            </a:r>
-            <a:br>
-              <a:rPr b="1" lang="en"/>
-            </a:br>
-            <a:r>
-              <a:rPr b="1" lang="en" u="sng"/>
-              <a:t>Solution Program and Slides:</a:t>
-            </a:r>
-            <a:br>
-              <a:rPr b="1" lang="en"/>
-            </a:br>
-            <a:r>
-              <a:rPr b="1" lang="en"/>
-              <a:t>pastebin get dzwc8Vu0 buildCabin</a:t>
-            </a:r>
-            <a:br>
-              <a:rPr b="1" lang="en"/>
-            </a:br>
-            <a:r>
-              <a:rPr lang="en"/>
-              <a:t>PasteBin: </a:t>
-            </a:r>
-            <a:r>
-              <a:rPr lang="en" u="sng">
-                <a:solidFill>
-                  <a:schemeClr val="hlink"/>
-                </a:solidFill>
-                <a:hlinkClick r:id="rId8"/>
-              </a:rPr>
-              <a:t>https://pastebin.com/u/rvonruden</a:t>
-            </a:r>
-            <a:br>
-              <a:rPr lang="en"/>
-            </a:br>
-            <a:r>
-              <a:rPr lang="en"/>
-              <a:t>GitHub: </a:t>
-            </a:r>
-            <a:r>
-              <a:rPr lang="en" u="sng">
-                <a:solidFill>
-                  <a:schemeClr val="hlink"/>
-                </a:solidFill>
-                <a:hlinkClick r:id="rId9"/>
-              </a:rPr>
-              <a:t>https://github.com/RebeccaVonRuden/ThatConference-2017</a:t>
-            </a:r>
-            <a:br>
-              <a:rPr lang="en"/>
-            </a:br>
-            <a:r>
-              <a:rPr lang="en"/>
-              <a:t>Contact: rebecca@vonruden.info</a:t>
-            </a:r>
-          </a:p>
-          <a:p>
-            <a:pPr lvl="0" rtl="0">
-              <a:spcBef>
-                <a:spcPts val="0"/>
-              </a:spcBef>
-              <a:buNone/>
-            </a:pPr>
-            <a:r>
-              <a:t/>
-            </a:r>
-            <a:endParaRPr sz="1400"/>
-          </a:p>
-        </p:txBody>
-      </p:sp>
-      <p:pic>
-        <p:nvPicPr>
-          <p:cNvPr id="241" name="Shape 241"/>
-          <p:cNvPicPr preferRelativeResize="0"/>
-          <p:nvPr/>
-        </p:nvPicPr>
-        <p:blipFill>
-          <a:blip r:embed="rId10">
-            <a:alphaModFix/>
-          </a:blip>
-          <a:stretch>
-            <a:fillRect/>
-          </a:stretch>
-        </p:blipFill>
-        <p:spPr>
-          <a:xfrm>
-            <a:off x="5514699" y="1430300"/>
-            <a:ext cx="3093350" cy="2079199"/>
-          </a:xfrm>
-          <a:prstGeom prst="rect">
-            <a:avLst/>
-          </a:prstGeom>
-          <a:noFill/>
-          <a:ln>
-            <a:noFill/>
-          </a:ln>
-        </p:spPr>
-      </p:pic>
     </p:spTree>
   </p:cSld>
   <p:clrMapOvr>

--- a/MinecraftComputerCraftLua2017.pptx
+++ b/MinecraftComputerCraftLua2017.pptx
@@ -1169,9 +1169,9 @@
               <a:buNone/>
             </a:pPr>
             <a:r>
-              <a:t/>
-            </a:r>
-            <a:endParaRPr/>
+              <a:rPr lang="en"/>
+              <a:t>Turtles need Fuel to Move….</a:t>
+            </a:r>
           </a:p>
         </p:txBody>
       </p:sp>
@@ -2204,9 +2204,9 @@
               <a:buNone/>
             </a:pPr>
             <a:r>
-              <a:t/>
-            </a:r>
-            <a:endParaRPr/>
+              <a:rPr lang="en"/>
+              <a:t>E is for Inventory in Turtle.</a:t>
+            </a:r>
           </a:p>
           <a:p>
             <a:pPr lvl="0">
@@ -11241,7 +11241,7 @@
                   <a:srgbClr val="000000"/>
                 </a:solidFill>
                 <a:highlight>
-                  <a:srgbClr val="FFFF00"/>
+                  <a:srgbClr val="FFF2CC"/>
                 </a:highlight>
                 <a:latin typeface="Courier New"/>
                 <a:ea typeface="Courier New"/>
@@ -11270,7 +11270,7 @@
                   <a:srgbClr val="000000"/>
                 </a:solidFill>
                 <a:highlight>
-                  <a:srgbClr val="FFFF00"/>
+                  <a:srgbClr val="FFF2CC"/>
                 </a:highlight>
                 <a:latin typeface="Courier New"/>
                 <a:ea typeface="Courier New"/>
@@ -11336,6 +11336,203 @@
           <p:cNvPr id="167" name="Shape 167"/>
           <p:cNvSpPr txBox="1"/>
           <p:nvPr>
+            <p:ph idx="1" type="body"/>
+          </p:nvPr>
+        </p:nvSpPr>
+        <p:spPr>
+          <a:xfrm>
+            <a:off x="311700" y="1152475"/>
+            <a:ext cx="8520600" cy="3416400"/>
+          </a:xfrm>
+          <a:prstGeom prst="rect">
+            <a:avLst/>
+          </a:prstGeom>
+        </p:spPr>
+        <p:txBody>
+          <a:bodyPr anchorCtr="0" anchor="t" bIns="91425" lIns="91425" rIns="91425" tIns="91425">
+            <a:noAutofit/>
+          </a:bodyPr>
+          <a:lstStyle/>
+          <a:p>
+            <a:pPr lvl="0" rtl="0">
+              <a:spcBef>
+                <a:spcPts val="0"/>
+              </a:spcBef>
+              <a:buNone/>
+            </a:pPr>
+            <a:r>
+              <a:rPr lang="en" sz="1600"/>
+              <a:t>Minecraft must be installed</a:t>
+            </a:r>
+            <a:br>
+              <a:rPr lang="en" sz="1600"/>
+            </a:br>
+            <a:r>
+              <a:rPr lang="en" sz="1400">
+                <a:solidFill>
+                  <a:srgbClr val="608B4E"/>
+                </a:solidFill>
+                <a:latin typeface="Courier New"/>
+                <a:ea typeface="Courier New"/>
+                <a:cs typeface="Courier New"/>
+                <a:sym typeface="Courier New"/>
+              </a:rPr>
+              <a:t>-- You will need minecraft to create your own that cabin</a:t>
+            </a:r>
+            <a:br>
+              <a:rPr lang="en" sz="1400">
+                <a:solidFill>
+                  <a:srgbClr val="608B4E"/>
+                </a:solidFill>
+                <a:latin typeface="Courier New"/>
+                <a:ea typeface="Courier New"/>
+                <a:cs typeface="Courier New"/>
+                <a:sym typeface="Courier New"/>
+              </a:rPr>
+            </a:br>
+            <a:br>
+              <a:rPr lang="en" sz="1400">
+                <a:solidFill>
+                  <a:srgbClr val="608B4E"/>
+                </a:solidFill>
+                <a:latin typeface="Courier New"/>
+                <a:ea typeface="Courier New"/>
+                <a:cs typeface="Courier New"/>
+                <a:sym typeface="Courier New"/>
+              </a:rPr>
+            </a:br>
+            <a:r>
+              <a:rPr lang="en" sz="1600"/>
+              <a:t>Technicpack  : is a platform where you can create and share minecraft mods in minutes</a:t>
+            </a:r>
+            <a:br>
+              <a:rPr lang="en" sz="1600"/>
+            </a:br>
+            <a:r>
+              <a:rPr lang="en" sz="1600"/>
+              <a:t>Pastebin : </a:t>
+            </a:r>
+            <a:r>
+              <a:rPr lang="en" sz="1600"/>
+              <a:t>is required to edit your Lua programs and easier than typing into your turtle directly.</a:t>
+            </a:r>
+            <a:br>
+              <a:rPr lang="en" sz="1600"/>
+            </a:br>
+            <a:r>
+              <a:rPr lang="en" sz="1400">
+                <a:solidFill>
+                  <a:srgbClr val="608B4E"/>
+                </a:solidFill>
+                <a:latin typeface="Courier New"/>
+                <a:ea typeface="Courier New"/>
+                <a:cs typeface="Courier New"/>
+                <a:sym typeface="Courier New"/>
+              </a:rPr>
+              <a:t>-- Computercraft has built in integration with pastebin</a:t>
+            </a:r>
+            <a:br>
+              <a:rPr lang="en" sz="1400">
+                <a:solidFill>
+                  <a:srgbClr val="608B4E"/>
+                </a:solidFill>
+                <a:latin typeface="Courier New"/>
+                <a:ea typeface="Courier New"/>
+                <a:cs typeface="Courier New"/>
+                <a:sym typeface="Courier New"/>
+              </a:rPr>
+            </a:br>
+            <a:r>
+              <a:rPr lang="en" sz="1400">
+                <a:solidFill>
+                  <a:srgbClr val="608B4E"/>
+                </a:solidFill>
+                <a:latin typeface="Courier New"/>
+                <a:ea typeface="Courier New"/>
+                <a:cs typeface="Courier New"/>
+                <a:sym typeface="Courier New"/>
+              </a:rPr>
+              <a:t>-- Turtle:    </a:t>
+            </a:r>
+            <a:r>
+              <a:rPr lang="en" sz="1400">
+                <a:solidFill>
+                  <a:srgbClr val="000000"/>
+                </a:solidFill>
+                <a:highlight>
+                  <a:srgbClr val="FFF2CC"/>
+                </a:highlight>
+                <a:latin typeface="Courier New"/>
+                <a:ea typeface="Courier New"/>
+                <a:cs typeface="Courier New"/>
+                <a:sym typeface="Courier New"/>
+              </a:rPr>
+              <a:t>pastebin get dzwc8Vu0 buildCabin</a:t>
+            </a:r>
+            <a:br>
+              <a:rPr lang="en" sz="1400">
+                <a:solidFill>
+                  <a:srgbClr val="000000"/>
+                </a:solidFill>
+                <a:highlight>
+                  <a:srgbClr val="FFF2CC"/>
+                </a:highlight>
+                <a:latin typeface="Courier New"/>
+                <a:ea typeface="Courier New"/>
+                <a:cs typeface="Courier New"/>
+                <a:sym typeface="Courier New"/>
+              </a:rPr>
+            </a:br>
+            <a:r>
+              <a:rPr lang="en" sz="1400">
+                <a:solidFill>
+                  <a:srgbClr val="608B4E"/>
+                </a:solidFill>
+                <a:latin typeface="Courier New"/>
+                <a:ea typeface="Courier New"/>
+                <a:cs typeface="Courier New"/>
+                <a:sym typeface="Courier New"/>
+              </a:rPr>
+              <a:t>-- Pastebin:: </a:t>
+            </a:r>
+            <a:r>
+              <a:rPr lang="en" sz="1400">
+                <a:solidFill>
+                  <a:srgbClr val="000000"/>
+                </a:solidFill>
+                <a:highlight>
+                  <a:srgbClr val="FFF2CC"/>
+                </a:highlight>
+                <a:latin typeface="Courier New"/>
+                <a:ea typeface="Courier New"/>
+                <a:cs typeface="Courier New"/>
+                <a:sym typeface="Courier New"/>
+              </a:rPr>
+              <a:t> https://pastebin.com/u/rvonruden</a:t>
+            </a:r>
+          </a:p>
+          <a:p>
+            <a:pPr lvl="0">
+              <a:spcBef>
+                <a:spcPts val="0"/>
+              </a:spcBef>
+              <a:buNone/>
+            </a:pPr>
+            <a:r>
+              <a:rPr lang="en"/>
+              <a:t>Visual Studio Code : is an option to edit your Lua programs, still need Pastebin.</a:t>
+            </a:r>
+            <a:br>
+              <a:rPr lang="en"/>
+            </a:br>
+          </a:p>
+        </p:txBody>
+      </p:sp>
+      <p:sp>
+        <p:nvSpPr>
+          <p:cNvPr id="168" name="Shape 168"/>
+          <p:cNvSpPr txBox="1"/>
+          <p:nvPr>
             <p:ph type="title"/>
           </p:nvPr>
         </p:nvSpPr>
@@ -11364,162 +11561,6 @@
               <a:rPr lang="en"/>
               <a:t>Minecraft, Minecraft Mods, Tools</a:t>
             </a:r>
-          </a:p>
-        </p:txBody>
-      </p:sp>
-      <p:sp>
-        <p:nvSpPr>
-          <p:cNvPr id="168" name="Shape 168"/>
-          <p:cNvSpPr txBox="1"/>
-          <p:nvPr>
-            <p:ph idx="1" type="body"/>
-          </p:nvPr>
-        </p:nvSpPr>
-        <p:spPr>
-          <a:xfrm>
-            <a:off x="311700" y="1152475"/>
-            <a:ext cx="8520600" cy="3416400"/>
-          </a:xfrm>
-          <a:prstGeom prst="rect">
-            <a:avLst/>
-          </a:prstGeom>
-        </p:spPr>
-        <p:txBody>
-          <a:bodyPr anchorCtr="0" anchor="t" bIns="91425" lIns="91425" rIns="91425" tIns="91425">
-            <a:noAutofit/>
-          </a:bodyPr>
-          <a:lstStyle/>
-          <a:p>
-            <a:pPr lvl="0" rtl="0">
-              <a:spcBef>
-                <a:spcPts val="0"/>
-              </a:spcBef>
-              <a:buNone/>
-            </a:pPr>
-            <a:r>
-              <a:rPr lang="en" sz="1600"/>
-              <a:t>Minecraft must be installed</a:t>
-            </a:r>
-            <a:br>
-              <a:rPr lang="en" sz="1600"/>
-            </a:br>
-            <a:r>
-              <a:rPr lang="en" sz="1400">
-                <a:solidFill>
-                  <a:srgbClr val="608B4E"/>
-                </a:solidFill>
-                <a:latin typeface="Courier New"/>
-                <a:ea typeface="Courier New"/>
-                <a:cs typeface="Courier New"/>
-                <a:sym typeface="Courier New"/>
-              </a:rPr>
-              <a:t>-- You will need minecraft to create your own that cabin</a:t>
-            </a:r>
-            <a:br>
-              <a:rPr lang="en" sz="1400">
-                <a:solidFill>
-                  <a:srgbClr val="608B4E"/>
-                </a:solidFill>
-                <a:latin typeface="Courier New"/>
-                <a:ea typeface="Courier New"/>
-                <a:cs typeface="Courier New"/>
-                <a:sym typeface="Courier New"/>
-              </a:rPr>
-            </a:br>
-            <a:br>
-              <a:rPr lang="en" sz="1400">
-                <a:solidFill>
-                  <a:srgbClr val="608B4E"/>
-                </a:solidFill>
-                <a:latin typeface="Courier New"/>
-                <a:ea typeface="Courier New"/>
-                <a:cs typeface="Courier New"/>
-                <a:sym typeface="Courier New"/>
-              </a:rPr>
-            </a:br>
-            <a:r>
-              <a:rPr lang="en" sz="1600"/>
-              <a:t>Technicpack  : is a platform where you can create and share minecraft mods in minutes</a:t>
-            </a:r>
-            <a:br>
-              <a:rPr lang="en" sz="1600"/>
-            </a:br>
-            <a:r>
-              <a:rPr lang="en" sz="1600"/>
-              <a:t>Pastebin : </a:t>
-            </a:r>
-            <a:r>
-              <a:rPr lang="en" sz="1600"/>
-              <a:t>is required to edit your Lua programs and easier than typing into your turtle directly.</a:t>
-            </a:r>
-            <a:br>
-              <a:rPr lang="en" sz="1600"/>
-            </a:br>
-            <a:r>
-              <a:rPr lang="en" sz="1400">
-                <a:solidFill>
-                  <a:srgbClr val="608B4E"/>
-                </a:solidFill>
-                <a:latin typeface="Courier New"/>
-                <a:ea typeface="Courier New"/>
-                <a:cs typeface="Courier New"/>
-                <a:sym typeface="Courier New"/>
-              </a:rPr>
-              <a:t>-- Computercraft has built in integration with pastebin</a:t>
-            </a:r>
-            <a:br>
-              <a:rPr lang="en" sz="1400">
-                <a:solidFill>
-                  <a:srgbClr val="608B4E"/>
-                </a:solidFill>
-                <a:latin typeface="Courier New"/>
-                <a:ea typeface="Courier New"/>
-                <a:cs typeface="Courier New"/>
-                <a:sym typeface="Courier New"/>
-              </a:rPr>
-            </a:br>
-            <a:r>
-              <a:rPr lang="en" sz="1400">
-                <a:solidFill>
-                  <a:srgbClr val="608B4E"/>
-                </a:solidFill>
-                <a:latin typeface="Courier New"/>
-                <a:ea typeface="Courier New"/>
-                <a:cs typeface="Courier New"/>
-                <a:sym typeface="Courier New"/>
-              </a:rPr>
-              <a:t>-- </a:t>
-            </a:r>
-            <a:r>
-              <a:rPr lang="en" sz="1400">
-                <a:solidFill>
-                  <a:srgbClr val="000000"/>
-                </a:solidFill>
-                <a:highlight>
-                  <a:srgbClr val="FFFF00"/>
-                </a:highlight>
-                <a:latin typeface="Courier New"/>
-                <a:ea typeface="Courier New"/>
-                <a:cs typeface="Courier New"/>
-                <a:sym typeface="Courier New"/>
-              </a:rPr>
-              <a:t>pastebin get dzwc8Vu0 buildCabin</a:t>
-            </a:r>
-          </a:p>
-          <a:p>
-            <a:pPr lvl="0">
-              <a:spcBef>
-                <a:spcPts val="0"/>
-              </a:spcBef>
-              <a:buNone/>
-            </a:pPr>
-            <a:r>
-              <a:rPr lang="en"/>
-              <a:t>Visual Studio Code : is an option to edit your Lua programs, still need Pastebin.</a:t>
-            </a:r>
-            <a:br>
-              <a:rPr lang="en"/>
-            </a:br>
           </a:p>
         </p:txBody>
       </p:sp>
@@ -15861,7 +15902,7 @@
                   <a:srgbClr val="000000"/>
                 </a:solidFill>
                 <a:highlight>
-                  <a:srgbClr val="FFFF00"/>
+                  <a:srgbClr val="FFF2CC"/>
                 </a:highlight>
                 <a:latin typeface="Courier New"/>
                 <a:ea typeface="Courier New"/>
@@ -16055,6 +16096,285 @@
 </file>
 
 <file path=ppt/theme/theme1.xml><?xml version="1.0" encoding="utf-8"?>
+<a:theme xmlns:a="http://schemas.openxmlformats.org/drawingml/2006/main" xmlns:r="http://schemas.openxmlformats.org/officeDocument/2006/relationships" name="Custom Theme">
+  <a:themeElements>
+    <a:clrScheme name="Default">
+      <a:dk1>
+        <a:srgbClr val="000000"/>
+      </a:dk1>
+      <a:lt1>
+        <a:srgbClr val="FFFFFF"/>
+      </a:lt1>
+      <a:dk2>
+        <a:srgbClr val="158158"/>
+      </a:dk2>
+      <a:lt2>
+        <a:srgbClr val="F3F3F3"/>
+      </a:lt2>
+      <a:accent1>
+        <a:srgbClr val="058DC7"/>
+      </a:accent1>
+      <a:accent2>
+        <a:srgbClr val="50B432"/>
+      </a:accent2>
+      <a:accent3>
+        <a:srgbClr val="ED561B"/>
+      </a:accent3>
+      <a:accent4>
+        <a:srgbClr val="EDEF00"/>
+      </a:accent4>
+      <a:accent5>
+        <a:srgbClr val="24CBE5"/>
+      </a:accent5>
+      <a:accent6>
+        <a:srgbClr val="64E572"/>
+      </a:accent6>
+      <a:hlink>
+        <a:srgbClr val="2200CC"/>
+      </a:hlink>
+      <a:folHlink>
+        <a:srgbClr val="551A8B"/>
+      </a:folHlink>
+    </a:clrScheme>
+    <a:fontScheme name="Office">
+      <a:majorFont>
+        <a:latin typeface="Arial"/>
+        <a:ea typeface=""/>
+        <a:cs typeface=""/>
+        <a:font script="Jpan" typeface="ＭＳ Ｐゴシック"/>
+        <a:font script="Hang" typeface="맑은 고딕"/>
+        <a:font script="Hans" typeface="宋体"/>
+        <a:font script="Hant" typeface="新細明體"/>
+        <a:font script="Arab" typeface="Times New Roman"/>
+        <a:font script="Hebr" typeface="Times New Roman"/>
+        <a:font script="Thai" typeface="Angsana New"/>
+        <a:font script="Ethi" typeface="Nyala"/>
+        <a:font script="Beng" typeface="Vrinda"/>
+        <a:font script="Gujr" typeface="Shruti"/>
+        <a:font script="Khmr" typeface="MoolBoran"/>
+        <a:font script="Knda" typeface="Tunga"/>
+        <a:font script="Guru" typeface="Raavi"/>
+        <a:font script="Cans" typeface="Euphemia"/>
+        <a:font script="Cher" typeface="Plantagenet Cherokee"/>
+        <a:font script="Yiii" typeface="Microsoft Yi Baiti"/>
+        <a:font script="Tibt" typeface="Microsoft Himalaya"/>
+        <a:font script="Thaa" typeface="MV Boli"/>
+        <a:font script="Deva" typeface="Mangal"/>
+        <a:font script="Telu" typeface="Gautami"/>
+        <a:font script="Taml" typeface="Latha"/>
+        <a:font script="Syrc" typeface="Estrangelo Edessa"/>
+        <a:font script="Orya" typeface="Kalinga"/>
+        <a:font script="Mlym" typeface="Kartika"/>
+        <a:font script="Laoo" typeface="DokChampa"/>
+        <a:font script="Sinh" typeface="Iskoola Pota"/>
+        <a:font script="Mong" typeface="Mongolian Baiti"/>
+        <a:font script="Viet" typeface="Times New Roman"/>
+        <a:font script="Uigh" typeface="Microsoft Uighur"/>
+        <a:font script="Geor" typeface="Sylfaen"/>
+      </a:majorFont>
+      <a:minorFont>
+        <a:latin typeface="Arial"/>
+        <a:ea typeface=""/>
+        <a:cs typeface=""/>
+        <a:font script="Jpan" typeface="ＭＳ Ｐゴシック"/>
+        <a:font script="Hang" typeface="맑은 고딕"/>
+        <a:font script="Hans" typeface="宋体"/>
+        <a:font script="Hant" typeface="新細明體"/>
+        <a:font script="Arab" typeface="Arial"/>
+        <a:font script="Hebr" typeface="Arial"/>
+        <a:font script="Thai" typeface="Cordia New"/>
+        <a:font script="Ethi" typeface="Nyala"/>
+        <a:font script="Beng" typeface="Vrinda"/>
+        <a:font script="Gujr" typeface="Shruti"/>
+        <a:font script="Khmr" typeface="DaunPenh"/>
+        <a:font script="Knda" typeface="Tunga"/>
+        <a:font script="Guru" typeface="Raavi"/>
+        <a:font script="Cans" typeface="Euphemia"/>
+        <a:font script="Cher" typeface="Plantagenet Cherokee"/>
+        <a:font script="Yiii" typeface="Microsoft Yi Baiti"/>
+        <a:font script="Tibt" typeface="Microsoft Himalaya"/>
+        <a:font script="Thaa" typeface="MV Boli"/>
+        <a:font script="Deva" typeface="Mangal"/>
+        <a:font script="Telu" typeface="Gautami"/>
+        <a:font script="Taml" typeface="Latha"/>
+        <a:font script="Syrc" typeface="Estrangelo Edessa"/>
+        <a:font script="Orya" typeface="Kalinga"/>
+        <a:font script="Mlym" typeface="Kartika"/>
+        <a:font script="Laoo" typeface="DokChampa"/>
+        <a:font script="Sinh" typeface="Iskoola Pota"/>
+        <a:font script="Mong" typeface="Mongolian Baiti"/>
+        <a:font script="Viet" typeface="Arial"/>
+        <a:font script="Uigh" typeface="Microsoft Uighur"/>
+        <a:font script="Geor" typeface="Sylfaen"/>
+      </a:minorFont>
+    </a:fontScheme>
+    <a:fmtScheme name="Office">
+      <a:fillStyleLst>
+        <a:solidFill>
+          <a:schemeClr val="phClr"/>
+        </a:solidFill>
+        <a:gradFill rotWithShape="1">
+          <a:gsLst>
+            <a:gs pos="0">
+              <a:schemeClr val="phClr">
+                <a:tint val="50000"/>
+                <a:satMod val="300000"/>
+              </a:schemeClr>
+            </a:gs>
+            <a:gs pos="35000">
+              <a:schemeClr val="phClr">
+                <a:tint val="37000"/>
+                <a:satMod val="300000"/>
+              </a:schemeClr>
+            </a:gs>
+            <a:gs pos="100000">
+              <a:schemeClr val="phClr">
+                <a:tint val="15000"/>
+                <a:satMod val="350000"/>
+              </a:schemeClr>
+            </a:gs>
+          </a:gsLst>
+          <a:lin ang="16200000" scaled="1"/>
+        </a:gradFill>
+        <a:gradFill rotWithShape="1">
+          <a:gsLst>
+            <a:gs pos="0">
+              <a:schemeClr val="phClr">
+                <a:tint val="100000"/>
+                <a:shade val="100000"/>
+                <a:satMod val="130000"/>
+              </a:schemeClr>
+            </a:gs>
+            <a:gs pos="100000">
+              <a:schemeClr val="phClr">
+                <a:tint val="50000"/>
+                <a:shade val="100000"/>
+                <a:satMod val="350000"/>
+              </a:schemeClr>
+            </a:gs>
+          </a:gsLst>
+          <a:lin ang="16200000" scaled="0"/>
+        </a:gradFill>
+      </a:fillStyleLst>
+      <a:lnStyleLst>
+        <a:ln w="9525" cap="flat" cmpd="sng" algn="ctr">
+          <a:solidFill>
+            <a:schemeClr val="phClr">
+              <a:shade val="95000"/>
+              <a:satMod val="105000"/>
+            </a:schemeClr>
+          </a:solidFill>
+          <a:prstDash val="solid"/>
+        </a:ln>
+        <a:ln w="25400" cap="flat" cmpd="sng" algn="ctr">
+          <a:solidFill>
+            <a:schemeClr val="phClr"/>
+          </a:solidFill>
+          <a:prstDash val="solid"/>
+        </a:ln>
+        <a:ln w="38100" cap="flat" cmpd="sng" algn="ctr">
+          <a:solidFill>
+            <a:schemeClr val="phClr"/>
+          </a:solidFill>
+          <a:prstDash val="solid"/>
+        </a:ln>
+      </a:lnStyleLst>
+      <a:effectStyleLst>
+        <a:effectStyle>
+          <a:effectLst>
+            <a:outerShdw blurRad="40000" dist="20000" dir="5400000" rotWithShape="0">
+              <a:srgbClr val="000000">
+                <a:alpha val="38000"/>
+              </a:srgbClr>
+            </a:outerShdw>
+          </a:effectLst>
+        </a:effectStyle>
+        <a:effectStyle>
+          <a:effectLst>
+            <a:outerShdw blurRad="40000" dist="23000" dir="5400000" rotWithShape="0">
+              <a:srgbClr val="000000">
+                <a:alpha val="35000"/>
+              </a:srgbClr>
+            </a:outerShdw>
+          </a:effectLst>
+        </a:effectStyle>
+        <a:effectStyle>
+          <a:effectLst>
+            <a:outerShdw blurRad="40000" dist="23000" dir="5400000" rotWithShape="0">
+              <a:srgbClr val="000000">
+                <a:alpha val="35000"/>
+              </a:srgbClr>
+            </a:outerShdw>
+          </a:effectLst>
+          <a:scene3d>
+            <a:camera prst="orthographicFront">
+              <a:rot lat="0" lon="0" rev="0"/>
+            </a:camera>
+            <a:lightRig rig="threePt" dir="t">
+              <a:rot lat="0" lon="0" rev="1200000"/>
+            </a:lightRig>
+          </a:scene3d>
+          <a:sp3d>
+            <a:bevelT w="63500" h="25400"/>
+          </a:sp3d>
+        </a:effectStyle>
+      </a:effectStyleLst>
+      <a:bgFillStyleLst>
+        <a:solidFill>
+          <a:schemeClr val="phClr"/>
+        </a:solidFill>
+        <a:gradFill rotWithShape="1">
+          <a:gsLst>
+            <a:gs pos="0">
+              <a:schemeClr val="phClr">
+                <a:tint val="40000"/>
+                <a:satMod val="350000"/>
+              </a:schemeClr>
+            </a:gs>
+            <a:gs pos="40000">
+              <a:schemeClr val="phClr">
+                <a:tint val="45000"/>
+                <a:shade val="99000"/>
+                <a:satMod val="350000"/>
+              </a:schemeClr>
+            </a:gs>
+            <a:gs pos="100000">
+              <a:schemeClr val="phClr">
+                <a:shade val="20000"/>
+                <a:satMod val="255000"/>
+              </a:schemeClr>
+            </a:gs>
+          </a:gsLst>
+          <a:path path="circle">
+            <a:fillToRect l="50000" t="-80000" r="50000" b="180000"/>
+          </a:path>
+        </a:gradFill>
+        <a:gradFill rotWithShape="1">
+          <a:gsLst>
+            <a:gs pos="0">
+              <a:schemeClr val="phClr">
+                <a:tint val="80000"/>
+                <a:satMod val="300000"/>
+              </a:schemeClr>
+            </a:gs>
+            <a:gs pos="100000">
+              <a:schemeClr val="phClr">
+                <a:shade val="30000"/>
+                <a:satMod val="200000"/>
+              </a:schemeClr>
+            </a:gs>
+          </a:gsLst>
+          <a:path path="circle">
+            <a:fillToRect l="50000" t="50000" r="50000" b="50000"/>
+          </a:path>
+        </a:gradFill>
+      </a:bgFillStyleLst>
+    </a:fmtScheme>
+  </a:themeElements>
+</a:theme>
+</file>
+
+<file path=ppt/theme/theme2.xml><?xml version="1.0" encoding="utf-8"?>
 <a:theme xmlns:a="http://schemas.openxmlformats.org/drawingml/2006/main" xmlns:r="http://schemas.openxmlformats.org/officeDocument/2006/relationships" name="slate">
   <a:themeElements>
     <a:clrScheme name="Slate">
@@ -16331,283 +16651,4 @@
     </a:fmtScheme>
   </a:themeElements>
 </a:theme>
-</file>
-
-<file path=ppt/theme/theme2.xml><?xml version="1.0" encoding="utf-8"?>
-<a:theme xmlns:a="http://schemas.openxmlformats.org/drawingml/2006/main" xmlns:r="http://schemas.openxmlformats.org/officeDocument/2006/relationships" name="Custom Theme">
-  <a:themeElements>
-    <a:clrScheme name="Default">
-      <a:dk1>
-        <a:srgbClr val="000000"/>
-      </a:dk1>
-      <a:lt1>
-        <a:srgbClr val="FFFFFF"/>
-      </a:lt1>
-      <a:dk2>
-        <a:srgbClr val="158158"/>
-      </a:dk2>
-      <a:lt2>
-        <a:srgbClr val="F3F3F3"/>
-      </a:lt2>
-      <a:accent1>
-        <a:srgbClr val="058DC7"/>
-      </a:accent1>
-      <a:accent2>
-        <a:srgbClr val="50B432"/>
-      </a:accent2>
-      <a:accent3>
-        <a:srgbClr val="ED561B"/>
-      </a:accent3>
-      <a:accent4>
-        <a:srgbClr val="EDEF00"/>
-      </a:accent4>
-      <a:accent5>
-        <a:srgbClr val="24CBE5"/>
-      </a:accent5>
-      <a:accent6>
-        <a:srgbClr val="64E572"/>
-      </a:accent6>
-      <a:hlink>
-        <a:srgbClr val="2200CC"/>
-      </a:hlink>
-      <a:folHlink>
-        <a:srgbClr val="551A8B"/>
-      </a:folHlink>
-    </a:clrScheme>
-    <a:fontScheme name="Office">
-      <a:majorFont>
-        <a:latin typeface="Arial"/>
-        <a:ea typeface=""/>
-        <a:cs typeface=""/>
-        <a:font script="Jpan" typeface="ＭＳ Ｐゴシック"/>
-        <a:font script="Hang" typeface="맑은 고딕"/>
-        <a:font script="Hans" typeface="宋体"/>
-        <a:font script="Hant" typeface="新細明體"/>
-        <a:font script="Arab" typeface="Times New Roman"/>
-        <a:font script="Hebr" typeface="Times New Roman"/>
-        <a:font script="Thai" typeface="Angsana New"/>
-        <a:font script="Ethi" typeface="Nyala"/>
-        <a:font script="Beng" typeface="Vrinda"/>
-        <a:font script="Gujr" typeface="Shruti"/>
-        <a:font script="Khmr" typeface="MoolBoran"/>
-        <a:font script="Knda" typeface="Tunga"/>
-        <a:font script="Guru" typeface="Raavi"/>
-        <a:font script="Cans" typeface="Euphemia"/>
-        <a:font script="Cher" typeface="Plantagenet Cherokee"/>
-        <a:font script="Yiii" typeface="Microsoft Yi Baiti"/>
-        <a:font script="Tibt" typeface="Microsoft Himalaya"/>
-        <a:font script="Thaa" typeface="MV Boli"/>
-        <a:font script="Deva" typeface="Mangal"/>
-        <a:font script="Telu" typeface="Gautami"/>
-        <a:font script="Taml" typeface="Latha"/>
-        <a:font script="Syrc" typeface="Estrangelo Edessa"/>
-        <a:font script="Orya" typeface="Kalinga"/>
-        <a:font script="Mlym" typeface="Kartika"/>
-        <a:font script="Laoo" typeface="DokChampa"/>
-        <a:font script="Sinh" typeface="Iskoola Pota"/>
-        <a:font script="Mong" typeface="Mongolian Baiti"/>
-        <a:font script="Viet" typeface="Times New Roman"/>
-        <a:font script="Uigh" typeface="Microsoft Uighur"/>
-        <a:font script="Geor" typeface="Sylfaen"/>
-      </a:majorFont>
-      <a:minorFont>
-        <a:latin typeface="Arial"/>
-        <a:ea typeface=""/>
-        <a:cs typeface=""/>
-        <a:font script="Jpan" typeface="ＭＳ Ｐゴシック"/>
-        <a:font script="Hang" typeface="맑은 고딕"/>
-        <a:font script="Hans" typeface="宋体"/>
-        <a:font script="Hant" typeface="新細明體"/>
-        <a:font script="Arab" typeface="Arial"/>
-        <a:font script="Hebr" typeface="Arial"/>
-        <a:font script="Thai" typeface="Cordia New"/>
-        <a:font script="Ethi" typeface="Nyala"/>
-        <a:font script="Beng" typeface="Vrinda"/>
-        <a:font script="Gujr" typeface="Shruti"/>
-        <a:font script="Khmr" typeface="DaunPenh"/>
-        <a:font script="Knda" typeface="Tunga"/>
-        <a:font script="Guru" typeface="Raavi"/>
-        <a:font script="Cans" typeface="Euphemia"/>
-        <a:font script="Cher" typeface="Plantagenet Cherokee"/>
-        <a:font script="Yiii" typeface="Microsoft Yi Baiti"/>
-        <a:font script="Tibt" typeface="Microsoft Himalaya"/>
-        <a:font script="Thaa" typeface="MV Boli"/>
-        <a:font script="Deva" typeface="Mangal"/>
-        <a:font script="Telu" typeface="Gautami"/>
-        <a:font script="Taml" typeface="Latha"/>
-        <a:font script="Syrc" typeface="Estrangelo Edessa"/>
-        <a:font script="Orya" typeface="Kalinga"/>
-        <a:font script="Mlym" typeface="Kartika"/>
-        <a:font script="Laoo" typeface="DokChampa"/>
-        <a:font script="Sinh" typeface="Iskoola Pota"/>
-        <a:font script="Mong" typeface="Mongolian Baiti"/>
-        <a:font script="Viet" typeface="Arial"/>
-        <a:font script="Uigh" typeface="Microsoft Uighur"/>
-        <a:font script="Geor" typeface="Sylfaen"/>
-      </a:minorFont>
-    </a:fontScheme>
-    <a:fmtScheme name="Office">
-      <a:fillStyleLst>
-        <a:solidFill>
-          <a:schemeClr val="phClr"/>
-        </a:solidFill>
-        <a:gradFill rotWithShape="1">
-          <a:gsLst>
-            <a:gs pos="0">
-              <a:schemeClr val="phClr">
-                <a:tint val="50000"/>
-                <a:satMod val="300000"/>
-              </a:schemeClr>
-            </a:gs>
-            <a:gs pos="35000">
-              <a:schemeClr val="phClr">
-                <a:tint val="37000"/>
-                <a:satMod val="300000"/>
-              </a:schemeClr>
-            </a:gs>
-            <a:gs pos="100000">
-              <a:schemeClr val="phClr">
-                <a:tint val="15000"/>
-                <a:satMod val="350000"/>
-              </a:schemeClr>
-            </a:gs>
-          </a:gsLst>
-          <a:lin ang="16200000" scaled="1"/>
-        </a:gradFill>
-        <a:gradFill rotWithShape="1">
-          <a:gsLst>
-            <a:gs pos="0">
-              <a:schemeClr val="phClr">
-                <a:tint val="100000"/>
-                <a:shade val="100000"/>
-                <a:satMod val="130000"/>
-              </a:schemeClr>
-            </a:gs>
-            <a:gs pos="100000">
-              <a:schemeClr val="phClr">
-                <a:tint val="50000"/>
-                <a:shade val="100000"/>
-                <a:satMod val="350000"/>
-              </a:schemeClr>
-            </a:gs>
-          </a:gsLst>
-          <a:lin ang="16200000" scaled="0"/>
-        </a:gradFill>
-      </a:fillStyleLst>
-      <a:lnStyleLst>
-        <a:ln w="9525" cap="flat" cmpd="sng" algn="ctr">
-          <a:solidFill>
-            <a:schemeClr val="phClr">
-              <a:shade val="95000"/>
-              <a:satMod val="105000"/>
-            </a:schemeClr>
-          </a:solidFill>
-          <a:prstDash val="solid"/>
-        </a:ln>
-        <a:ln w="25400" cap="flat" cmpd="sng" algn="ctr">
-          <a:solidFill>
-            <a:schemeClr val="phClr"/>
-          </a:solidFill>
-          <a:prstDash val="solid"/>
-        </a:ln>
-        <a:ln w="38100" cap="flat" cmpd="sng" algn="ctr">
-          <a:solidFill>
-            <a:schemeClr val="phClr"/>
-          </a:solidFill>
-          <a:prstDash val="solid"/>
-        </a:ln>
-      </a:lnStyleLst>
-      <a:effectStyleLst>
-        <a:effectStyle>
-          <a:effectLst>
-            <a:outerShdw blurRad="40000" dist="20000" dir="5400000" rotWithShape="0">
-              <a:srgbClr val="000000">
-                <a:alpha val="38000"/>
-              </a:srgbClr>
-            </a:outerShdw>
-          </a:effectLst>
-        </a:effectStyle>
-        <a:effectStyle>
-          <a:effectLst>
-            <a:outerShdw blurRad="40000" dist="23000" dir="5400000" rotWithShape="0">
-              <a:srgbClr val="000000">
-                <a:alpha val="35000"/>
-              </a:srgbClr>
-            </a:outerShdw>
-          </a:effectLst>
-        </a:effectStyle>
-        <a:effectStyle>
-          <a:effectLst>
-            <a:outerShdw blurRad="40000" dist="23000" dir="5400000" rotWithShape="0">
-              <a:srgbClr val="000000">
-                <a:alpha val="35000"/>
-              </a:srgbClr>
-            </a:outerShdw>
-          </a:effectLst>
-          <a:scene3d>
-            <a:camera prst="orthographicFront">
-              <a:rot lat="0" lon="0" rev="0"/>
-            </a:camera>
-            <a:lightRig rig="threePt" dir="t">
-              <a:rot lat="0" lon="0" rev="1200000"/>
-            </a:lightRig>
-          </a:scene3d>
-          <a:sp3d>
-            <a:bevelT w="63500" h="25400"/>
-          </a:sp3d>
-        </a:effectStyle>
-      </a:effectStyleLst>
-      <a:bgFillStyleLst>
-        <a:solidFill>
-          <a:schemeClr val="phClr"/>
-        </a:solidFill>
-        <a:gradFill rotWithShape="1">
-          <a:gsLst>
-            <a:gs pos="0">
-              <a:schemeClr val="phClr">
-                <a:tint val="40000"/>
-                <a:satMod val="350000"/>
-              </a:schemeClr>
-            </a:gs>
-            <a:gs pos="40000">
-              <a:schemeClr val="phClr">
-                <a:tint val="45000"/>
-                <a:shade val="99000"/>
-                <a:satMod val="350000"/>
-              </a:schemeClr>
-            </a:gs>
-            <a:gs pos="100000">
-              <a:schemeClr val="phClr">
-                <a:shade val="20000"/>
-                <a:satMod val="255000"/>
-              </a:schemeClr>
-            </a:gs>
-          </a:gsLst>
-          <a:path path="circle">
-            <a:fillToRect l="50000" t="-80000" r="50000" b="180000"/>
-          </a:path>
-        </a:gradFill>
-        <a:gradFill rotWithShape="1">
-          <a:gsLst>
-            <a:gs pos="0">
-              <a:schemeClr val="phClr">
-                <a:tint val="80000"/>
-                <a:satMod val="300000"/>
-              </a:schemeClr>
-            </a:gs>
-            <a:gs pos="100000">
-              <a:schemeClr val="phClr">
-                <a:shade val="30000"/>
-                <a:satMod val="200000"/>
-              </a:schemeClr>
-            </a:gs>
-          </a:gsLst>
-          <a:path path="circle">
-            <a:fillToRect l="50000" t="50000" r="50000" b="50000"/>
-          </a:path>
-        </a:gradFill>
-      </a:bgFillStyleLst>
-    </a:fmtScheme>
-  </a:themeElements>
-</a:theme>
 </file>